--- a/Documents/semi - mockup.pptx
+++ b/Documents/semi - mockup.pptx
@@ -23,19 +23,20 @@
     <p:sldId id="260" r:id="rId20"/>
     <p:sldId id="268" r:id="rId21"/>
     <p:sldId id="273" r:id="rId22"/>
-    <p:sldId id="274" r:id="rId23"/>
-    <p:sldId id="262" r:id="rId24"/>
-    <p:sldId id="270" r:id="rId25"/>
-    <p:sldId id="278" r:id="rId26"/>
-    <p:sldId id="279" r:id="rId27"/>
-    <p:sldId id="263" r:id="rId28"/>
-    <p:sldId id="271" r:id="rId29"/>
-    <p:sldId id="264" r:id="rId30"/>
-    <p:sldId id="275" r:id="rId31"/>
-    <p:sldId id="276" r:id="rId32"/>
-    <p:sldId id="277" r:id="rId33"/>
-    <p:sldId id="288" r:id="rId34"/>
-    <p:sldId id="289" r:id="rId35"/>
+    <p:sldId id="290" r:id="rId23"/>
+    <p:sldId id="274" r:id="rId24"/>
+    <p:sldId id="262" r:id="rId25"/>
+    <p:sldId id="270" r:id="rId26"/>
+    <p:sldId id="278" r:id="rId27"/>
+    <p:sldId id="279" r:id="rId28"/>
+    <p:sldId id="263" r:id="rId29"/>
+    <p:sldId id="271" r:id="rId30"/>
+    <p:sldId id="264" r:id="rId31"/>
+    <p:sldId id="275" r:id="rId32"/>
+    <p:sldId id="276" r:id="rId33"/>
+    <p:sldId id="277" r:id="rId34"/>
+    <p:sldId id="288" r:id="rId35"/>
+    <p:sldId id="289" r:id="rId36"/>
   </p:sldIdLst>
   <p:sldSz cx="12192000" cy="21674138"/>
   <p:notesSz cx="6858000" cy="9144000"/>
@@ -157,6 +158,7 @@
             <p14:sldId id="260"/>
             <p14:sldId id="268"/>
             <p14:sldId id="273"/>
+            <p14:sldId id="290"/>
             <p14:sldId id="274"/>
             <p14:sldId id="262"/>
             <p14:sldId id="270"/>
@@ -191,14 +193,6 @@
     </p:extLst>
   </p:cmAuthor>
 </p:cmAuthorLst>
-</file>
-
-<file path=ppt/revisionInfo.xml><?xml version="1.0" encoding="utf-8"?>
-<p1510:revInfo xmlns:a="http://schemas.openxmlformats.org/drawingml/2006/main" xmlns:r="http://schemas.openxmlformats.org/officeDocument/2006/relationships" xmlns:p1510="http://schemas.microsoft.com/office/powerpoint/2015/10/main">
-  <p1510:revLst>
-    <p1510:client id="{49593756-7672-41FE-9F2A-1D0D74F940DD}" v="2" dt="2019-09-05T04:53:58.665"/>
-  </p1510:revLst>
-</p1510:revInfo>
 </file>
 
 <file path=ppt/comments/comment1.xml><?xml version="1.0" encoding="utf-8"?>
@@ -346,7 +340,7 @@
           <a:p>
             <a:fld id="{E921CCBC-0385-4357-AEE1-99C0DE5CA11C}" type="datetimeFigureOut">
               <a:rPr lang="en-GB" smtClean="0"/>
-              <a:t>07/09/2019</a:t>
+              <a:t>09/09/2019</a:t>
             </a:fld>
             <a:endParaRPr lang="en-GB"/>
           </a:p>
@@ -516,7 +510,7 @@
           <a:p>
             <a:fld id="{E921CCBC-0385-4357-AEE1-99C0DE5CA11C}" type="datetimeFigureOut">
               <a:rPr lang="en-GB" smtClean="0"/>
-              <a:t>07/09/2019</a:t>
+              <a:t>09/09/2019</a:t>
             </a:fld>
             <a:endParaRPr lang="en-GB"/>
           </a:p>
@@ -696,7 +690,7 @@
           <a:p>
             <a:fld id="{E921CCBC-0385-4357-AEE1-99C0DE5CA11C}" type="datetimeFigureOut">
               <a:rPr lang="en-GB" smtClean="0"/>
-              <a:t>07/09/2019</a:t>
+              <a:t>09/09/2019</a:t>
             </a:fld>
             <a:endParaRPr lang="en-GB"/>
           </a:p>
@@ -866,7 +860,7 @@
           <a:p>
             <a:fld id="{E921CCBC-0385-4357-AEE1-99C0DE5CA11C}" type="datetimeFigureOut">
               <a:rPr lang="en-GB" smtClean="0"/>
-              <a:t>07/09/2019</a:t>
+              <a:t>09/09/2019</a:t>
             </a:fld>
             <a:endParaRPr lang="en-GB"/>
           </a:p>
@@ -1110,7 +1104,7 @@
           <a:p>
             <a:fld id="{E921CCBC-0385-4357-AEE1-99C0DE5CA11C}" type="datetimeFigureOut">
               <a:rPr lang="en-GB" smtClean="0"/>
-              <a:t>07/09/2019</a:t>
+              <a:t>09/09/2019</a:t>
             </a:fld>
             <a:endParaRPr lang="en-GB"/>
           </a:p>
@@ -1342,7 +1336,7 @@
           <a:p>
             <a:fld id="{E921CCBC-0385-4357-AEE1-99C0DE5CA11C}" type="datetimeFigureOut">
               <a:rPr lang="en-GB" smtClean="0"/>
-              <a:t>07/09/2019</a:t>
+              <a:t>09/09/2019</a:t>
             </a:fld>
             <a:endParaRPr lang="en-GB"/>
           </a:p>
@@ -1709,7 +1703,7 @@
           <a:p>
             <a:fld id="{E921CCBC-0385-4357-AEE1-99C0DE5CA11C}" type="datetimeFigureOut">
               <a:rPr lang="en-GB" smtClean="0"/>
-              <a:t>07/09/2019</a:t>
+              <a:t>09/09/2019</a:t>
             </a:fld>
             <a:endParaRPr lang="en-GB"/>
           </a:p>
@@ -1827,7 +1821,7 @@
           <a:p>
             <a:fld id="{E921CCBC-0385-4357-AEE1-99C0DE5CA11C}" type="datetimeFigureOut">
               <a:rPr lang="en-GB" smtClean="0"/>
-              <a:t>07/09/2019</a:t>
+              <a:t>09/09/2019</a:t>
             </a:fld>
             <a:endParaRPr lang="en-GB"/>
           </a:p>
@@ -1922,7 +1916,7 @@
           <a:p>
             <a:fld id="{E921CCBC-0385-4357-AEE1-99C0DE5CA11C}" type="datetimeFigureOut">
               <a:rPr lang="en-GB" smtClean="0"/>
-              <a:t>07/09/2019</a:t>
+              <a:t>09/09/2019</a:t>
             </a:fld>
             <a:endParaRPr lang="en-GB"/>
           </a:p>
@@ -2199,7 +2193,7 @@
           <a:p>
             <a:fld id="{E921CCBC-0385-4357-AEE1-99C0DE5CA11C}" type="datetimeFigureOut">
               <a:rPr lang="en-GB" smtClean="0"/>
-              <a:t>07/09/2019</a:t>
+              <a:t>09/09/2019</a:t>
             </a:fld>
             <a:endParaRPr lang="en-GB"/>
           </a:p>
@@ -2456,7 +2450,7 @@
           <a:p>
             <a:fld id="{E921CCBC-0385-4357-AEE1-99C0DE5CA11C}" type="datetimeFigureOut">
               <a:rPr lang="en-GB" smtClean="0"/>
-              <a:t>07/09/2019</a:t>
+              <a:t>09/09/2019</a:t>
             </a:fld>
             <a:endParaRPr lang="en-GB"/>
           </a:p>
@@ -2669,7 +2663,7 @@
           <a:p>
             <a:fld id="{E921CCBC-0385-4357-AEE1-99C0DE5CA11C}" type="datetimeFigureOut">
               <a:rPr lang="en-GB" smtClean="0"/>
-              <a:t>07/09/2019</a:t>
+              <a:t>09/09/2019</a:t>
             </a:fld>
             <a:endParaRPr lang="en-GB"/>
           </a:p>
@@ -3598,13 +3592,15 @@
               </a:ext>
             </a:extLst>
           </p:cNvPr>
-          <p:cNvCxnSpPr/>
+          <p:cNvCxnSpPr>
+            <a:cxnSpLocks/>
+          </p:cNvCxnSpPr>
           <p:nvPr/>
         </p:nvCxnSpPr>
         <p:spPr>
           <a:xfrm>
-            <a:off x="-6650182" y="2039115"/>
-            <a:ext cx="21363709" cy="0"/>
+            <a:off x="-41564" y="2039115"/>
+            <a:ext cx="12192000" cy="0"/>
           </a:xfrm>
           <a:prstGeom prst="line">
             <a:avLst/>
@@ -3978,7 +3974,7 @@
                 </a:solidFill>
                 <a:latin typeface="Agency FB" panose="020B0503020202020204" pitchFamily="34" charset="0"/>
               </a:rPr>
-              <a:t>BUY TICKETS</a:t>
+              <a:t>BUY TICKETS </a:t>
             </a:r>
           </a:p>
         </p:txBody>
@@ -4564,13 +4560,15 @@
               </a:ext>
             </a:extLst>
           </p:cNvPr>
-          <p:cNvCxnSpPr/>
+          <p:cNvCxnSpPr>
+            <a:cxnSpLocks/>
+          </p:cNvCxnSpPr>
           <p:nvPr/>
         </p:nvCxnSpPr>
         <p:spPr>
           <a:xfrm>
-            <a:off x="-6650182" y="2039115"/>
-            <a:ext cx="21363709" cy="0"/>
+            <a:off x="-6928" y="2039115"/>
+            <a:ext cx="12198928" cy="0"/>
           </a:xfrm>
           <a:prstGeom prst="line">
             <a:avLst/>
@@ -5951,13 +5949,15 @@
               </a:ext>
             </a:extLst>
           </p:cNvPr>
-          <p:cNvCxnSpPr/>
+          <p:cNvCxnSpPr>
+            <a:cxnSpLocks/>
+          </p:cNvCxnSpPr>
           <p:nvPr/>
         </p:nvCxnSpPr>
         <p:spPr>
           <a:xfrm>
-            <a:off x="-6650182" y="2039115"/>
-            <a:ext cx="21363709" cy="0"/>
+            <a:off x="0" y="2039115"/>
+            <a:ext cx="12192000" cy="0"/>
           </a:xfrm>
           <a:prstGeom prst="line">
             <a:avLst/>
@@ -6851,13 +6851,25 @@
           <a:lstStyle/>
           <a:p>
             <a:r>
-              <a:rPr lang="en-GB" sz="6600" dirty="0"/>
+              <a:rPr lang="en-GB" sz="6600" dirty="0">
+                <a:solidFill>
+                  <a:schemeClr val="bg1">
+                    <a:lumMod val="50000"/>
+                  </a:schemeClr>
+                </a:solidFill>
+              </a:rPr>
               <a:t>BUY</a:t>
             </a:r>
           </a:p>
           <a:p>
             <a:r>
-              <a:rPr lang="en-GB" sz="6600" dirty="0"/>
+              <a:rPr lang="en-GB" sz="6600" dirty="0">
+                <a:solidFill>
+                  <a:schemeClr val="bg1">
+                    <a:lumMod val="50000"/>
+                  </a:schemeClr>
+                </a:solidFill>
+              </a:rPr>
               <a:t>TICKETS</a:t>
             </a:r>
           </a:p>
@@ -6895,8 +6907,9 @@
             <a:r>
               <a:rPr lang="en-GB" sz="6600" dirty="0">
                 <a:solidFill>
-                  <a:schemeClr val="bg1">
-                    <a:lumMod val="65000"/>
+                  <a:schemeClr val="tx1">
+                    <a:lumMod val="95000"/>
+                    <a:lumOff val="5000"/>
                   </a:schemeClr>
                 </a:solidFill>
               </a:rPr>
@@ -7540,13 +7553,15 @@
               </a:ext>
             </a:extLst>
           </p:cNvPr>
-          <p:cNvCxnSpPr/>
+          <p:cNvCxnSpPr>
+            <a:cxnSpLocks/>
+          </p:cNvCxnSpPr>
           <p:nvPr/>
         </p:nvCxnSpPr>
         <p:spPr>
           <a:xfrm>
-            <a:off x="-6650182" y="2039115"/>
-            <a:ext cx="21363709" cy="0"/>
+            <a:off x="0" y="1996070"/>
+            <a:ext cx="12192000" cy="0"/>
           </a:xfrm>
           <a:prstGeom prst="line">
             <a:avLst/>
@@ -7810,13 +7825,15 @@
               </a:ext>
             </a:extLst>
           </p:cNvPr>
-          <p:cNvCxnSpPr/>
+          <p:cNvCxnSpPr>
+            <a:cxnSpLocks/>
+          </p:cNvCxnSpPr>
           <p:nvPr/>
         </p:nvCxnSpPr>
         <p:spPr>
           <a:xfrm>
-            <a:off x="-6650182" y="2039115"/>
-            <a:ext cx="21363709" cy="0"/>
+            <a:off x="0" y="1996070"/>
+            <a:ext cx="12160680" cy="43045"/>
           </a:xfrm>
           <a:prstGeom prst="line">
             <a:avLst/>
@@ -9003,13 +9020,15 @@
               </a:ext>
             </a:extLst>
           </p:cNvPr>
-          <p:cNvCxnSpPr/>
+          <p:cNvCxnSpPr>
+            <a:cxnSpLocks/>
+          </p:cNvCxnSpPr>
           <p:nvPr/>
         </p:nvCxnSpPr>
         <p:spPr>
           <a:xfrm>
-            <a:off x="-6650182" y="2039115"/>
-            <a:ext cx="21363709" cy="0"/>
+            <a:off x="0" y="2039115"/>
+            <a:ext cx="12192000" cy="0"/>
           </a:xfrm>
           <a:prstGeom prst="line">
             <a:avLst/>
@@ -9281,13 +9300,15 @@
               </a:ext>
             </a:extLst>
           </p:cNvPr>
-          <p:cNvCxnSpPr/>
+          <p:cNvCxnSpPr>
+            <a:cxnSpLocks/>
+          </p:cNvCxnSpPr>
           <p:nvPr/>
         </p:nvCxnSpPr>
         <p:spPr>
           <a:xfrm>
-            <a:off x="-6650182" y="2039115"/>
-            <a:ext cx="21363709" cy="0"/>
+            <a:off x="0" y="2039115"/>
+            <a:ext cx="12192000" cy="0"/>
           </a:xfrm>
           <a:prstGeom prst="line">
             <a:avLst/>
@@ -10579,13 +10600,15 @@
               </a:ext>
             </a:extLst>
           </p:cNvPr>
-          <p:cNvCxnSpPr/>
+          <p:cNvCxnSpPr>
+            <a:cxnSpLocks/>
+          </p:cNvCxnSpPr>
           <p:nvPr/>
         </p:nvCxnSpPr>
         <p:spPr>
           <a:xfrm>
-            <a:off x="-6650182" y="2039115"/>
-            <a:ext cx="21363709" cy="0"/>
+            <a:off x="0" y="2039115"/>
+            <a:ext cx="12192000" cy="0"/>
           </a:xfrm>
           <a:prstGeom prst="line">
             <a:avLst/>
@@ -10846,13 +10869,15 @@
               </a:ext>
             </a:extLst>
           </p:cNvPr>
-          <p:cNvCxnSpPr/>
+          <p:cNvCxnSpPr>
+            <a:cxnSpLocks/>
+          </p:cNvCxnSpPr>
           <p:nvPr/>
         </p:nvCxnSpPr>
         <p:spPr>
           <a:xfrm>
-            <a:off x="-5742710" y="11847484"/>
-            <a:ext cx="21363709" cy="0"/>
+            <a:off x="0" y="11847484"/>
+            <a:ext cx="12192000" cy="0"/>
           </a:xfrm>
           <a:prstGeom prst="line">
             <a:avLst/>
@@ -10932,7 +10957,7 @@
             <a:avLst/>
           </a:prstGeom>
           <a:solidFill>
-            <a:srgbClr val="002060"/>
+            <a:srgbClr val="2F5597"/>
           </a:solidFill>
         </p:spPr>
         <p:style>
@@ -10965,268 +10990,12 @@
           </a:p>
         </p:txBody>
       </p:sp>
-      <p:cxnSp>
-        <p:nvCxnSpPr>
-          <p:cNvPr id="7" name="Straight Connector 6">
-            <a:extLst>
-              <a:ext uri="{FF2B5EF4-FFF2-40B4-BE49-F238E27FC236}">
-                <a16:creationId xmlns:a16="http://schemas.microsoft.com/office/drawing/2014/main" id="{4FE02D35-797E-4098-9116-380624027DC5}"/>
-              </a:ext>
-            </a:extLst>
-          </p:cNvPr>
-          <p:cNvCxnSpPr/>
-          <p:nvPr/>
-        </p:nvCxnSpPr>
-        <p:spPr>
-          <a:xfrm>
-            <a:off x="-6650182" y="2039115"/>
-            <a:ext cx="21363709" cy="0"/>
-          </a:xfrm>
-          <a:prstGeom prst="line">
-            <a:avLst/>
-          </a:prstGeom>
-        </p:spPr>
-        <p:style>
-          <a:lnRef idx="1">
-            <a:schemeClr val="dk1"/>
-          </a:lnRef>
-          <a:fillRef idx="0">
-            <a:schemeClr val="dk1"/>
-          </a:fillRef>
-          <a:effectRef idx="0">
-            <a:schemeClr val="dk1"/>
-          </a:effectRef>
-          <a:fontRef idx="minor">
-            <a:schemeClr val="tx1"/>
-          </a:fontRef>
-        </p:style>
-      </p:cxnSp>
-      <p:sp>
-        <p:nvSpPr>
-          <p:cNvPr id="10" name="Rectangle 9">
-            <a:extLst>
-              <a:ext uri="{FF2B5EF4-FFF2-40B4-BE49-F238E27FC236}">
-                <a16:creationId xmlns:a16="http://schemas.microsoft.com/office/drawing/2014/main" id="{85392D56-C427-41DA-8CEA-9C8F9551D8E3}"/>
-              </a:ext>
-            </a:extLst>
-          </p:cNvPr>
-          <p:cNvSpPr/>
-          <p:nvPr/>
-        </p:nvSpPr>
-        <p:spPr>
-          <a:xfrm>
-            <a:off x="6795654" y="4157142"/>
-            <a:ext cx="4779817" cy="4401297"/>
-          </a:xfrm>
-          <a:prstGeom prst="rect">
-            <a:avLst/>
-          </a:prstGeom>
-          <a:solidFill>
-            <a:srgbClr val="002060"/>
-          </a:solidFill>
-        </p:spPr>
-        <p:style>
-          <a:lnRef idx="2">
-            <a:schemeClr val="accent1"/>
-          </a:lnRef>
-          <a:fillRef idx="1">
-            <a:schemeClr val="lt1"/>
-          </a:fillRef>
-          <a:effectRef idx="0">
-            <a:schemeClr val="accent1"/>
-          </a:effectRef>
-          <a:fontRef idx="minor">
-            <a:schemeClr val="dk1"/>
-          </a:fontRef>
-        </p:style>
-        <p:txBody>
-          <a:bodyPr rtlCol="0" anchor="ctr"/>
-          <a:lstStyle/>
-          <a:p>
-            <a:r>
-              <a:rPr lang="en-GB" sz="4400" dirty="0">
-                <a:solidFill>
-                  <a:schemeClr val="bg1"/>
-                </a:solidFill>
-              </a:rPr>
-              <a:t>TO BALIBAGO	</a:t>
-            </a:r>
-          </a:p>
-          <a:p>
-            <a:r>
-              <a:rPr lang="en-GB" sz="4400" dirty="0">
-                <a:solidFill>
-                  <a:schemeClr val="bg1"/>
-                </a:solidFill>
-              </a:rPr>
-              <a:t>PRICE: 46 PHP</a:t>
-            </a:r>
-          </a:p>
-        </p:txBody>
-      </p:sp>
-      <p:sp>
-        <p:nvSpPr>
-          <p:cNvPr id="11" name="Rectangle 10">
-            <a:extLst>
-              <a:ext uri="{FF2B5EF4-FFF2-40B4-BE49-F238E27FC236}">
-                <a16:creationId xmlns:a16="http://schemas.microsoft.com/office/drawing/2014/main" id="{29EB67F4-6EC9-4D11-A5D4-1149D1E55973}"/>
-              </a:ext>
-            </a:extLst>
-          </p:cNvPr>
-          <p:cNvSpPr/>
-          <p:nvPr/>
-        </p:nvSpPr>
-        <p:spPr>
-          <a:xfrm>
-            <a:off x="0" y="9802616"/>
-            <a:ext cx="12192000" cy="10997671"/>
-          </a:xfrm>
-          <a:prstGeom prst="rect">
-            <a:avLst/>
-          </a:prstGeom>
-          <a:solidFill>
-            <a:srgbClr val="2F5597"/>
-          </a:solidFill>
-          <a:ln>
-            <a:noFill/>
-          </a:ln>
-        </p:spPr>
-        <p:style>
-          <a:lnRef idx="2">
-            <a:schemeClr val="accent1"/>
-          </a:lnRef>
-          <a:fillRef idx="1">
-            <a:schemeClr val="lt1"/>
-          </a:fillRef>
-          <a:effectRef idx="0">
-            <a:schemeClr val="accent1"/>
-          </a:effectRef>
-          <a:fontRef idx="minor">
-            <a:schemeClr val="dk1"/>
-          </a:fontRef>
-        </p:style>
-        <p:txBody>
-          <a:bodyPr rtlCol="0" anchor="ctr"/>
-          <a:lstStyle/>
-          <a:p>
-            <a:pPr>
-              <a:lnSpc>
-                <a:spcPct val="150000"/>
-              </a:lnSpc>
-            </a:pPr>
-            <a:r>
-              <a:rPr lang="en-GB" sz="4400" dirty="0">
-                <a:solidFill>
-                  <a:schemeClr val="bg1"/>
-                </a:solidFill>
-              </a:rPr>
-              <a:t>INSTRUCTIONS:</a:t>
-            </a:r>
-          </a:p>
-          <a:p>
-            <a:pPr>
-              <a:lnSpc>
-                <a:spcPct val="150000"/>
-              </a:lnSpc>
-            </a:pPr>
-            <a:endParaRPr lang="en-GB" sz="4400" dirty="0">
-              <a:solidFill>
-                <a:schemeClr val="bg1"/>
-              </a:solidFill>
-            </a:endParaRPr>
-          </a:p>
-          <a:p>
-            <a:pPr marL="742950" indent="-742950">
-              <a:lnSpc>
-                <a:spcPct val="150000"/>
-              </a:lnSpc>
-              <a:buAutoNum type="arabicPeriod"/>
-            </a:pPr>
-            <a:r>
-              <a:rPr lang="en-GB" sz="4400" dirty="0">
-                <a:solidFill>
-                  <a:schemeClr val="bg1"/>
-                </a:solidFill>
-              </a:rPr>
-              <a:t>Present the QR Code to the bus personnel for scanning</a:t>
-            </a:r>
-          </a:p>
-          <a:p>
-            <a:pPr marL="742950" indent="-742950">
-              <a:lnSpc>
-                <a:spcPct val="150000"/>
-              </a:lnSpc>
-              <a:buAutoNum type="arabicPeriod"/>
-            </a:pPr>
-            <a:r>
-              <a:rPr lang="en-GB" sz="4400" dirty="0">
-                <a:solidFill>
-                  <a:schemeClr val="bg1"/>
-                </a:solidFill>
-              </a:rPr>
-              <a:t>Give the Appropriate Fee</a:t>
-            </a:r>
-          </a:p>
-          <a:p>
-            <a:pPr marL="742950" indent="-742950">
-              <a:lnSpc>
-                <a:spcPct val="150000"/>
-              </a:lnSpc>
-              <a:buAutoNum type="arabicPeriod"/>
-            </a:pPr>
-            <a:r>
-              <a:rPr lang="en-GB" sz="4400" dirty="0">
-                <a:solidFill>
-                  <a:schemeClr val="bg1"/>
-                </a:solidFill>
-              </a:rPr>
-              <a:t>Wait for the SMS that will serve as your receipt and proof of purchase</a:t>
-            </a:r>
-          </a:p>
-        </p:txBody>
-      </p:sp>
-      <p:cxnSp>
-        <p:nvCxnSpPr>
-          <p:cNvPr id="9" name="Straight Connector 8">
-            <a:extLst>
-              <a:ext uri="{FF2B5EF4-FFF2-40B4-BE49-F238E27FC236}">
-                <a16:creationId xmlns:a16="http://schemas.microsoft.com/office/drawing/2014/main" id="{AF4FD93B-C8A0-499C-A080-0C07F3CBFFD6}"/>
-              </a:ext>
-            </a:extLst>
-          </p:cNvPr>
-          <p:cNvCxnSpPr/>
-          <p:nvPr/>
-        </p:nvCxnSpPr>
-        <p:spPr>
-          <a:xfrm>
-            <a:off x="-5742710" y="11847484"/>
-            <a:ext cx="21363709" cy="0"/>
-          </a:xfrm>
-          <a:prstGeom prst="line">
-            <a:avLst/>
-          </a:prstGeom>
-        </p:spPr>
-        <p:style>
-          <a:lnRef idx="1">
-            <a:schemeClr val="dk1"/>
-          </a:lnRef>
-          <a:fillRef idx="0">
-            <a:schemeClr val="dk1"/>
-          </a:fillRef>
-          <a:effectRef idx="0">
-            <a:schemeClr val="dk1"/>
-          </a:effectRef>
-          <a:fontRef idx="minor">
-            <a:schemeClr val="tx1"/>
-          </a:fontRef>
-        </p:style>
-      </p:cxnSp>
       <p:grpSp>
         <p:nvGrpSpPr>
-          <p:cNvPr id="33" name="Group 32">
-            <a:extLst>
-              <a:ext uri="{FF2B5EF4-FFF2-40B4-BE49-F238E27FC236}">
-                <a16:creationId xmlns:a16="http://schemas.microsoft.com/office/drawing/2014/main" id="{C04A7F18-FD79-4A78-8735-B8A93E7C906D}"/>
+          <p:cNvPr id="2" name="Group 1">
+            <a:extLst>
+              <a:ext uri="{FF2B5EF4-FFF2-40B4-BE49-F238E27FC236}">
+                <a16:creationId xmlns:a16="http://schemas.microsoft.com/office/drawing/2014/main" id="{34BB495A-39A4-41C6-A2DD-E03E900F8641}"/>
               </a:ext>
             </a:extLst>
           </p:cNvPr>
@@ -11243,10 +11012,10 @@
         </p:grpSpPr>
         <p:pic>
           <p:nvPicPr>
-            <p:cNvPr id="34" name="Graphic 33" descr="Pause">
+            <p:cNvPr id="16" name="Graphic 15" descr="Pause">
               <a:extLst>
                 <a:ext uri="{FF2B5EF4-FFF2-40B4-BE49-F238E27FC236}">
-                  <a16:creationId xmlns:a16="http://schemas.microsoft.com/office/drawing/2014/main" id="{7DE77FB6-9259-4A65-AEFC-26486505AE79}"/>
+                  <a16:creationId xmlns:a16="http://schemas.microsoft.com/office/drawing/2014/main" id="{547E1B56-80ED-4478-B5EB-AF57A896E4E3}"/>
                 </a:ext>
               </a:extLst>
             </p:cNvPr>
@@ -11282,10 +11051,10 @@
         </p:pic>
         <p:pic>
           <p:nvPicPr>
-            <p:cNvPr id="35" name="Graphic 34" descr="Pause">
+            <p:cNvPr id="17" name="Graphic 16" descr="Pause">
               <a:extLst>
                 <a:ext uri="{FF2B5EF4-FFF2-40B4-BE49-F238E27FC236}">
-                  <a16:creationId xmlns:a16="http://schemas.microsoft.com/office/drawing/2014/main" id="{12289CFA-4A02-44D2-A39E-F67B1C0BB711}"/>
+                  <a16:creationId xmlns:a16="http://schemas.microsoft.com/office/drawing/2014/main" id="{DFDF95E7-63CC-4007-82B3-E5762A06EC9B}"/>
                 </a:ext>
               </a:extLst>
             </p:cNvPr>
@@ -11320,12 +11089,623 @@
           </p:spPr>
         </p:pic>
       </p:grpSp>
+      <p:cxnSp>
+        <p:nvCxnSpPr>
+          <p:cNvPr id="7" name="Straight Connector 6">
+            <a:extLst>
+              <a:ext uri="{FF2B5EF4-FFF2-40B4-BE49-F238E27FC236}">
+                <a16:creationId xmlns:a16="http://schemas.microsoft.com/office/drawing/2014/main" id="{4FE02D35-797E-4098-9116-380624027DC5}"/>
+              </a:ext>
+            </a:extLst>
+          </p:cNvPr>
+          <p:cNvCxnSpPr>
+            <a:cxnSpLocks/>
+          </p:cNvCxnSpPr>
+          <p:nvPr/>
+        </p:nvCxnSpPr>
+        <p:spPr>
+          <a:xfrm>
+            <a:off x="0" y="2039115"/>
+            <a:ext cx="12192000" cy="0"/>
+          </a:xfrm>
+          <a:prstGeom prst="line">
+            <a:avLst/>
+          </a:prstGeom>
+        </p:spPr>
+        <p:style>
+          <a:lnRef idx="1">
+            <a:schemeClr val="dk1"/>
+          </a:lnRef>
+          <a:fillRef idx="0">
+            <a:schemeClr val="dk1"/>
+          </a:fillRef>
+          <a:effectRef idx="0">
+            <a:schemeClr val="dk1"/>
+          </a:effectRef>
+          <a:fontRef idx="minor">
+            <a:schemeClr val="tx1"/>
+          </a:fontRef>
+        </p:style>
+      </p:cxnSp>
       <p:pic>
         <p:nvPicPr>
-          <p:cNvPr id="36" name="Graphic 35" descr="Marker">
-            <a:extLst>
-              <a:ext uri="{FF2B5EF4-FFF2-40B4-BE49-F238E27FC236}">
-                <a16:creationId xmlns:a16="http://schemas.microsoft.com/office/drawing/2014/main" id="{60FD3E27-74AB-4616-AD6F-742184C707AA}"/>
+          <p:cNvPr id="5122" name="Picture 2" descr="Image result for QR CODE">
+            <a:extLst>
+              <a:ext uri="{FF2B5EF4-FFF2-40B4-BE49-F238E27FC236}">
+                <a16:creationId xmlns:a16="http://schemas.microsoft.com/office/drawing/2014/main" id="{57A485BA-169D-419B-8CC4-F6D413DEA204}"/>
+              </a:ext>
+            </a:extLst>
+          </p:cNvPr>
+          <p:cNvPicPr>
+            <a:picLocks noChangeAspect="1" noChangeArrowheads="1"/>
+          </p:cNvPicPr>
+          <p:nvPr/>
+        </p:nvPicPr>
+        <p:blipFill>
+          <a:blip r:embed="rId6">
+            <a:extLst>
+              <a:ext uri="{28A0092B-C50C-407E-A947-70E740481C1C}">
+                <a14:useLocalDpi xmlns:a14="http://schemas.microsoft.com/office/drawing/2010/main" val="0"/>
+              </a:ext>
+            </a:extLst>
+          </a:blip>
+          <a:srcRect/>
+          <a:stretch>
+            <a:fillRect/>
+          </a:stretch>
+        </p:blipFill>
+        <p:spPr bwMode="auto">
+          <a:xfrm>
+            <a:off x="574963" y="3424091"/>
+            <a:ext cx="5867401" cy="5867401"/>
+          </a:xfrm>
+          <a:prstGeom prst="rect">
+            <a:avLst/>
+          </a:prstGeom>
+          <a:noFill/>
+          <a:extLst>
+            <a:ext uri="{909E8E84-426E-40DD-AFC4-6F175D3DCCD1}">
+              <a14:hiddenFill xmlns:a14="http://schemas.microsoft.com/office/drawing/2010/main">
+                <a:solidFill>
+                  <a:srgbClr val="FFFFFF"/>
+                </a:solidFill>
+              </a14:hiddenFill>
+            </a:ext>
+          </a:extLst>
+        </p:spPr>
+      </p:pic>
+      <p:sp>
+        <p:nvSpPr>
+          <p:cNvPr id="10" name="Rectangle 9">
+            <a:extLst>
+              <a:ext uri="{FF2B5EF4-FFF2-40B4-BE49-F238E27FC236}">
+                <a16:creationId xmlns:a16="http://schemas.microsoft.com/office/drawing/2014/main" id="{85392D56-C427-41DA-8CEA-9C8F9551D8E3}"/>
+              </a:ext>
+            </a:extLst>
+          </p:cNvPr>
+          <p:cNvSpPr/>
+          <p:nvPr/>
+        </p:nvSpPr>
+        <p:spPr>
+          <a:xfrm>
+            <a:off x="6795654" y="4157142"/>
+            <a:ext cx="4779817" cy="4401297"/>
+          </a:xfrm>
+          <a:prstGeom prst="rect">
+            <a:avLst/>
+          </a:prstGeom>
+          <a:solidFill>
+            <a:srgbClr val="2F5597"/>
+          </a:solidFill>
+        </p:spPr>
+        <p:style>
+          <a:lnRef idx="2">
+            <a:schemeClr val="accent1"/>
+          </a:lnRef>
+          <a:fillRef idx="1">
+            <a:schemeClr val="lt1"/>
+          </a:fillRef>
+          <a:effectRef idx="0">
+            <a:schemeClr val="accent1"/>
+          </a:effectRef>
+          <a:fontRef idx="minor">
+            <a:schemeClr val="dk1"/>
+          </a:fontRef>
+        </p:style>
+        <p:txBody>
+          <a:bodyPr rtlCol="0" anchor="ctr"/>
+          <a:lstStyle/>
+          <a:p>
+            <a:r>
+              <a:rPr lang="en-GB" sz="4400" dirty="0">
+                <a:solidFill>
+                  <a:schemeClr val="bg1"/>
+                </a:solidFill>
+              </a:rPr>
+              <a:t>TO BALIBAGO	</a:t>
+            </a:r>
+          </a:p>
+          <a:p>
+            <a:r>
+              <a:rPr lang="en-GB" sz="4400" dirty="0">
+                <a:solidFill>
+                  <a:schemeClr val="bg1"/>
+                </a:solidFill>
+              </a:rPr>
+              <a:t>PRICE: 46 PHP</a:t>
+            </a:r>
+          </a:p>
+        </p:txBody>
+      </p:sp>
+      <p:sp>
+        <p:nvSpPr>
+          <p:cNvPr id="11" name="Rectangle 10">
+            <a:extLst>
+              <a:ext uri="{FF2B5EF4-FFF2-40B4-BE49-F238E27FC236}">
+                <a16:creationId xmlns:a16="http://schemas.microsoft.com/office/drawing/2014/main" id="{29EB67F4-6EC9-4D11-A5D4-1149D1E55973}"/>
+              </a:ext>
+            </a:extLst>
+          </p:cNvPr>
+          <p:cNvSpPr/>
+          <p:nvPr/>
+        </p:nvSpPr>
+        <p:spPr>
+          <a:xfrm>
+            <a:off x="0" y="9802616"/>
+            <a:ext cx="12192000" cy="10997671"/>
+          </a:xfrm>
+          <a:prstGeom prst="rect">
+            <a:avLst/>
+          </a:prstGeom>
+          <a:solidFill>
+            <a:srgbClr val="2F5597"/>
+          </a:solidFill>
+          <a:ln>
+            <a:noFill/>
+          </a:ln>
+        </p:spPr>
+        <p:style>
+          <a:lnRef idx="2">
+            <a:schemeClr val="accent1"/>
+          </a:lnRef>
+          <a:fillRef idx="1">
+            <a:schemeClr val="lt1"/>
+          </a:fillRef>
+          <a:effectRef idx="0">
+            <a:schemeClr val="accent1"/>
+          </a:effectRef>
+          <a:fontRef idx="minor">
+            <a:schemeClr val="dk1"/>
+          </a:fontRef>
+        </p:style>
+        <p:txBody>
+          <a:bodyPr rtlCol="0" anchor="ctr"/>
+          <a:lstStyle/>
+          <a:p>
+            <a:pPr>
+              <a:lnSpc>
+                <a:spcPct val="150000"/>
+              </a:lnSpc>
+            </a:pPr>
+            <a:r>
+              <a:rPr lang="en-GB" sz="4400" dirty="0">
+                <a:solidFill>
+                  <a:schemeClr val="bg1"/>
+                </a:solidFill>
+              </a:rPr>
+              <a:t>INSTRUCTIONS:</a:t>
+            </a:r>
+          </a:p>
+          <a:p>
+            <a:pPr>
+              <a:lnSpc>
+                <a:spcPct val="150000"/>
+              </a:lnSpc>
+            </a:pPr>
+            <a:endParaRPr lang="en-GB" sz="4400" dirty="0">
+              <a:solidFill>
+                <a:schemeClr val="bg1"/>
+              </a:solidFill>
+            </a:endParaRPr>
+          </a:p>
+          <a:p>
+            <a:pPr marL="742950" indent="-742950">
+              <a:lnSpc>
+                <a:spcPct val="150000"/>
+              </a:lnSpc>
+              <a:buAutoNum type="arabicPeriod"/>
+            </a:pPr>
+            <a:r>
+              <a:rPr lang="en-GB" sz="4400" dirty="0">
+                <a:solidFill>
+                  <a:schemeClr val="bg1"/>
+                </a:solidFill>
+              </a:rPr>
+              <a:t>Present the QR Code to the bus personnel for scanning</a:t>
+            </a:r>
+          </a:p>
+          <a:p>
+            <a:pPr marL="742950" indent="-742950">
+              <a:lnSpc>
+                <a:spcPct val="150000"/>
+              </a:lnSpc>
+              <a:buAutoNum type="arabicPeriod"/>
+            </a:pPr>
+            <a:r>
+              <a:rPr lang="en-GB" sz="4400" dirty="0">
+                <a:solidFill>
+                  <a:schemeClr val="bg1"/>
+                </a:solidFill>
+              </a:rPr>
+              <a:t>Give the Appropriate Fee</a:t>
+            </a:r>
+          </a:p>
+          <a:p>
+            <a:pPr marL="742950" indent="-742950">
+              <a:lnSpc>
+                <a:spcPct val="150000"/>
+              </a:lnSpc>
+              <a:buAutoNum type="arabicPeriod"/>
+            </a:pPr>
+            <a:r>
+              <a:rPr lang="en-GB" sz="4400" dirty="0">
+                <a:solidFill>
+                  <a:schemeClr val="bg1"/>
+                </a:solidFill>
+              </a:rPr>
+              <a:t>Wait for the SMS that will serve as your receipt and proof of purchase</a:t>
+            </a:r>
+          </a:p>
+        </p:txBody>
+      </p:sp>
+      <p:cxnSp>
+        <p:nvCxnSpPr>
+          <p:cNvPr id="9" name="Straight Connector 8">
+            <a:extLst>
+              <a:ext uri="{FF2B5EF4-FFF2-40B4-BE49-F238E27FC236}">
+                <a16:creationId xmlns:a16="http://schemas.microsoft.com/office/drawing/2014/main" id="{AF4FD93B-C8A0-499C-A080-0C07F3CBFFD6}"/>
+              </a:ext>
+            </a:extLst>
+          </p:cNvPr>
+          <p:cNvCxnSpPr>
+            <a:cxnSpLocks/>
+          </p:cNvCxnSpPr>
+          <p:nvPr/>
+        </p:nvCxnSpPr>
+        <p:spPr>
+          <a:xfrm>
+            <a:off x="0" y="11847484"/>
+            <a:ext cx="12192000" cy="0"/>
+          </a:xfrm>
+          <a:prstGeom prst="line">
+            <a:avLst/>
+          </a:prstGeom>
+        </p:spPr>
+        <p:style>
+          <a:lnRef idx="1">
+            <a:schemeClr val="dk1"/>
+          </a:lnRef>
+          <a:fillRef idx="0">
+            <a:schemeClr val="dk1"/>
+          </a:fillRef>
+          <a:effectRef idx="0">
+            <a:schemeClr val="dk1"/>
+          </a:effectRef>
+          <a:fontRef idx="minor">
+            <a:schemeClr val="tx1"/>
+          </a:fontRef>
+        </p:style>
+      </p:cxnSp>
+      <p:sp>
+        <p:nvSpPr>
+          <p:cNvPr id="12" name="Rectangle 11">
+            <a:extLst>
+              <a:ext uri="{FF2B5EF4-FFF2-40B4-BE49-F238E27FC236}">
+                <a16:creationId xmlns:a16="http://schemas.microsoft.com/office/drawing/2014/main" id="{0851CF83-324A-405C-A8A8-78E997DD6098}"/>
+              </a:ext>
+            </a:extLst>
+          </p:cNvPr>
+          <p:cNvSpPr/>
+          <p:nvPr/>
+        </p:nvSpPr>
+        <p:spPr>
+          <a:xfrm>
+            <a:off x="2701636" y="622986"/>
+            <a:ext cx="8188036" cy="1122218"/>
+          </a:xfrm>
+          <a:prstGeom prst="rect">
+            <a:avLst/>
+          </a:prstGeom>
+          <a:solidFill>
+            <a:srgbClr val="2F5597"/>
+          </a:solidFill>
+        </p:spPr>
+        <p:style>
+          <a:lnRef idx="2">
+            <a:schemeClr val="accent1"/>
+          </a:lnRef>
+          <a:fillRef idx="1">
+            <a:schemeClr val="lt1"/>
+          </a:fillRef>
+          <a:effectRef idx="0">
+            <a:schemeClr val="accent1"/>
+          </a:effectRef>
+          <a:fontRef idx="minor">
+            <a:schemeClr val="dk1"/>
+          </a:fontRef>
+        </p:style>
+        <p:txBody>
+          <a:bodyPr rtlCol="0" anchor="ctr"/>
+          <a:lstStyle/>
+          <a:p>
+            <a:r>
+              <a:rPr lang="en-GB" sz="5400" b="1" dirty="0">
+                <a:solidFill>
+                  <a:schemeClr val="bg1"/>
+                </a:solidFill>
+                <a:latin typeface="Agency FB" panose="020B0503020202020204" pitchFamily="34" charset="0"/>
+              </a:rPr>
+              <a:t>PAYMAYA PAYMENT SUMMARY</a:t>
+            </a:r>
+          </a:p>
+        </p:txBody>
+      </p:sp>
+      <p:grpSp>
+        <p:nvGrpSpPr>
+          <p:cNvPr id="13" name="Group 12">
+            <a:extLst>
+              <a:ext uri="{FF2B5EF4-FFF2-40B4-BE49-F238E27FC236}">
+                <a16:creationId xmlns:a16="http://schemas.microsoft.com/office/drawing/2014/main" id="{C20C58D6-E480-4917-A21E-50FFC23A2A92}"/>
+              </a:ext>
+            </a:extLst>
+          </p:cNvPr>
+          <p:cNvGrpSpPr/>
+          <p:nvPr/>
+        </p:nvGrpSpPr>
+        <p:grpSpPr>
+          <a:xfrm>
+            <a:off x="193962" y="436183"/>
+            <a:ext cx="2511137" cy="1559887"/>
+            <a:chOff x="193962" y="436183"/>
+            <a:chExt cx="2511137" cy="1559887"/>
+          </a:xfrm>
+        </p:grpSpPr>
+        <p:pic>
+          <p:nvPicPr>
+            <p:cNvPr id="14" name="Graphic 13" descr="Pause">
+              <a:extLst>
+                <a:ext uri="{FF2B5EF4-FFF2-40B4-BE49-F238E27FC236}">
+                  <a16:creationId xmlns:a16="http://schemas.microsoft.com/office/drawing/2014/main" id="{445CC4B2-148C-4C6E-8C31-A700DB8EC38A}"/>
+                </a:ext>
+              </a:extLst>
+            </p:cNvPr>
+            <p:cNvPicPr>
+              <a:picLocks noChangeAspect="1"/>
+            </p:cNvPicPr>
+            <p:nvPr/>
+          </p:nvPicPr>
+          <p:blipFill>
+            <a:blip r:embed="rId2">
+              <a:extLst>
+                <a:ext uri="{28A0092B-C50C-407E-A947-70E740481C1C}">
+                  <a14:useLocalDpi xmlns:a14="http://schemas.microsoft.com/office/drawing/2010/main" val="0"/>
+                </a:ext>
+                <a:ext uri="{96DAC541-7B7A-43D3-8B79-37D633B846F1}">
+                  <asvg:svgBlip xmlns:asvg="http://schemas.microsoft.com/office/drawing/2016/SVG/main" r:embed="rId3"/>
+                </a:ext>
+              </a:extLst>
+            </a:blip>
+            <a:stretch>
+              <a:fillRect/>
+            </a:stretch>
+          </p:blipFill>
+          <p:spPr>
+            <a:xfrm rot="5400000">
+              <a:off x="886690" y="-256545"/>
+              <a:ext cx="1122218" cy="2507673"/>
+            </a:xfrm>
+            <a:prstGeom prst="rect">
+              <a:avLst/>
+            </a:prstGeom>
+          </p:spPr>
+        </p:pic>
+        <p:pic>
+          <p:nvPicPr>
+            <p:cNvPr id="15" name="Graphic 14" descr="Pause">
+              <a:extLst>
+                <a:ext uri="{FF2B5EF4-FFF2-40B4-BE49-F238E27FC236}">
+                  <a16:creationId xmlns:a16="http://schemas.microsoft.com/office/drawing/2014/main" id="{5625F160-29F3-4B8B-9992-C3C8980A877F}"/>
+                </a:ext>
+              </a:extLst>
+            </p:cNvPr>
+            <p:cNvPicPr>
+              <a:picLocks noChangeAspect="1"/>
+            </p:cNvPicPr>
+            <p:nvPr/>
+          </p:nvPicPr>
+          <p:blipFill>
+            <a:blip r:embed="rId4">
+              <a:extLst>
+                <a:ext uri="{28A0092B-C50C-407E-A947-70E740481C1C}">
+                  <a14:useLocalDpi xmlns:a14="http://schemas.microsoft.com/office/drawing/2010/main" val="0"/>
+                </a:ext>
+                <a:ext uri="{96DAC541-7B7A-43D3-8B79-37D633B846F1}">
+                  <asvg:svgBlip xmlns:asvg="http://schemas.microsoft.com/office/drawing/2016/SVG/main" r:embed="rId5"/>
+                </a:ext>
+              </a:extLst>
+            </a:blip>
+            <a:stretch>
+              <a:fillRect/>
+            </a:stretch>
+          </p:blipFill>
+          <p:spPr>
+            <a:xfrm rot="5400000">
+              <a:off x="890154" y="181124"/>
+              <a:ext cx="1122218" cy="2507673"/>
+            </a:xfrm>
+            <a:prstGeom prst="rect">
+              <a:avLst/>
+            </a:prstGeom>
+          </p:spPr>
+        </p:pic>
+      </p:grpSp>
+      <p:sp>
+        <p:nvSpPr>
+          <p:cNvPr id="20" name="Rectangle 19">
+            <a:hlinkClick r:id="rId7" action="ppaction://hlinksldjump"/>
+            <a:extLst>
+              <a:ext uri="{FF2B5EF4-FFF2-40B4-BE49-F238E27FC236}">
+                <a16:creationId xmlns:a16="http://schemas.microsoft.com/office/drawing/2014/main" id="{9C7E7848-F9C0-4297-BBF4-F8AA01810632}"/>
+              </a:ext>
+            </a:extLst>
+          </p:cNvPr>
+          <p:cNvSpPr/>
+          <p:nvPr/>
+        </p:nvSpPr>
+        <p:spPr>
+          <a:xfrm>
+            <a:off x="-32328" y="5165605"/>
+            <a:ext cx="12159672" cy="7855506"/>
+          </a:xfrm>
+          <a:prstGeom prst="rect">
+            <a:avLst/>
+          </a:prstGeom>
+        </p:spPr>
+        <p:style>
+          <a:lnRef idx="2">
+            <a:schemeClr val="accent3"/>
+          </a:lnRef>
+          <a:fillRef idx="1">
+            <a:schemeClr val="lt1"/>
+          </a:fillRef>
+          <a:effectRef idx="0">
+            <a:schemeClr val="accent3"/>
+          </a:effectRef>
+          <a:fontRef idx="minor">
+            <a:schemeClr val="dk1"/>
+          </a:fontRef>
+        </p:style>
+        <p:txBody>
+          <a:bodyPr rtlCol="0" anchor="ctr"/>
+          <a:lstStyle/>
+          <a:p>
+            <a:pPr algn="ctr"/>
+            <a:endParaRPr lang="en-GB" dirty="0"/>
+          </a:p>
+          <a:p>
+            <a:pPr algn="ctr"/>
+            <a:endParaRPr lang="en-GB" dirty="0"/>
+          </a:p>
+          <a:p>
+            <a:pPr algn="ctr"/>
+            <a:endParaRPr lang="en-GB" dirty="0"/>
+          </a:p>
+          <a:p>
+            <a:pPr algn="ctr"/>
+            <a:endParaRPr lang="en-GB" dirty="0"/>
+          </a:p>
+          <a:p>
+            <a:pPr algn="ctr"/>
+            <a:endParaRPr lang="en-GB" dirty="0"/>
+          </a:p>
+          <a:p>
+            <a:pPr algn="ctr"/>
+            <a:endParaRPr lang="en-GB" dirty="0"/>
+          </a:p>
+          <a:p>
+            <a:pPr algn="ctr"/>
+            <a:endParaRPr lang="en-GB" dirty="0"/>
+          </a:p>
+          <a:p>
+            <a:pPr algn="ctr"/>
+            <a:endParaRPr lang="en-GB" dirty="0"/>
+          </a:p>
+          <a:p>
+            <a:pPr algn="ctr"/>
+            <a:endParaRPr lang="en-GB" dirty="0"/>
+          </a:p>
+          <a:p>
+            <a:pPr algn="ctr"/>
+            <a:endParaRPr lang="en-GB" dirty="0"/>
+          </a:p>
+          <a:p>
+            <a:pPr algn="ctr"/>
+            <a:endParaRPr lang="en-GB" dirty="0"/>
+          </a:p>
+          <a:p>
+            <a:pPr algn="ctr"/>
+            <a:endParaRPr lang="en-GB" dirty="0"/>
+          </a:p>
+          <a:p>
+            <a:pPr algn="ctr"/>
+            <a:endParaRPr lang="en-GB" dirty="0"/>
+          </a:p>
+          <a:p>
+            <a:pPr algn="ctr"/>
+            <a:endParaRPr lang="en-GB" dirty="0"/>
+          </a:p>
+          <a:p>
+            <a:pPr algn="ctr"/>
+            <a:r>
+              <a:rPr lang="en-GB" sz="6000" dirty="0">
+                <a:latin typeface="Impact" panose="020B0806030902050204" pitchFamily="34" charset="0"/>
+              </a:rPr>
+              <a:t>PAYMENT SUCCESSFUL</a:t>
+            </a:r>
+          </a:p>
+        </p:txBody>
+      </p:sp>
+      <p:pic>
+        <p:nvPicPr>
+          <p:cNvPr id="21" name="Picture 2" descr="Image result for payment successful message">
+            <a:extLst>
+              <a:ext uri="{FF2B5EF4-FFF2-40B4-BE49-F238E27FC236}">
+                <a16:creationId xmlns:a16="http://schemas.microsoft.com/office/drawing/2014/main" id="{3A3E442E-7A30-40E1-9405-D72725CC7FF8}"/>
+              </a:ext>
+            </a:extLst>
+          </p:cNvPr>
+          <p:cNvPicPr>
+            <a:picLocks noChangeAspect="1" noChangeArrowheads="1"/>
+          </p:cNvPicPr>
+          <p:nvPr/>
+        </p:nvPicPr>
+        <p:blipFill rotWithShape="1">
+          <a:blip r:embed="rId8">
+            <a:extLst>
+              <a:ext uri="{28A0092B-C50C-407E-A947-70E740481C1C}">
+                <a14:useLocalDpi xmlns:a14="http://schemas.microsoft.com/office/drawing/2010/main" val="0"/>
+              </a:ext>
+            </a:extLst>
+          </a:blip>
+          <a:srcRect l="51732" t="31189" r="28504" b="50989"/>
+          <a:stretch/>
+        </p:blipFill>
+        <p:spPr bwMode="auto">
+          <a:xfrm>
+            <a:off x="4031672" y="5831609"/>
+            <a:ext cx="3616038" cy="3775010"/>
+          </a:xfrm>
+          <a:prstGeom prst="rect">
+            <a:avLst/>
+          </a:prstGeom>
+          <a:noFill/>
+          <a:extLst>
+            <a:ext uri="{909E8E84-426E-40DD-AFC4-6F175D3DCCD1}">
+              <a14:hiddenFill xmlns:a14="http://schemas.microsoft.com/office/drawing/2010/main">
+                <a:solidFill>
+                  <a:srgbClr val="FFFFFF"/>
+                </a:solidFill>
+              </a14:hiddenFill>
+            </a:ext>
+          </a:extLst>
+        </p:spPr>
+      </p:pic>
+      <p:pic>
+        <p:nvPicPr>
+          <p:cNvPr id="22" name="Graphic 21" descr="Smiling face with no fill">
+            <a:extLst>
+              <a:ext uri="{FF2B5EF4-FFF2-40B4-BE49-F238E27FC236}">
+                <a16:creationId xmlns:a16="http://schemas.microsoft.com/office/drawing/2014/main" id="{4BDDD4F4-B0BF-4B81-B90C-B2AC182DD208}"/>
               </a:ext>
             </a:extLst>
           </p:cNvPr>
@@ -11335,13 +11715,13 @@
           <p:nvPr/>
         </p:nvPicPr>
         <p:blipFill>
-          <a:blip r:embed="rId6">
+          <a:blip r:embed="rId9">
             <a:extLst>
               <a:ext uri="{28A0092B-C50C-407E-A947-70E740481C1C}">
                 <a14:useLocalDpi xmlns:a14="http://schemas.microsoft.com/office/drawing/2010/main" val="0"/>
               </a:ext>
               <a:ext uri="{96DAC541-7B7A-43D3-8B79-37D633B846F1}">
-                <asvg:svgBlip xmlns:asvg="http://schemas.microsoft.com/office/drawing/2016/SVG/main" r:embed="rId7"/>
+                <asvg:svgBlip xmlns:asvg="http://schemas.microsoft.com/office/drawing/2016/SVG/main" r:embed="rId10"/>
               </a:ext>
             </a:extLst>
           </a:blip>
@@ -11350,841 +11730,9 @@
           </a:stretch>
         </p:blipFill>
         <p:spPr>
-          <a:xfrm rot="999761">
-            <a:off x="3394820" y="5025059"/>
-            <a:ext cx="2476511" cy="2476511"/>
-          </a:xfrm>
-          <a:prstGeom prst="rect">
-            <a:avLst/>
-          </a:prstGeom>
-        </p:spPr>
-      </p:pic>
-      <p:pic>
-        <p:nvPicPr>
-          <p:cNvPr id="37" name="Graphic 36" descr="Pause">
-            <a:extLst>
-              <a:ext uri="{FF2B5EF4-FFF2-40B4-BE49-F238E27FC236}">
-                <a16:creationId xmlns:a16="http://schemas.microsoft.com/office/drawing/2014/main" id="{A0A0BC19-27C4-4CBE-A19F-5ACC3B6ECDE6}"/>
-              </a:ext>
-            </a:extLst>
-          </p:cNvPr>
-          <p:cNvPicPr>
-            <a:picLocks noChangeAspect="1"/>
-          </p:cNvPicPr>
-          <p:nvPr/>
-        </p:nvPicPr>
-        <p:blipFill>
-          <a:blip r:embed="rId2">
-            <a:extLst>
-              <a:ext uri="{28A0092B-C50C-407E-A947-70E740481C1C}">
-                <a14:useLocalDpi xmlns:a14="http://schemas.microsoft.com/office/drawing/2010/main" val="0"/>
-              </a:ext>
-              <a:ext uri="{96DAC541-7B7A-43D3-8B79-37D633B846F1}">
-                <asvg:svgBlip xmlns:asvg="http://schemas.microsoft.com/office/drawing/2016/SVG/main" r:embed="rId3"/>
-              </a:ext>
-            </a:extLst>
-          </a:blip>
-          <a:stretch>
-            <a:fillRect/>
-          </a:stretch>
-        </p:blipFill>
-        <p:spPr>
-          <a:xfrm rot="5400000">
-            <a:off x="886690" y="-256545"/>
-            <a:ext cx="1122218" cy="2507673"/>
-          </a:xfrm>
-          <a:prstGeom prst="rect">
-            <a:avLst/>
-          </a:prstGeom>
-        </p:spPr>
-      </p:pic>
-      <p:pic>
-        <p:nvPicPr>
-          <p:cNvPr id="38" name="Graphic 37" descr="Pause">
-            <a:extLst>
-              <a:ext uri="{FF2B5EF4-FFF2-40B4-BE49-F238E27FC236}">
-                <a16:creationId xmlns:a16="http://schemas.microsoft.com/office/drawing/2014/main" id="{5DE593EE-62EE-41B6-A820-C9D4FA2DA409}"/>
-              </a:ext>
-            </a:extLst>
-          </p:cNvPr>
-          <p:cNvPicPr>
-            <a:picLocks noChangeAspect="1"/>
-          </p:cNvPicPr>
-          <p:nvPr/>
-        </p:nvPicPr>
-        <p:blipFill>
-          <a:blip r:embed="rId4">
-            <a:extLst>
-              <a:ext uri="{28A0092B-C50C-407E-A947-70E740481C1C}">
-                <a14:useLocalDpi xmlns:a14="http://schemas.microsoft.com/office/drawing/2010/main" val="0"/>
-              </a:ext>
-              <a:ext uri="{96DAC541-7B7A-43D3-8B79-37D633B846F1}">
-                <asvg:svgBlip xmlns:asvg="http://schemas.microsoft.com/office/drawing/2016/SVG/main" r:embed="rId5"/>
-              </a:ext>
-            </a:extLst>
-          </a:blip>
-          <a:stretch>
-            <a:fillRect/>
-          </a:stretch>
-        </p:blipFill>
-        <p:spPr>
-          <a:xfrm rot="5400000">
-            <a:off x="890154" y="181124"/>
-            <a:ext cx="1122218" cy="2507673"/>
-          </a:xfrm>
-          <a:prstGeom prst="rect">
-            <a:avLst/>
-          </a:prstGeom>
-        </p:spPr>
-      </p:pic>
-      <p:pic>
-        <p:nvPicPr>
-          <p:cNvPr id="39" name="Graphic 38" descr="Pause">
-            <a:extLst>
-              <a:ext uri="{FF2B5EF4-FFF2-40B4-BE49-F238E27FC236}">
-                <a16:creationId xmlns:a16="http://schemas.microsoft.com/office/drawing/2014/main" id="{6BA3EFE3-D593-4E31-8DBA-63AD830BA154}"/>
-              </a:ext>
-            </a:extLst>
-          </p:cNvPr>
-          <p:cNvPicPr>
-            <a:picLocks noChangeAspect="1"/>
-          </p:cNvPicPr>
-          <p:nvPr/>
-        </p:nvPicPr>
-        <p:blipFill>
-          <a:blip r:embed="rId2">
-            <a:extLst>
-              <a:ext uri="{28A0092B-C50C-407E-A947-70E740481C1C}">
-                <a14:useLocalDpi xmlns:a14="http://schemas.microsoft.com/office/drawing/2010/main" val="0"/>
-              </a:ext>
-              <a:ext uri="{96DAC541-7B7A-43D3-8B79-37D633B846F1}">
-                <asvg:svgBlip xmlns:asvg="http://schemas.microsoft.com/office/drawing/2016/SVG/main" r:embed="rId3"/>
-              </a:ext>
-            </a:extLst>
-          </a:blip>
-          <a:stretch>
-            <a:fillRect/>
-          </a:stretch>
-        </p:blipFill>
-        <p:spPr>
-          <a:xfrm rot="5400000">
-            <a:off x="689264" y="-4654"/>
-            <a:ext cx="1122218" cy="2507673"/>
-          </a:xfrm>
-          <a:prstGeom prst="rect">
-            <a:avLst/>
-          </a:prstGeom>
-        </p:spPr>
-      </p:pic>
-      <p:pic>
-        <p:nvPicPr>
-          <p:cNvPr id="40" name="Graphic 39" descr="Pause">
-            <a:extLst>
-              <a:ext uri="{FF2B5EF4-FFF2-40B4-BE49-F238E27FC236}">
-                <a16:creationId xmlns:a16="http://schemas.microsoft.com/office/drawing/2014/main" id="{80784125-ACE9-40E4-A660-973E2F74A837}"/>
-              </a:ext>
-            </a:extLst>
-          </p:cNvPr>
-          <p:cNvPicPr>
-            <a:picLocks noChangeAspect="1"/>
-          </p:cNvPicPr>
-          <p:nvPr/>
-        </p:nvPicPr>
-        <p:blipFill>
-          <a:blip r:embed="rId4">
-            <a:extLst>
-              <a:ext uri="{28A0092B-C50C-407E-A947-70E740481C1C}">
-                <a14:useLocalDpi xmlns:a14="http://schemas.microsoft.com/office/drawing/2010/main" val="0"/>
-              </a:ext>
-              <a:ext uri="{96DAC541-7B7A-43D3-8B79-37D633B846F1}">
-                <asvg:svgBlip xmlns:asvg="http://schemas.microsoft.com/office/drawing/2016/SVG/main" r:embed="rId5"/>
-              </a:ext>
-            </a:extLst>
-          </a:blip>
-          <a:stretch>
-            <a:fillRect/>
-          </a:stretch>
-        </p:blipFill>
-        <p:spPr>
-          <a:xfrm rot="5400000">
-            <a:off x="692728" y="433015"/>
-            <a:ext cx="1122218" cy="2507673"/>
-          </a:xfrm>
-          <a:prstGeom prst="rect">
-            <a:avLst/>
-          </a:prstGeom>
-        </p:spPr>
-      </p:pic>
-      <p:graphicFrame>
-        <p:nvGraphicFramePr>
-          <p:cNvPr id="41" name="Table 4">
-            <a:extLst>
-              <a:ext uri="{FF2B5EF4-FFF2-40B4-BE49-F238E27FC236}">
-                <a16:creationId xmlns:a16="http://schemas.microsoft.com/office/drawing/2014/main" id="{DDAC2B99-541F-434C-8575-F0DECC328C67}"/>
-              </a:ext>
-            </a:extLst>
-          </p:cNvPr>
-          <p:cNvGraphicFramePr>
-            <a:graphicFrameLocks noGrp="1"/>
-          </p:cNvGraphicFramePr>
-          <p:nvPr>
-            <p:extLst>
-              <p:ext uri="{D42A27DB-BD31-4B8C-83A1-F6EECF244321}">
-                <p14:modId xmlns:p14="http://schemas.microsoft.com/office/powerpoint/2010/main" val="1558009914"/>
-              </p:ext>
-            </p:extLst>
-          </p:nvPr>
-        </p:nvGraphicFramePr>
-        <p:xfrm>
-          <a:off x="0" y="647760"/>
-          <a:ext cx="6237280" cy="21026370"/>
-        </p:xfrm>
-        <a:graphic>
-          <a:graphicData uri="http://schemas.openxmlformats.org/drawingml/2006/table">
-            <a:tbl>
-              <a:tblPr firstRow="1" bandRow="1">
-                <a:tableStyleId>{073A0DAA-6AF3-43AB-8588-CEC1D06C72B9}</a:tableStyleId>
-              </a:tblPr>
-              <a:tblGrid>
-                <a:gridCol w="3118640">
-                  <a:extLst>
-                    <a:ext uri="{9D8B030D-6E8A-4147-A177-3AD203B41FA5}">
-                      <a16:colId xmlns:a16="http://schemas.microsoft.com/office/drawing/2014/main" val="1725609525"/>
-                    </a:ext>
-                  </a:extLst>
-                </a:gridCol>
-                <a:gridCol w="3118640">
-                  <a:extLst>
-                    <a:ext uri="{9D8B030D-6E8A-4147-A177-3AD203B41FA5}">
-                      <a16:colId xmlns:a16="http://schemas.microsoft.com/office/drawing/2014/main" val="1378215291"/>
-                    </a:ext>
-                  </a:extLst>
-                </a:gridCol>
-              </a:tblGrid>
-              <a:tr h="3504395">
-                <a:tc gridSpan="2">
-                  <a:txBody>
-                    <a:bodyPr/>
-                    <a:lstStyle/>
-                    <a:p>
-                      <a:pPr algn="ctr"/>
-                      <a:endParaRPr lang="en-GB" sz="7200" dirty="0"/>
-                    </a:p>
-                    <a:p>
-                      <a:pPr algn="ctr"/>
-                      <a:r>
-                        <a:rPr lang="en-GB" sz="7200" b="0" dirty="0">
-                          <a:latin typeface="Impact" panose="020B0806030902050204" pitchFamily="34" charset="0"/>
-                        </a:rPr>
-                        <a:t>PBA</a:t>
-                      </a:r>
-                    </a:p>
-                  </a:txBody>
-                  <a:tcPr/>
-                </a:tc>
-                <a:tc hMerge="1">
-                  <a:txBody>
-                    <a:bodyPr/>
-                    <a:lstStyle/>
-                    <a:p>
-                      <a:endParaRPr lang="en-GB"/>
-                    </a:p>
-                  </a:txBody>
-                  <a:tcPr/>
-                </a:tc>
-                <a:extLst>
-                  <a:ext uri="{0D108BD9-81ED-4DB2-BD59-A6C34878D82A}">
-                    <a16:rowId xmlns:a16="http://schemas.microsoft.com/office/drawing/2014/main" val="3131354867"/>
-                  </a:ext>
-                </a:extLst>
-              </a:tr>
-              <a:tr h="3504395">
-                <a:tc gridSpan="2">
-                  <a:txBody>
-                    <a:bodyPr/>
-                    <a:lstStyle/>
-                    <a:p>
-                      <a:endParaRPr lang="en-GB" dirty="0"/>
-                    </a:p>
-                  </a:txBody>
-                  <a:tcPr/>
-                </a:tc>
-                <a:tc hMerge="1">
-                  <a:txBody>
-                    <a:bodyPr/>
-                    <a:lstStyle/>
-                    <a:p>
-                      <a:endParaRPr lang="en-GB"/>
-                    </a:p>
-                  </a:txBody>
-                  <a:tcPr/>
-                </a:tc>
-                <a:extLst>
-                  <a:ext uri="{0D108BD9-81ED-4DB2-BD59-A6C34878D82A}">
-                    <a16:rowId xmlns:a16="http://schemas.microsoft.com/office/drawing/2014/main" val="323366236"/>
-                  </a:ext>
-                </a:extLst>
-              </a:tr>
-              <a:tr h="3504395">
-                <a:tc gridSpan="2">
-                  <a:txBody>
-                    <a:bodyPr/>
-                    <a:lstStyle/>
-                    <a:p>
-                      <a:endParaRPr lang="en-GB"/>
-                    </a:p>
-                  </a:txBody>
-                  <a:tcPr/>
-                </a:tc>
-                <a:tc hMerge="1">
-                  <a:txBody>
-                    <a:bodyPr/>
-                    <a:lstStyle/>
-                    <a:p>
-                      <a:endParaRPr lang="en-GB"/>
-                    </a:p>
-                  </a:txBody>
-                  <a:tcPr/>
-                </a:tc>
-                <a:extLst>
-                  <a:ext uri="{0D108BD9-81ED-4DB2-BD59-A6C34878D82A}">
-                    <a16:rowId xmlns:a16="http://schemas.microsoft.com/office/drawing/2014/main" val="1531545841"/>
-                  </a:ext>
-                </a:extLst>
-              </a:tr>
-              <a:tr h="3504395">
-                <a:tc gridSpan="2">
-                  <a:txBody>
-                    <a:bodyPr/>
-                    <a:lstStyle/>
-                    <a:p>
-                      <a:endParaRPr lang="en-GB"/>
-                    </a:p>
-                  </a:txBody>
-                  <a:tcPr/>
-                </a:tc>
-                <a:tc hMerge="1">
-                  <a:txBody>
-                    <a:bodyPr/>
-                    <a:lstStyle/>
-                    <a:p>
-                      <a:endParaRPr lang="en-GB"/>
-                    </a:p>
-                  </a:txBody>
-                  <a:tcPr/>
-                </a:tc>
-                <a:extLst>
-                  <a:ext uri="{0D108BD9-81ED-4DB2-BD59-A6C34878D82A}">
-                    <a16:rowId xmlns:a16="http://schemas.microsoft.com/office/drawing/2014/main" val="2929054843"/>
-                  </a:ext>
-                </a:extLst>
-              </a:tr>
-              <a:tr h="3504395">
-                <a:tc gridSpan="2">
-                  <a:txBody>
-                    <a:bodyPr/>
-                    <a:lstStyle/>
-                    <a:p>
-                      <a:endParaRPr lang="en-GB"/>
-                    </a:p>
-                  </a:txBody>
-                  <a:tcPr/>
-                </a:tc>
-                <a:tc hMerge="1">
-                  <a:txBody>
-                    <a:bodyPr/>
-                    <a:lstStyle/>
-                    <a:p>
-                      <a:endParaRPr lang="en-GB"/>
-                    </a:p>
-                  </a:txBody>
-                  <a:tcPr/>
-                </a:tc>
-                <a:extLst>
-                  <a:ext uri="{0D108BD9-81ED-4DB2-BD59-A6C34878D82A}">
-                    <a16:rowId xmlns:a16="http://schemas.microsoft.com/office/drawing/2014/main" val="2511240544"/>
-                  </a:ext>
-                </a:extLst>
-              </a:tr>
-              <a:tr h="3504395">
-                <a:tc>
-                  <a:txBody>
-                    <a:bodyPr/>
-                    <a:lstStyle/>
-                    <a:p>
-                      <a:endParaRPr lang="en-GB" dirty="0"/>
-                    </a:p>
-                  </a:txBody>
-                  <a:tcPr/>
-                </a:tc>
-                <a:tc>
-                  <a:txBody>
-                    <a:bodyPr/>
-                    <a:lstStyle/>
-                    <a:p>
-                      <a:endParaRPr lang="en-GB" dirty="0"/>
-                    </a:p>
-                  </a:txBody>
-                  <a:tcPr/>
-                </a:tc>
-                <a:extLst>
-                  <a:ext uri="{0D108BD9-81ED-4DB2-BD59-A6C34878D82A}">
-                    <a16:rowId xmlns:a16="http://schemas.microsoft.com/office/drawing/2014/main" val="3339528686"/>
-                  </a:ext>
-                </a:extLst>
-              </a:tr>
-            </a:tbl>
-          </a:graphicData>
-        </a:graphic>
-      </p:graphicFrame>
-      <p:pic>
-        <p:nvPicPr>
-          <p:cNvPr id="42" name="Graphic 41" descr="Home">
-            <a:hlinkClick r:id="rId8" action="ppaction://hlinksldjump"/>
-            <a:extLst>
-              <a:ext uri="{FF2B5EF4-FFF2-40B4-BE49-F238E27FC236}">
-                <a16:creationId xmlns:a16="http://schemas.microsoft.com/office/drawing/2014/main" id="{9E004E67-551B-4B42-82D0-E57A38D68F50}"/>
-              </a:ext>
-            </a:extLst>
-          </p:cNvPr>
-          <p:cNvPicPr>
-            <a:picLocks noChangeAspect="1"/>
-          </p:cNvPicPr>
-          <p:nvPr/>
-        </p:nvPicPr>
-        <p:blipFill>
-          <a:blip r:embed="rId9">
-            <a:extLst>
-              <a:ext uri="{28A0092B-C50C-407E-A947-70E740481C1C}">
-                <a14:useLocalDpi xmlns:a14="http://schemas.microsoft.com/office/drawing/2010/main" val="0"/>
-              </a:ext>
-              <a:ext uri="{96DAC541-7B7A-43D3-8B79-37D633B846F1}">
-                <asvg:svgBlip xmlns:asvg="http://schemas.microsoft.com/office/drawing/2016/SVG/main" r:embed="rId10"/>
-              </a:ext>
-            </a:extLst>
-          </a:blip>
-          <a:stretch>
-            <a:fillRect/>
-          </a:stretch>
-        </p:blipFill>
-        <p:spPr>
-          <a:xfrm>
-            <a:off x="425063" y="4956411"/>
-            <a:ext cx="1931361" cy="1931361"/>
-          </a:xfrm>
-          <a:prstGeom prst="rect">
-            <a:avLst/>
-          </a:prstGeom>
-        </p:spPr>
-      </p:pic>
-      <p:sp>
-        <p:nvSpPr>
-          <p:cNvPr id="43" name="TextBox 42">
-            <a:hlinkClick r:id="rId8" action="ppaction://hlinksldjump"/>
-            <a:extLst>
-              <a:ext uri="{FF2B5EF4-FFF2-40B4-BE49-F238E27FC236}">
-                <a16:creationId xmlns:a16="http://schemas.microsoft.com/office/drawing/2014/main" id="{CC81FCA5-CDE0-4DE5-8EAB-BAD9CC5E2B99}"/>
-              </a:ext>
-            </a:extLst>
-          </p:cNvPr>
-          <p:cNvSpPr txBox="1"/>
-          <p:nvPr/>
-        </p:nvSpPr>
-        <p:spPr>
-          <a:xfrm>
-            <a:off x="2781487" y="5583243"/>
-            <a:ext cx="2409634" cy="1107996"/>
-          </a:xfrm>
-          <a:prstGeom prst="rect">
-            <a:avLst/>
-          </a:prstGeom>
-          <a:noFill/>
-        </p:spPr>
-        <p:txBody>
-          <a:bodyPr wrap="none" rtlCol="0">
-            <a:spAutoFit/>
-          </a:bodyPr>
-          <a:lstStyle/>
-          <a:p>
-            <a:r>
-              <a:rPr lang="en-GB" sz="6600" dirty="0"/>
-              <a:t>HOME</a:t>
-            </a:r>
-          </a:p>
-        </p:txBody>
-      </p:sp>
-      <p:sp>
-        <p:nvSpPr>
-          <p:cNvPr id="44" name="TextBox 43">
-            <a:hlinkClick r:id="rId11" action="ppaction://hlinksldjump"/>
-            <a:extLst>
-              <a:ext uri="{FF2B5EF4-FFF2-40B4-BE49-F238E27FC236}">
-                <a16:creationId xmlns:a16="http://schemas.microsoft.com/office/drawing/2014/main" id="{8D0D40B0-6C76-431F-BA1F-4C73A099E8BC}"/>
-              </a:ext>
-            </a:extLst>
-          </p:cNvPr>
-          <p:cNvSpPr txBox="1"/>
-          <p:nvPr/>
-        </p:nvSpPr>
-        <p:spPr>
-          <a:xfrm>
-            <a:off x="3025659" y="12005192"/>
-            <a:ext cx="2912079" cy="2123658"/>
-          </a:xfrm>
-          <a:prstGeom prst="rect">
-            <a:avLst/>
-          </a:prstGeom>
-          <a:noFill/>
-        </p:spPr>
-        <p:txBody>
-          <a:bodyPr wrap="none" rtlCol="0">
-            <a:spAutoFit/>
-          </a:bodyPr>
-          <a:lstStyle/>
-          <a:p>
-            <a:r>
-              <a:rPr lang="en-GB" sz="6600" dirty="0">
-                <a:solidFill>
-                  <a:schemeClr val="bg1">
-                    <a:lumMod val="50000"/>
-                  </a:schemeClr>
-                </a:solidFill>
-              </a:rPr>
-              <a:t>BUY</a:t>
-            </a:r>
-          </a:p>
-          <a:p>
-            <a:r>
-              <a:rPr lang="en-GB" sz="6600" dirty="0">
-                <a:solidFill>
-                  <a:schemeClr val="bg1">
-                    <a:lumMod val="50000"/>
-                  </a:schemeClr>
-                </a:solidFill>
-              </a:rPr>
-              <a:t>TICKETS</a:t>
-            </a:r>
-          </a:p>
-        </p:txBody>
-      </p:sp>
-      <p:sp>
-        <p:nvSpPr>
-          <p:cNvPr id="45" name="TextBox 44">
-            <a:hlinkClick r:id="rId12" action="ppaction://hlinksldjump"/>
-            <a:extLst>
-              <a:ext uri="{FF2B5EF4-FFF2-40B4-BE49-F238E27FC236}">
-                <a16:creationId xmlns:a16="http://schemas.microsoft.com/office/drawing/2014/main" id="{8447F9AF-EA0A-465A-9A71-9D312E244D6C}"/>
-              </a:ext>
-            </a:extLst>
-          </p:cNvPr>
-          <p:cNvSpPr txBox="1"/>
-          <p:nvPr/>
-        </p:nvSpPr>
-        <p:spPr>
-          <a:xfrm>
-            <a:off x="2343779" y="8890606"/>
-            <a:ext cx="3725892" cy="1107996"/>
-          </a:xfrm>
-          <a:prstGeom prst="rect">
-            <a:avLst/>
-          </a:prstGeom>
-          <a:noFill/>
-        </p:spPr>
-        <p:txBody>
-          <a:bodyPr wrap="none" rtlCol="0">
-            <a:spAutoFit/>
-          </a:bodyPr>
-          <a:lstStyle/>
-          <a:p>
-            <a:r>
-              <a:rPr lang="en-GB" sz="6600" dirty="0"/>
-              <a:t>TRACKING</a:t>
-            </a:r>
-          </a:p>
-        </p:txBody>
-      </p:sp>
-      <p:sp>
-        <p:nvSpPr>
-          <p:cNvPr id="46" name="TextBox 45">
-            <a:hlinkClick r:id="rId13" action="ppaction://hlinksldjump"/>
-            <a:extLst>
-              <a:ext uri="{FF2B5EF4-FFF2-40B4-BE49-F238E27FC236}">
-                <a16:creationId xmlns:a16="http://schemas.microsoft.com/office/drawing/2014/main" id="{B3B45CB4-8456-4ED5-8F04-55C2F53B8C24}"/>
-              </a:ext>
-            </a:extLst>
-          </p:cNvPr>
-          <p:cNvSpPr txBox="1"/>
-          <p:nvPr/>
-        </p:nvSpPr>
-        <p:spPr>
-          <a:xfrm>
-            <a:off x="3072114" y="16092294"/>
-            <a:ext cx="1919115" cy="1107996"/>
-          </a:xfrm>
-          <a:prstGeom prst="rect">
-            <a:avLst/>
-          </a:prstGeom>
-          <a:noFill/>
-        </p:spPr>
-        <p:txBody>
-          <a:bodyPr wrap="none" rtlCol="0">
-            <a:spAutoFit/>
-          </a:bodyPr>
-          <a:lstStyle/>
-          <a:p>
-            <a:r>
-              <a:rPr lang="en-GB" sz="6600" dirty="0"/>
-              <a:t>HELP</a:t>
-            </a:r>
-          </a:p>
-        </p:txBody>
-      </p:sp>
-      <p:sp>
-        <p:nvSpPr>
-          <p:cNvPr id="47" name="TextBox 46">
-            <a:hlinkClick r:id="rId14" action="ppaction://hlinksldjump"/>
-            <a:extLst>
-              <a:ext uri="{FF2B5EF4-FFF2-40B4-BE49-F238E27FC236}">
-                <a16:creationId xmlns:a16="http://schemas.microsoft.com/office/drawing/2014/main" id="{5D61ED2E-3159-4B5E-955A-23CEF1641AAE}"/>
-              </a:ext>
-            </a:extLst>
-          </p:cNvPr>
-          <p:cNvSpPr txBox="1"/>
-          <p:nvPr/>
-        </p:nvSpPr>
-        <p:spPr>
-          <a:xfrm>
-            <a:off x="3025659" y="19605873"/>
-            <a:ext cx="2012026" cy="1107996"/>
-          </a:xfrm>
-          <a:prstGeom prst="rect">
-            <a:avLst/>
-          </a:prstGeom>
-          <a:noFill/>
-        </p:spPr>
-        <p:txBody>
-          <a:bodyPr wrap="none" rtlCol="0">
-            <a:spAutoFit/>
-          </a:bodyPr>
-          <a:lstStyle/>
-          <a:p>
-            <a:r>
-              <a:rPr lang="en-GB" sz="6600" dirty="0"/>
-              <a:t>BACK</a:t>
-            </a:r>
-          </a:p>
-        </p:txBody>
-      </p:sp>
-      <p:pic>
-        <p:nvPicPr>
-          <p:cNvPr id="48" name="Graphic 47" descr="Line arrow: Horizontal U-turn">
-            <a:hlinkClick r:id="rId14" action="ppaction://hlinksldjump"/>
-            <a:extLst>
-              <a:ext uri="{FF2B5EF4-FFF2-40B4-BE49-F238E27FC236}">
-                <a16:creationId xmlns:a16="http://schemas.microsoft.com/office/drawing/2014/main" id="{8B9BC116-180E-4F95-B10E-E72C2D5666FF}"/>
-              </a:ext>
-            </a:extLst>
-          </p:cNvPr>
-          <p:cNvPicPr>
-            <a:picLocks noChangeAspect="1"/>
-          </p:cNvPicPr>
-          <p:nvPr/>
-        </p:nvPicPr>
-        <p:blipFill>
-          <a:blip r:embed="rId15">
-            <a:extLst>
-              <a:ext uri="{28A0092B-C50C-407E-A947-70E740481C1C}">
-                <a14:useLocalDpi xmlns:a14="http://schemas.microsoft.com/office/drawing/2010/main" val="0"/>
-              </a:ext>
-              <a:ext uri="{96DAC541-7B7A-43D3-8B79-37D633B846F1}">
-                <asvg:svgBlip xmlns:asvg="http://schemas.microsoft.com/office/drawing/2016/SVG/main" r:embed="rId16"/>
-              </a:ext>
-            </a:extLst>
-          </a:blip>
-          <a:stretch>
-            <a:fillRect/>
-          </a:stretch>
-        </p:blipFill>
-        <p:spPr>
-          <a:xfrm rot="10800000" flipH="1">
-            <a:off x="425063" y="19233855"/>
-            <a:ext cx="1929384" cy="1852032"/>
-          </a:xfrm>
-          <a:prstGeom prst="rect">
-            <a:avLst/>
-          </a:prstGeom>
-        </p:spPr>
-      </p:pic>
-      <p:pic>
-        <p:nvPicPr>
-          <p:cNvPr id="49" name="Graphic 48" descr="Bank check">
-            <a:hlinkClick r:id="rId11" action="ppaction://hlinksldjump"/>
-            <a:extLst>
-              <a:ext uri="{FF2B5EF4-FFF2-40B4-BE49-F238E27FC236}">
-                <a16:creationId xmlns:a16="http://schemas.microsoft.com/office/drawing/2014/main" id="{555629A8-8E1C-4149-A495-CE0746BAC7E5}"/>
-              </a:ext>
-            </a:extLst>
-          </p:cNvPr>
-          <p:cNvPicPr>
-            <a:picLocks noChangeAspect="1"/>
-          </p:cNvPicPr>
-          <p:nvPr/>
-        </p:nvPicPr>
-        <p:blipFill>
-          <a:blip r:embed="rId17">
-            <a:extLst>
-              <a:ext uri="{28A0092B-C50C-407E-A947-70E740481C1C}">
-                <a14:useLocalDpi xmlns:a14="http://schemas.microsoft.com/office/drawing/2010/main" val="0"/>
-              </a:ext>
-              <a:ext uri="{96DAC541-7B7A-43D3-8B79-37D633B846F1}">
-                <asvg:svgBlip xmlns:asvg="http://schemas.microsoft.com/office/drawing/2016/SVG/main" r:embed="rId18"/>
-              </a:ext>
-            </a:extLst>
-          </a:blip>
-          <a:stretch>
-            <a:fillRect/>
-          </a:stretch>
-        </p:blipFill>
-        <p:spPr>
-          <a:xfrm>
-            <a:off x="574826" y="12102329"/>
-            <a:ext cx="1929384" cy="1929384"/>
-          </a:xfrm>
-          <a:prstGeom prst="rect">
-            <a:avLst/>
-          </a:prstGeom>
-        </p:spPr>
-      </p:pic>
-      <p:pic>
-        <p:nvPicPr>
-          <p:cNvPr id="50" name="Graphic 49" descr="Marker">
-            <a:hlinkClick r:id="rId12" action="ppaction://hlinksldjump"/>
-            <a:extLst>
-              <a:ext uri="{FF2B5EF4-FFF2-40B4-BE49-F238E27FC236}">
-                <a16:creationId xmlns:a16="http://schemas.microsoft.com/office/drawing/2014/main" id="{B7852498-8994-4D2F-86B7-61D7D2FF32DC}"/>
-              </a:ext>
-            </a:extLst>
-          </p:cNvPr>
-          <p:cNvPicPr>
-            <a:picLocks noChangeAspect="1"/>
-          </p:cNvPicPr>
-          <p:nvPr/>
-        </p:nvPicPr>
-        <p:blipFill>
-          <a:blip r:embed="rId19">
-            <a:extLst>
-              <a:ext uri="{28A0092B-C50C-407E-A947-70E740481C1C}">
-                <a14:useLocalDpi xmlns:a14="http://schemas.microsoft.com/office/drawing/2010/main" val="0"/>
-              </a:ext>
-              <a:ext uri="{96DAC541-7B7A-43D3-8B79-37D633B846F1}">
-                <asvg:svgBlip xmlns:asvg="http://schemas.microsoft.com/office/drawing/2016/SVG/main" r:embed="rId20"/>
-              </a:ext>
-            </a:extLst>
-          </a:blip>
-          <a:stretch>
-            <a:fillRect/>
-          </a:stretch>
-        </p:blipFill>
-        <p:spPr>
-          <a:xfrm>
-            <a:off x="425063" y="8449946"/>
-            <a:ext cx="1929384" cy="1929384"/>
-          </a:xfrm>
-          <a:prstGeom prst="rect">
-            <a:avLst/>
-          </a:prstGeom>
-        </p:spPr>
-      </p:pic>
-      <p:pic>
-        <p:nvPicPr>
-          <p:cNvPr id="51" name="Graphic 50" descr="Information">
-            <a:hlinkClick r:id="rId13" action="ppaction://hlinksldjump"/>
-            <a:extLst>
-              <a:ext uri="{FF2B5EF4-FFF2-40B4-BE49-F238E27FC236}">
-                <a16:creationId xmlns:a16="http://schemas.microsoft.com/office/drawing/2014/main" id="{418EA4B5-C231-49CD-8945-B122C5C9BB5F}"/>
-              </a:ext>
-            </a:extLst>
-          </p:cNvPr>
-          <p:cNvPicPr>
-            <a:picLocks noChangeAspect="1"/>
-          </p:cNvPicPr>
-          <p:nvPr/>
-        </p:nvPicPr>
-        <p:blipFill>
-          <a:blip r:embed="rId21">
-            <a:extLst>
-              <a:ext uri="{28A0092B-C50C-407E-A947-70E740481C1C}">
-                <a14:useLocalDpi xmlns:a14="http://schemas.microsoft.com/office/drawing/2010/main" val="0"/>
-              </a:ext>
-              <a:ext uri="{96DAC541-7B7A-43D3-8B79-37D633B846F1}">
-                <asvg:svgBlip xmlns:asvg="http://schemas.microsoft.com/office/drawing/2016/SVG/main" r:embed="rId22"/>
-              </a:ext>
-            </a:extLst>
-          </a:blip>
-          <a:stretch>
-            <a:fillRect/>
-          </a:stretch>
-        </p:blipFill>
-        <p:spPr>
-          <a:xfrm>
-            <a:off x="425063" y="15681600"/>
-            <a:ext cx="1929384" cy="1929384"/>
-          </a:xfrm>
-          <a:prstGeom prst="rect">
-            <a:avLst/>
-          </a:prstGeom>
-        </p:spPr>
-      </p:pic>
-      <p:pic>
-        <p:nvPicPr>
-          <p:cNvPr id="52" name="Picture 51">
-            <a:hlinkClick r:id="rId8" action="ppaction://hlinksldjump"/>
-            <a:extLst>
-              <a:ext uri="{FF2B5EF4-FFF2-40B4-BE49-F238E27FC236}">
-                <a16:creationId xmlns:a16="http://schemas.microsoft.com/office/drawing/2014/main" id="{6BA34125-7AA1-434E-BD37-B0B245C7FE2C}"/>
-              </a:ext>
-            </a:extLst>
-          </p:cNvPr>
-          <p:cNvPicPr>
-            <a:picLocks noChangeAspect="1"/>
-          </p:cNvPicPr>
-          <p:nvPr/>
-        </p:nvPicPr>
-        <p:blipFill rotWithShape="1">
-          <a:blip r:embed="rId23">
-            <a:extLst>
-              <a:ext uri="{BEBA8EAE-BF5A-486C-A8C5-ECC9F3942E4B}">
-                <a14:imgProps xmlns:a14="http://schemas.microsoft.com/office/drawing/2010/main">
-                  <a14:imgLayer r:embed="rId24">
-                    <a14:imgEffect>
-                      <a14:backgroundRemoval t="10000" b="90000" l="10000" r="90000">
-                        <a14:foregroundMark x1="38387" y1="23952" x2="41290" y2="36527"/>
-                        <a14:foregroundMark x1="41290" y1="36527" x2="48065" y2="40120"/>
-                        <a14:foregroundMark x1="48065" y1="40120" x2="55806" y2="37725"/>
-                        <a14:foregroundMark x1="55806" y1="37725" x2="55806" y2="26946"/>
-                        <a14:foregroundMark x1="55806" y1="26946" x2="51290" y2="17964"/>
-                        <a14:foregroundMark x1="51290" y1="17964" x2="45484" y2="17365"/>
-                        <a14:foregroundMark x1="50968" y1="35329" x2="51935" y2="26946"/>
-                        <a14:foregroundMark x1="57742" y1="49102" x2="61613" y2="46707"/>
-                        <a14:foregroundMark x1="48065" y1="45509" x2="42258" y2="50898"/>
-                        <a14:foregroundMark x1="42258" y1="50898" x2="47419" y2="50299"/>
-                      </a14:backgroundRemoval>
-                    </a14:imgEffect>
-                  </a14:imgLayer>
-                </a14:imgProps>
-              </a:ext>
-              <a:ext uri="{28A0092B-C50C-407E-A947-70E740481C1C}">
-                <a14:useLocalDpi xmlns:a14="http://schemas.microsoft.com/office/drawing/2010/main" val="0"/>
-              </a:ext>
-            </a:extLst>
-          </a:blip>
-          <a:srcRect l="28108" t="9706" r="26817" b="20945"/>
-          <a:stretch/>
-        </p:blipFill>
-        <p:spPr>
-          <a:xfrm>
-            <a:off x="-6928" y="1581456"/>
-            <a:ext cx="2507595" cy="1956430"/>
+          <a:xfrm>
+            <a:off x="3589020" y="5397175"/>
+            <a:ext cx="4354830" cy="4426098"/>
           </a:xfrm>
           <a:prstGeom prst="rect">
             <a:avLst/>
@@ -12194,7 +11742,7 @@
     </p:spTree>
     <p:extLst>
       <p:ext uri="{BB962C8B-B14F-4D97-AF65-F5344CB8AC3E}">
-        <p14:creationId xmlns:p14="http://schemas.microsoft.com/office/powerpoint/2010/main" val="2280037045"/>
+        <p14:creationId xmlns:p14="http://schemas.microsoft.com/office/powerpoint/2010/main" val="3282721500"/>
       </p:ext>
     </p:extLst>
   </p:cSld>
@@ -12766,6 +12314,1328 @@
             <a:avLst/>
           </a:prstGeom>
           <a:solidFill>
+            <a:srgbClr val="002060"/>
+          </a:solidFill>
+        </p:spPr>
+        <p:style>
+          <a:lnRef idx="2">
+            <a:schemeClr val="accent1"/>
+          </a:lnRef>
+          <a:fillRef idx="1">
+            <a:schemeClr val="lt1"/>
+          </a:fillRef>
+          <a:effectRef idx="0">
+            <a:schemeClr val="accent1"/>
+          </a:effectRef>
+          <a:fontRef idx="minor">
+            <a:schemeClr val="dk1"/>
+          </a:fontRef>
+        </p:style>
+        <p:txBody>
+          <a:bodyPr rtlCol="0" anchor="ctr"/>
+          <a:lstStyle/>
+          <a:p>
+            <a:r>
+              <a:rPr lang="en-GB" sz="5400" b="1" dirty="0">
+                <a:solidFill>
+                  <a:schemeClr val="bg1"/>
+                </a:solidFill>
+                <a:latin typeface="Agency FB" panose="020B0503020202020204" pitchFamily="34" charset="0"/>
+              </a:rPr>
+              <a:t>GENERATE QR CODE</a:t>
+            </a:r>
+          </a:p>
+        </p:txBody>
+      </p:sp>
+      <p:cxnSp>
+        <p:nvCxnSpPr>
+          <p:cNvPr id="7" name="Straight Connector 6">
+            <a:extLst>
+              <a:ext uri="{FF2B5EF4-FFF2-40B4-BE49-F238E27FC236}">
+                <a16:creationId xmlns:a16="http://schemas.microsoft.com/office/drawing/2014/main" id="{4FE02D35-797E-4098-9116-380624027DC5}"/>
+              </a:ext>
+            </a:extLst>
+          </p:cNvPr>
+          <p:cNvCxnSpPr>
+            <a:cxnSpLocks/>
+          </p:cNvCxnSpPr>
+          <p:nvPr/>
+        </p:nvCxnSpPr>
+        <p:spPr>
+          <a:xfrm>
+            <a:off x="-6928" y="2039115"/>
+            <a:ext cx="12198928" cy="0"/>
+          </a:xfrm>
+          <a:prstGeom prst="line">
+            <a:avLst/>
+          </a:prstGeom>
+        </p:spPr>
+        <p:style>
+          <a:lnRef idx="1">
+            <a:schemeClr val="dk1"/>
+          </a:lnRef>
+          <a:fillRef idx="0">
+            <a:schemeClr val="dk1"/>
+          </a:fillRef>
+          <a:effectRef idx="0">
+            <a:schemeClr val="dk1"/>
+          </a:effectRef>
+          <a:fontRef idx="minor">
+            <a:schemeClr val="tx1"/>
+          </a:fontRef>
+        </p:style>
+      </p:cxnSp>
+      <p:sp>
+        <p:nvSpPr>
+          <p:cNvPr id="10" name="Rectangle 9">
+            <a:extLst>
+              <a:ext uri="{FF2B5EF4-FFF2-40B4-BE49-F238E27FC236}">
+                <a16:creationId xmlns:a16="http://schemas.microsoft.com/office/drawing/2014/main" id="{85392D56-C427-41DA-8CEA-9C8F9551D8E3}"/>
+              </a:ext>
+            </a:extLst>
+          </p:cNvPr>
+          <p:cNvSpPr/>
+          <p:nvPr/>
+        </p:nvSpPr>
+        <p:spPr>
+          <a:xfrm>
+            <a:off x="6795654" y="4157142"/>
+            <a:ext cx="4779817" cy="4401297"/>
+          </a:xfrm>
+          <a:prstGeom prst="rect">
+            <a:avLst/>
+          </a:prstGeom>
+          <a:solidFill>
+            <a:srgbClr val="002060"/>
+          </a:solidFill>
+        </p:spPr>
+        <p:style>
+          <a:lnRef idx="2">
+            <a:schemeClr val="accent1"/>
+          </a:lnRef>
+          <a:fillRef idx="1">
+            <a:schemeClr val="lt1"/>
+          </a:fillRef>
+          <a:effectRef idx="0">
+            <a:schemeClr val="accent1"/>
+          </a:effectRef>
+          <a:fontRef idx="minor">
+            <a:schemeClr val="dk1"/>
+          </a:fontRef>
+        </p:style>
+        <p:txBody>
+          <a:bodyPr rtlCol="0" anchor="ctr"/>
+          <a:lstStyle/>
+          <a:p>
+            <a:r>
+              <a:rPr lang="en-GB" sz="4400" dirty="0">
+                <a:solidFill>
+                  <a:schemeClr val="bg1"/>
+                </a:solidFill>
+              </a:rPr>
+              <a:t>TO BALIBAGO	</a:t>
+            </a:r>
+          </a:p>
+          <a:p>
+            <a:r>
+              <a:rPr lang="en-GB" sz="4400" dirty="0">
+                <a:solidFill>
+                  <a:schemeClr val="bg1"/>
+                </a:solidFill>
+              </a:rPr>
+              <a:t>PRICE: 46 PHP</a:t>
+            </a:r>
+          </a:p>
+        </p:txBody>
+      </p:sp>
+      <p:sp>
+        <p:nvSpPr>
+          <p:cNvPr id="11" name="Rectangle 10">
+            <a:extLst>
+              <a:ext uri="{FF2B5EF4-FFF2-40B4-BE49-F238E27FC236}">
+                <a16:creationId xmlns:a16="http://schemas.microsoft.com/office/drawing/2014/main" id="{29EB67F4-6EC9-4D11-A5D4-1149D1E55973}"/>
+              </a:ext>
+            </a:extLst>
+          </p:cNvPr>
+          <p:cNvSpPr/>
+          <p:nvPr/>
+        </p:nvSpPr>
+        <p:spPr>
+          <a:xfrm>
+            <a:off x="0" y="9802616"/>
+            <a:ext cx="12192000" cy="10997671"/>
+          </a:xfrm>
+          <a:prstGeom prst="rect">
+            <a:avLst/>
+          </a:prstGeom>
+          <a:solidFill>
+            <a:srgbClr val="2F5597"/>
+          </a:solidFill>
+          <a:ln>
+            <a:noFill/>
+          </a:ln>
+        </p:spPr>
+        <p:style>
+          <a:lnRef idx="2">
+            <a:schemeClr val="accent1"/>
+          </a:lnRef>
+          <a:fillRef idx="1">
+            <a:schemeClr val="lt1"/>
+          </a:fillRef>
+          <a:effectRef idx="0">
+            <a:schemeClr val="accent1"/>
+          </a:effectRef>
+          <a:fontRef idx="minor">
+            <a:schemeClr val="dk1"/>
+          </a:fontRef>
+        </p:style>
+        <p:txBody>
+          <a:bodyPr rtlCol="0" anchor="ctr"/>
+          <a:lstStyle/>
+          <a:p>
+            <a:pPr>
+              <a:lnSpc>
+                <a:spcPct val="150000"/>
+              </a:lnSpc>
+            </a:pPr>
+            <a:r>
+              <a:rPr lang="en-GB" sz="4400" dirty="0">
+                <a:solidFill>
+                  <a:schemeClr val="bg1"/>
+                </a:solidFill>
+              </a:rPr>
+              <a:t>INSTRUCTIONS:</a:t>
+            </a:r>
+          </a:p>
+          <a:p>
+            <a:pPr>
+              <a:lnSpc>
+                <a:spcPct val="150000"/>
+              </a:lnSpc>
+            </a:pPr>
+            <a:endParaRPr lang="en-GB" sz="4400" dirty="0">
+              <a:solidFill>
+                <a:schemeClr val="bg1"/>
+              </a:solidFill>
+            </a:endParaRPr>
+          </a:p>
+          <a:p>
+            <a:pPr marL="742950" indent="-742950">
+              <a:lnSpc>
+                <a:spcPct val="150000"/>
+              </a:lnSpc>
+              <a:buAutoNum type="arabicPeriod"/>
+            </a:pPr>
+            <a:r>
+              <a:rPr lang="en-GB" sz="4400" dirty="0">
+                <a:solidFill>
+                  <a:schemeClr val="bg1"/>
+                </a:solidFill>
+              </a:rPr>
+              <a:t>Present the QR Code to the bus personnel for scanning</a:t>
+            </a:r>
+          </a:p>
+          <a:p>
+            <a:pPr marL="742950" indent="-742950">
+              <a:lnSpc>
+                <a:spcPct val="150000"/>
+              </a:lnSpc>
+              <a:buAutoNum type="arabicPeriod"/>
+            </a:pPr>
+            <a:r>
+              <a:rPr lang="en-GB" sz="4400" dirty="0">
+                <a:solidFill>
+                  <a:schemeClr val="bg1"/>
+                </a:solidFill>
+              </a:rPr>
+              <a:t>Give the Appropriate Fee</a:t>
+            </a:r>
+          </a:p>
+          <a:p>
+            <a:pPr marL="742950" indent="-742950">
+              <a:lnSpc>
+                <a:spcPct val="150000"/>
+              </a:lnSpc>
+              <a:buAutoNum type="arabicPeriod"/>
+            </a:pPr>
+            <a:r>
+              <a:rPr lang="en-GB" sz="4400" dirty="0">
+                <a:solidFill>
+                  <a:schemeClr val="bg1"/>
+                </a:solidFill>
+              </a:rPr>
+              <a:t>Wait for the SMS that will serve as your receipt and proof of purchase</a:t>
+            </a:r>
+          </a:p>
+        </p:txBody>
+      </p:sp>
+      <p:cxnSp>
+        <p:nvCxnSpPr>
+          <p:cNvPr id="9" name="Straight Connector 8">
+            <a:extLst>
+              <a:ext uri="{FF2B5EF4-FFF2-40B4-BE49-F238E27FC236}">
+                <a16:creationId xmlns:a16="http://schemas.microsoft.com/office/drawing/2014/main" id="{AF4FD93B-C8A0-499C-A080-0C07F3CBFFD6}"/>
+              </a:ext>
+            </a:extLst>
+          </p:cNvPr>
+          <p:cNvCxnSpPr>
+            <a:cxnSpLocks/>
+          </p:cNvCxnSpPr>
+          <p:nvPr/>
+        </p:nvCxnSpPr>
+        <p:spPr>
+          <a:xfrm>
+            <a:off x="193962" y="11847484"/>
+            <a:ext cx="11998038" cy="0"/>
+          </a:xfrm>
+          <a:prstGeom prst="line">
+            <a:avLst/>
+          </a:prstGeom>
+        </p:spPr>
+        <p:style>
+          <a:lnRef idx="1">
+            <a:schemeClr val="dk1"/>
+          </a:lnRef>
+          <a:fillRef idx="0">
+            <a:schemeClr val="dk1"/>
+          </a:fillRef>
+          <a:effectRef idx="0">
+            <a:schemeClr val="dk1"/>
+          </a:effectRef>
+          <a:fontRef idx="minor">
+            <a:schemeClr val="tx1"/>
+          </a:fontRef>
+        </p:style>
+      </p:cxnSp>
+      <p:grpSp>
+        <p:nvGrpSpPr>
+          <p:cNvPr id="33" name="Group 32">
+            <a:extLst>
+              <a:ext uri="{FF2B5EF4-FFF2-40B4-BE49-F238E27FC236}">
+                <a16:creationId xmlns:a16="http://schemas.microsoft.com/office/drawing/2014/main" id="{C04A7F18-FD79-4A78-8735-B8A93E7C906D}"/>
+              </a:ext>
+            </a:extLst>
+          </p:cNvPr>
+          <p:cNvGrpSpPr/>
+          <p:nvPr/>
+        </p:nvGrpSpPr>
+        <p:grpSpPr>
+          <a:xfrm>
+            <a:off x="193962" y="436183"/>
+            <a:ext cx="2511137" cy="1559887"/>
+            <a:chOff x="193962" y="436183"/>
+            <a:chExt cx="2511137" cy="1559887"/>
+          </a:xfrm>
+        </p:grpSpPr>
+        <p:pic>
+          <p:nvPicPr>
+            <p:cNvPr id="34" name="Graphic 33" descr="Pause">
+              <a:extLst>
+                <a:ext uri="{FF2B5EF4-FFF2-40B4-BE49-F238E27FC236}">
+                  <a16:creationId xmlns:a16="http://schemas.microsoft.com/office/drawing/2014/main" id="{7DE77FB6-9259-4A65-AEFC-26486505AE79}"/>
+                </a:ext>
+              </a:extLst>
+            </p:cNvPr>
+            <p:cNvPicPr>
+              <a:picLocks noChangeAspect="1"/>
+            </p:cNvPicPr>
+            <p:nvPr/>
+          </p:nvPicPr>
+          <p:blipFill>
+            <a:blip r:embed="rId2">
+              <a:extLst>
+                <a:ext uri="{28A0092B-C50C-407E-A947-70E740481C1C}">
+                  <a14:useLocalDpi xmlns:a14="http://schemas.microsoft.com/office/drawing/2010/main" val="0"/>
+                </a:ext>
+                <a:ext uri="{96DAC541-7B7A-43D3-8B79-37D633B846F1}">
+                  <asvg:svgBlip xmlns:asvg="http://schemas.microsoft.com/office/drawing/2016/SVG/main" r:embed="rId3"/>
+                </a:ext>
+              </a:extLst>
+            </a:blip>
+            <a:stretch>
+              <a:fillRect/>
+            </a:stretch>
+          </p:blipFill>
+          <p:spPr>
+            <a:xfrm rot="5400000">
+              <a:off x="886690" y="-256545"/>
+              <a:ext cx="1122218" cy="2507673"/>
+            </a:xfrm>
+            <a:prstGeom prst="rect">
+              <a:avLst/>
+            </a:prstGeom>
+          </p:spPr>
+        </p:pic>
+        <p:pic>
+          <p:nvPicPr>
+            <p:cNvPr id="35" name="Graphic 34" descr="Pause">
+              <a:extLst>
+                <a:ext uri="{FF2B5EF4-FFF2-40B4-BE49-F238E27FC236}">
+                  <a16:creationId xmlns:a16="http://schemas.microsoft.com/office/drawing/2014/main" id="{12289CFA-4A02-44D2-A39E-F67B1C0BB711}"/>
+                </a:ext>
+              </a:extLst>
+            </p:cNvPr>
+            <p:cNvPicPr>
+              <a:picLocks noChangeAspect="1"/>
+            </p:cNvPicPr>
+            <p:nvPr/>
+          </p:nvPicPr>
+          <p:blipFill>
+            <a:blip r:embed="rId4">
+              <a:extLst>
+                <a:ext uri="{28A0092B-C50C-407E-A947-70E740481C1C}">
+                  <a14:useLocalDpi xmlns:a14="http://schemas.microsoft.com/office/drawing/2010/main" val="0"/>
+                </a:ext>
+                <a:ext uri="{96DAC541-7B7A-43D3-8B79-37D633B846F1}">
+                  <asvg:svgBlip xmlns:asvg="http://schemas.microsoft.com/office/drawing/2016/SVG/main" r:embed="rId5"/>
+                </a:ext>
+              </a:extLst>
+            </a:blip>
+            <a:stretch>
+              <a:fillRect/>
+            </a:stretch>
+          </p:blipFill>
+          <p:spPr>
+            <a:xfrm rot="5400000">
+              <a:off x="890154" y="181124"/>
+              <a:ext cx="1122218" cy="2507673"/>
+            </a:xfrm>
+            <a:prstGeom prst="rect">
+              <a:avLst/>
+            </a:prstGeom>
+          </p:spPr>
+        </p:pic>
+      </p:grpSp>
+      <p:pic>
+        <p:nvPicPr>
+          <p:cNvPr id="36" name="Graphic 35" descr="Marker">
+            <a:extLst>
+              <a:ext uri="{FF2B5EF4-FFF2-40B4-BE49-F238E27FC236}">
+                <a16:creationId xmlns:a16="http://schemas.microsoft.com/office/drawing/2014/main" id="{60FD3E27-74AB-4616-AD6F-742184C707AA}"/>
+              </a:ext>
+            </a:extLst>
+          </p:cNvPr>
+          <p:cNvPicPr>
+            <a:picLocks noChangeAspect="1"/>
+          </p:cNvPicPr>
+          <p:nvPr/>
+        </p:nvPicPr>
+        <p:blipFill>
+          <a:blip r:embed="rId6">
+            <a:extLst>
+              <a:ext uri="{28A0092B-C50C-407E-A947-70E740481C1C}">
+                <a14:useLocalDpi xmlns:a14="http://schemas.microsoft.com/office/drawing/2010/main" val="0"/>
+              </a:ext>
+              <a:ext uri="{96DAC541-7B7A-43D3-8B79-37D633B846F1}">
+                <asvg:svgBlip xmlns:asvg="http://schemas.microsoft.com/office/drawing/2016/SVG/main" r:embed="rId7"/>
+              </a:ext>
+            </a:extLst>
+          </a:blip>
+          <a:stretch>
+            <a:fillRect/>
+          </a:stretch>
+        </p:blipFill>
+        <p:spPr>
+          <a:xfrm rot="999761">
+            <a:off x="3394820" y="5025059"/>
+            <a:ext cx="2476511" cy="2476511"/>
+          </a:xfrm>
+          <a:prstGeom prst="rect">
+            <a:avLst/>
+          </a:prstGeom>
+        </p:spPr>
+      </p:pic>
+      <p:pic>
+        <p:nvPicPr>
+          <p:cNvPr id="37" name="Graphic 36" descr="Pause">
+            <a:extLst>
+              <a:ext uri="{FF2B5EF4-FFF2-40B4-BE49-F238E27FC236}">
+                <a16:creationId xmlns:a16="http://schemas.microsoft.com/office/drawing/2014/main" id="{A0A0BC19-27C4-4CBE-A19F-5ACC3B6ECDE6}"/>
+              </a:ext>
+            </a:extLst>
+          </p:cNvPr>
+          <p:cNvPicPr>
+            <a:picLocks noChangeAspect="1"/>
+          </p:cNvPicPr>
+          <p:nvPr/>
+        </p:nvPicPr>
+        <p:blipFill>
+          <a:blip r:embed="rId2">
+            <a:extLst>
+              <a:ext uri="{28A0092B-C50C-407E-A947-70E740481C1C}">
+                <a14:useLocalDpi xmlns:a14="http://schemas.microsoft.com/office/drawing/2010/main" val="0"/>
+              </a:ext>
+              <a:ext uri="{96DAC541-7B7A-43D3-8B79-37D633B846F1}">
+                <asvg:svgBlip xmlns:asvg="http://schemas.microsoft.com/office/drawing/2016/SVG/main" r:embed="rId3"/>
+              </a:ext>
+            </a:extLst>
+          </a:blip>
+          <a:stretch>
+            <a:fillRect/>
+          </a:stretch>
+        </p:blipFill>
+        <p:spPr>
+          <a:xfrm rot="5400000">
+            <a:off x="886690" y="-256545"/>
+            <a:ext cx="1122218" cy="2507673"/>
+          </a:xfrm>
+          <a:prstGeom prst="rect">
+            <a:avLst/>
+          </a:prstGeom>
+        </p:spPr>
+      </p:pic>
+      <p:pic>
+        <p:nvPicPr>
+          <p:cNvPr id="38" name="Graphic 37" descr="Pause">
+            <a:extLst>
+              <a:ext uri="{FF2B5EF4-FFF2-40B4-BE49-F238E27FC236}">
+                <a16:creationId xmlns:a16="http://schemas.microsoft.com/office/drawing/2014/main" id="{5DE593EE-62EE-41B6-A820-C9D4FA2DA409}"/>
+              </a:ext>
+            </a:extLst>
+          </p:cNvPr>
+          <p:cNvPicPr>
+            <a:picLocks noChangeAspect="1"/>
+          </p:cNvPicPr>
+          <p:nvPr/>
+        </p:nvPicPr>
+        <p:blipFill>
+          <a:blip r:embed="rId4">
+            <a:extLst>
+              <a:ext uri="{28A0092B-C50C-407E-A947-70E740481C1C}">
+                <a14:useLocalDpi xmlns:a14="http://schemas.microsoft.com/office/drawing/2010/main" val="0"/>
+              </a:ext>
+              <a:ext uri="{96DAC541-7B7A-43D3-8B79-37D633B846F1}">
+                <asvg:svgBlip xmlns:asvg="http://schemas.microsoft.com/office/drawing/2016/SVG/main" r:embed="rId5"/>
+              </a:ext>
+            </a:extLst>
+          </a:blip>
+          <a:stretch>
+            <a:fillRect/>
+          </a:stretch>
+        </p:blipFill>
+        <p:spPr>
+          <a:xfrm rot="5400000">
+            <a:off x="890154" y="181124"/>
+            <a:ext cx="1122218" cy="2507673"/>
+          </a:xfrm>
+          <a:prstGeom prst="rect">
+            <a:avLst/>
+          </a:prstGeom>
+        </p:spPr>
+      </p:pic>
+      <p:pic>
+        <p:nvPicPr>
+          <p:cNvPr id="39" name="Graphic 38" descr="Pause">
+            <a:extLst>
+              <a:ext uri="{FF2B5EF4-FFF2-40B4-BE49-F238E27FC236}">
+                <a16:creationId xmlns:a16="http://schemas.microsoft.com/office/drawing/2014/main" id="{6BA3EFE3-D593-4E31-8DBA-63AD830BA154}"/>
+              </a:ext>
+            </a:extLst>
+          </p:cNvPr>
+          <p:cNvPicPr>
+            <a:picLocks noChangeAspect="1"/>
+          </p:cNvPicPr>
+          <p:nvPr/>
+        </p:nvPicPr>
+        <p:blipFill>
+          <a:blip r:embed="rId2">
+            <a:extLst>
+              <a:ext uri="{28A0092B-C50C-407E-A947-70E740481C1C}">
+                <a14:useLocalDpi xmlns:a14="http://schemas.microsoft.com/office/drawing/2010/main" val="0"/>
+              </a:ext>
+              <a:ext uri="{96DAC541-7B7A-43D3-8B79-37D633B846F1}">
+                <asvg:svgBlip xmlns:asvg="http://schemas.microsoft.com/office/drawing/2016/SVG/main" r:embed="rId3"/>
+              </a:ext>
+            </a:extLst>
+          </a:blip>
+          <a:stretch>
+            <a:fillRect/>
+          </a:stretch>
+        </p:blipFill>
+        <p:spPr>
+          <a:xfrm rot="5400000">
+            <a:off x="689264" y="-4654"/>
+            <a:ext cx="1122218" cy="2507673"/>
+          </a:xfrm>
+          <a:prstGeom prst="rect">
+            <a:avLst/>
+          </a:prstGeom>
+        </p:spPr>
+      </p:pic>
+      <p:pic>
+        <p:nvPicPr>
+          <p:cNvPr id="40" name="Graphic 39" descr="Pause">
+            <a:extLst>
+              <a:ext uri="{FF2B5EF4-FFF2-40B4-BE49-F238E27FC236}">
+                <a16:creationId xmlns:a16="http://schemas.microsoft.com/office/drawing/2014/main" id="{80784125-ACE9-40E4-A660-973E2F74A837}"/>
+              </a:ext>
+            </a:extLst>
+          </p:cNvPr>
+          <p:cNvPicPr>
+            <a:picLocks noChangeAspect="1"/>
+          </p:cNvPicPr>
+          <p:nvPr/>
+        </p:nvPicPr>
+        <p:blipFill>
+          <a:blip r:embed="rId4">
+            <a:extLst>
+              <a:ext uri="{28A0092B-C50C-407E-A947-70E740481C1C}">
+                <a14:useLocalDpi xmlns:a14="http://schemas.microsoft.com/office/drawing/2010/main" val="0"/>
+              </a:ext>
+              <a:ext uri="{96DAC541-7B7A-43D3-8B79-37D633B846F1}">
+                <asvg:svgBlip xmlns:asvg="http://schemas.microsoft.com/office/drawing/2016/SVG/main" r:embed="rId5"/>
+              </a:ext>
+            </a:extLst>
+          </a:blip>
+          <a:stretch>
+            <a:fillRect/>
+          </a:stretch>
+        </p:blipFill>
+        <p:spPr>
+          <a:xfrm rot="5400000">
+            <a:off x="692728" y="433015"/>
+            <a:ext cx="1122218" cy="2507673"/>
+          </a:xfrm>
+          <a:prstGeom prst="rect">
+            <a:avLst/>
+          </a:prstGeom>
+        </p:spPr>
+      </p:pic>
+      <p:graphicFrame>
+        <p:nvGraphicFramePr>
+          <p:cNvPr id="41" name="Table 4">
+            <a:extLst>
+              <a:ext uri="{FF2B5EF4-FFF2-40B4-BE49-F238E27FC236}">
+                <a16:creationId xmlns:a16="http://schemas.microsoft.com/office/drawing/2014/main" id="{DDAC2B99-541F-434C-8575-F0DECC328C67}"/>
+              </a:ext>
+            </a:extLst>
+          </p:cNvPr>
+          <p:cNvGraphicFramePr>
+            <a:graphicFrameLocks noGrp="1"/>
+          </p:cNvGraphicFramePr>
+          <p:nvPr>
+            <p:extLst>
+              <p:ext uri="{D42A27DB-BD31-4B8C-83A1-F6EECF244321}">
+                <p14:modId xmlns:p14="http://schemas.microsoft.com/office/powerpoint/2010/main" val="1558009914"/>
+              </p:ext>
+            </p:extLst>
+          </p:nvPr>
+        </p:nvGraphicFramePr>
+        <p:xfrm>
+          <a:off x="0" y="647760"/>
+          <a:ext cx="6237280" cy="21026370"/>
+        </p:xfrm>
+        <a:graphic>
+          <a:graphicData uri="http://schemas.openxmlformats.org/drawingml/2006/table">
+            <a:tbl>
+              <a:tblPr firstRow="1" bandRow="1">
+                <a:tableStyleId>{073A0DAA-6AF3-43AB-8588-CEC1D06C72B9}</a:tableStyleId>
+              </a:tblPr>
+              <a:tblGrid>
+                <a:gridCol w="3118640">
+                  <a:extLst>
+                    <a:ext uri="{9D8B030D-6E8A-4147-A177-3AD203B41FA5}">
+                      <a16:colId xmlns:a16="http://schemas.microsoft.com/office/drawing/2014/main" val="1725609525"/>
+                    </a:ext>
+                  </a:extLst>
+                </a:gridCol>
+                <a:gridCol w="3118640">
+                  <a:extLst>
+                    <a:ext uri="{9D8B030D-6E8A-4147-A177-3AD203B41FA5}">
+                      <a16:colId xmlns:a16="http://schemas.microsoft.com/office/drawing/2014/main" val="1378215291"/>
+                    </a:ext>
+                  </a:extLst>
+                </a:gridCol>
+              </a:tblGrid>
+              <a:tr h="3504395">
+                <a:tc gridSpan="2">
+                  <a:txBody>
+                    <a:bodyPr/>
+                    <a:lstStyle/>
+                    <a:p>
+                      <a:pPr algn="ctr"/>
+                      <a:endParaRPr lang="en-GB" sz="7200" dirty="0"/>
+                    </a:p>
+                    <a:p>
+                      <a:pPr algn="ctr"/>
+                      <a:r>
+                        <a:rPr lang="en-GB" sz="7200" b="0" dirty="0">
+                          <a:latin typeface="Impact" panose="020B0806030902050204" pitchFamily="34" charset="0"/>
+                        </a:rPr>
+                        <a:t>PBA</a:t>
+                      </a:r>
+                    </a:p>
+                  </a:txBody>
+                  <a:tcPr/>
+                </a:tc>
+                <a:tc hMerge="1">
+                  <a:txBody>
+                    <a:bodyPr/>
+                    <a:lstStyle/>
+                    <a:p>
+                      <a:endParaRPr lang="en-GB"/>
+                    </a:p>
+                  </a:txBody>
+                  <a:tcPr/>
+                </a:tc>
+                <a:extLst>
+                  <a:ext uri="{0D108BD9-81ED-4DB2-BD59-A6C34878D82A}">
+                    <a16:rowId xmlns:a16="http://schemas.microsoft.com/office/drawing/2014/main" val="3131354867"/>
+                  </a:ext>
+                </a:extLst>
+              </a:tr>
+              <a:tr h="3504395">
+                <a:tc gridSpan="2">
+                  <a:txBody>
+                    <a:bodyPr/>
+                    <a:lstStyle/>
+                    <a:p>
+                      <a:endParaRPr lang="en-GB" dirty="0"/>
+                    </a:p>
+                  </a:txBody>
+                  <a:tcPr/>
+                </a:tc>
+                <a:tc hMerge="1">
+                  <a:txBody>
+                    <a:bodyPr/>
+                    <a:lstStyle/>
+                    <a:p>
+                      <a:endParaRPr lang="en-GB"/>
+                    </a:p>
+                  </a:txBody>
+                  <a:tcPr/>
+                </a:tc>
+                <a:extLst>
+                  <a:ext uri="{0D108BD9-81ED-4DB2-BD59-A6C34878D82A}">
+                    <a16:rowId xmlns:a16="http://schemas.microsoft.com/office/drawing/2014/main" val="323366236"/>
+                  </a:ext>
+                </a:extLst>
+              </a:tr>
+              <a:tr h="3504395">
+                <a:tc gridSpan="2">
+                  <a:txBody>
+                    <a:bodyPr/>
+                    <a:lstStyle/>
+                    <a:p>
+                      <a:endParaRPr lang="en-GB"/>
+                    </a:p>
+                  </a:txBody>
+                  <a:tcPr/>
+                </a:tc>
+                <a:tc hMerge="1">
+                  <a:txBody>
+                    <a:bodyPr/>
+                    <a:lstStyle/>
+                    <a:p>
+                      <a:endParaRPr lang="en-GB"/>
+                    </a:p>
+                  </a:txBody>
+                  <a:tcPr/>
+                </a:tc>
+                <a:extLst>
+                  <a:ext uri="{0D108BD9-81ED-4DB2-BD59-A6C34878D82A}">
+                    <a16:rowId xmlns:a16="http://schemas.microsoft.com/office/drawing/2014/main" val="1531545841"/>
+                  </a:ext>
+                </a:extLst>
+              </a:tr>
+              <a:tr h="3504395">
+                <a:tc gridSpan="2">
+                  <a:txBody>
+                    <a:bodyPr/>
+                    <a:lstStyle/>
+                    <a:p>
+                      <a:endParaRPr lang="en-GB"/>
+                    </a:p>
+                  </a:txBody>
+                  <a:tcPr/>
+                </a:tc>
+                <a:tc hMerge="1">
+                  <a:txBody>
+                    <a:bodyPr/>
+                    <a:lstStyle/>
+                    <a:p>
+                      <a:endParaRPr lang="en-GB"/>
+                    </a:p>
+                  </a:txBody>
+                  <a:tcPr/>
+                </a:tc>
+                <a:extLst>
+                  <a:ext uri="{0D108BD9-81ED-4DB2-BD59-A6C34878D82A}">
+                    <a16:rowId xmlns:a16="http://schemas.microsoft.com/office/drawing/2014/main" val="2929054843"/>
+                  </a:ext>
+                </a:extLst>
+              </a:tr>
+              <a:tr h="3504395">
+                <a:tc gridSpan="2">
+                  <a:txBody>
+                    <a:bodyPr/>
+                    <a:lstStyle/>
+                    <a:p>
+                      <a:endParaRPr lang="en-GB"/>
+                    </a:p>
+                  </a:txBody>
+                  <a:tcPr/>
+                </a:tc>
+                <a:tc hMerge="1">
+                  <a:txBody>
+                    <a:bodyPr/>
+                    <a:lstStyle/>
+                    <a:p>
+                      <a:endParaRPr lang="en-GB"/>
+                    </a:p>
+                  </a:txBody>
+                  <a:tcPr/>
+                </a:tc>
+                <a:extLst>
+                  <a:ext uri="{0D108BD9-81ED-4DB2-BD59-A6C34878D82A}">
+                    <a16:rowId xmlns:a16="http://schemas.microsoft.com/office/drawing/2014/main" val="2511240544"/>
+                  </a:ext>
+                </a:extLst>
+              </a:tr>
+              <a:tr h="3504395">
+                <a:tc>
+                  <a:txBody>
+                    <a:bodyPr/>
+                    <a:lstStyle/>
+                    <a:p>
+                      <a:endParaRPr lang="en-GB" dirty="0"/>
+                    </a:p>
+                  </a:txBody>
+                  <a:tcPr/>
+                </a:tc>
+                <a:tc>
+                  <a:txBody>
+                    <a:bodyPr/>
+                    <a:lstStyle/>
+                    <a:p>
+                      <a:endParaRPr lang="en-GB" dirty="0"/>
+                    </a:p>
+                  </a:txBody>
+                  <a:tcPr/>
+                </a:tc>
+                <a:extLst>
+                  <a:ext uri="{0D108BD9-81ED-4DB2-BD59-A6C34878D82A}">
+                    <a16:rowId xmlns:a16="http://schemas.microsoft.com/office/drawing/2014/main" val="3339528686"/>
+                  </a:ext>
+                </a:extLst>
+              </a:tr>
+            </a:tbl>
+          </a:graphicData>
+        </a:graphic>
+      </p:graphicFrame>
+      <p:pic>
+        <p:nvPicPr>
+          <p:cNvPr id="42" name="Graphic 41" descr="Home">
+            <a:hlinkClick r:id="rId8" action="ppaction://hlinksldjump"/>
+            <a:extLst>
+              <a:ext uri="{FF2B5EF4-FFF2-40B4-BE49-F238E27FC236}">
+                <a16:creationId xmlns:a16="http://schemas.microsoft.com/office/drawing/2014/main" id="{9E004E67-551B-4B42-82D0-E57A38D68F50}"/>
+              </a:ext>
+            </a:extLst>
+          </p:cNvPr>
+          <p:cNvPicPr>
+            <a:picLocks noChangeAspect="1"/>
+          </p:cNvPicPr>
+          <p:nvPr/>
+        </p:nvPicPr>
+        <p:blipFill>
+          <a:blip r:embed="rId9">
+            <a:extLst>
+              <a:ext uri="{28A0092B-C50C-407E-A947-70E740481C1C}">
+                <a14:useLocalDpi xmlns:a14="http://schemas.microsoft.com/office/drawing/2010/main" val="0"/>
+              </a:ext>
+              <a:ext uri="{96DAC541-7B7A-43D3-8B79-37D633B846F1}">
+                <asvg:svgBlip xmlns:asvg="http://schemas.microsoft.com/office/drawing/2016/SVG/main" r:embed="rId10"/>
+              </a:ext>
+            </a:extLst>
+          </a:blip>
+          <a:stretch>
+            <a:fillRect/>
+          </a:stretch>
+        </p:blipFill>
+        <p:spPr>
+          <a:xfrm>
+            <a:off x="425063" y="4956411"/>
+            <a:ext cx="1931361" cy="1931361"/>
+          </a:xfrm>
+          <a:prstGeom prst="rect">
+            <a:avLst/>
+          </a:prstGeom>
+        </p:spPr>
+      </p:pic>
+      <p:sp>
+        <p:nvSpPr>
+          <p:cNvPr id="43" name="TextBox 42">
+            <a:hlinkClick r:id="rId8" action="ppaction://hlinksldjump"/>
+            <a:extLst>
+              <a:ext uri="{FF2B5EF4-FFF2-40B4-BE49-F238E27FC236}">
+                <a16:creationId xmlns:a16="http://schemas.microsoft.com/office/drawing/2014/main" id="{CC81FCA5-CDE0-4DE5-8EAB-BAD9CC5E2B99}"/>
+              </a:ext>
+            </a:extLst>
+          </p:cNvPr>
+          <p:cNvSpPr txBox="1"/>
+          <p:nvPr/>
+        </p:nvSpPr>
+        <p:spPr>
+          <a:xfrm>
+            <a:off x="2781487" y="5583243"/>
+            <a:ext cx="2409634" cy="1107996"/>
+          </a:xfrm>
+          <a:prstGeom prst="rect">
+            <a:avLst/>
+          </a:prstGeom>
+          <a:noFill/>
+        </p:spPr>
+        <p:txBody>
+          <a:bodyPr wrap="none" rtlCol="0">
+            <a:spAutoFit/>
+          </a:bodyPr>
+          <a:lstStyle/>
+          <a:p>
+            <a:r>
+              <a:rPr lang="en-GB" sz="6600" dirty="0"/>
+              <a:t>HOME</a:t>
+            </a:r>
+          </a:p>
+        </p:txBody>
+      </p:sp>
+      <p:sp>
+        <p:nvSpPr>
+          <p:cNvPr id="44" name="TextBox 43">
+            <a:hlinkClick r:id="rId11" action="ppaction://hlinksldjump"/>
+            <a:extLst>
+              <a:ext uri="{FF2B5EF4-FFF2-40B4-BE49-F238E27FC236}">
+                <a16:creationId xmlns:a16="http://schemas.microsoft.com/office/drawing/2014/main" id="{8D0D40B0-6C76-431F-BA1F-4C73A099E8BC}"/>
+              </a:ext>
+            </a:extLst>
+          </p:cNvPr>
+          <p:cNvSpPr txBox="1"/>
+          <p:nvPr/>
+        </p:nvSpPr>
+        <p:spPr>
+          <a:xfrm>
+            <a:off x="3025659" y="12005192"/>
+            <a:ext cx="2912079" cy="2123658"/>
+          </a:xfrm>
+          <a:prstGeom prst="rect">
+            <a:avLst/>
+          </a:prstGeom>
+          <a:noFill/>
+        </p:spPr>
+        <p:txBody>
+          <a:bodyPr wrap="none" rtlCol="0">
+            <a:spAutoFit/>
+          </a:bodyPr>
+          <a:lstStyle/>
+          <a:p>
+            <a:r>
+              <a:rPr lang="en-GB" sz="6600" dirty="0">
+                <a:solidFill>
+                  <a:schemeClr val="bg1">
+                    <a:lumMod val="50000"/>
+                  </a:schemeClr>
+                </a:solidFill>
+              </a:rPr>
+              <a:t>BUY</a:t>
+            </a:r>
+          </a:p>
+          <a:p>
+            <a:r>
+              <a:rPr lang="en-GB" sz="6600" dirty="0">
+                <a:solidFill>
+                  <a:schemeClr val="bg1">
+                    <a:lumMod val="50000"/>
+                  </a:schemeClr>
+                </a:solidFill>
+              </a:rPr>
+              <a:t>TICKETS</a:t>
+            </a:r>
+          </a:p>
+        </p:txBody>
+      </p:sp>
+      <p:sp>
+        <p:nvSpPr>
+          <p:cNvPr id="45" name="TextBox 44">
+            <a:hlinkClick r:id="rId12" action="ppaction://hlinksldjump"/>
+            <a:extLst>
+              <a:ext uri="{FF2B5EF4-FFF2-40B4-BE49-F238E27FC236}">
+                <a16:creationId xmlns:a16="http://schemas.microsoft.com/office/drawing/2014/main" id="{8447F9AF-EA0A-465A-9A71-9D312E244D6C}"/>
+              </a:ext>
+            </a:extLst>
+          </p:cNvPr>
+          <p:cNvSpPr txBox="1"/>
+          <p:nvPr/>
+        </p:nvSpPr>
+        <p:spPr>
+          <a:xfrm>
+            <a:off x="2343779" y="8890606"/>
+            <a:ext cx="3725892" cy="1107996"/>
+          </a:xfrm>
+          <a:prstGeom prst="rect">
+            <a:avLst/>
+          </a:prstGeom>
+          <a:noFill/>
+        </p:spPr>
+        <p:txBody>
+          <a:bodyPr wrap="none" rtlCol="0">
+            <a:spAutoFit/>
+          </a:bodyPr>
+          <a:lstStyle/>
+          <a:p>
+            <a:r>
+              <a:rPr lang="en-GB" sz="6600" dirty="0"/>
+              <a:t>TRACKING</a:t>
+            </a:r>
+          </a:p>
+        </p:txBody>
+      </p:sp>
+      <p:sp>
+        <p:nvSpPr>
+          <p:cNvPr id="46" name="TextBox 45">
+            <a:hlinkClick r:id="rId13" action="ppaction://hlinksldjump"/>
+            <a:extLst>
+              <a:ext uri="{FF2B5EF4-FFF2-40B4-BE49-F238E27FC236}">
+                <a16:creationId xmlns:a16="http://schemas.microsoft.com/office/drawing/2014/main" id="{B3B45CB4-8456-4ED5-8F04-55C2F53B8C24}"/>
+              </a:ext>
+            </a:extLst>
+          </p:cNvPr>
+          <p:cNvSpPr txBox="1"/>
+          <p:nvPr/>
+        </p:nvSpPr>
+        <p:spPr>
+          <a:xfrm>
+            <a:off x="3072114" y="16092294"/>
+            <a:ext cx="1919115" cy="1107996"/>
+          </a:xfrm>
+          <a:prstGeom prst="rect">
+            <a:avLst/>
+          </a:prstGeom>
+          <a:noFill/>
+        </p:spPr>
+        <p:txBody>
+          <a:bodyPr wrap="none" rtlCol="0">
+            <a:spAutoFit/>
+          </a:bodyPr>
+          <a:lstStyle/>
+          <a:p>
+            <a:r>
+              <a:rPr lang="en-GB" sz="6600" dirty="0"/>
+              <a:t>HELP</a:t>
+            </a:r>
+          </a:p>
+        </p:txBody>
+      </p:sp>
+      <p:sp>
+        <p:nvSpPr>
+          <p:cNvPr id="47" name="TextBox 46">
+            <a:hlinkClick r:id="rId14" action="ppaction://hlinksldjump"/>
+            <a:extLst>
+              <a:ext uri="{FF2B5EF4-FFF2-40B4-BE49-F238E27FC236}">
+                <a16:creationId xmlns:a16="http://schemas.microsoft.com/office/drawing/2014/main" id="{5D61ED2E-3159-4B5E-955A-23CEF1641AAE}"/>
+              </a:ext>
+            </a:extLst>
+          </p:cNvPr>
+          <p:cNvSpPr txBox="1"/>
+          <p:nvPr/>
+        </p:nvSpPr>
+        <p:spPr>
+          <a:xfrm>
+            <a:off x="3025659" y="19605873"/>
+            <a:ext cx="2012026" cy="1107996"/>
+          </a:xfrm>
+          <a:prstGeom prst="rect">
+            <a:avLst/>
+          </a:prstGeom>
+          <a:noFill/>
+        </p:spPr>
+        <p:txBody>
+          <a:bodyPr wrap="none" rtlCol="0">
+            <a:spAutoFit/>
+          </a:bodyPr>
+          <a:lstStyle/>
+          <a:p>
+            <a:r>
+              <a:rPr lang="en-GB" sz="6600" dirty="0"/>
+              <a:t>BACK</a:t>
+            </a:r>
+          </a:p>
+        </p:txBody>
+      </p:sp>
+      <p:pic>
+        <p:nvPicPr>
+          <p:cNvPr id="48" name="Graphic 47" descr="Line arrow: Horizontal U-turn">
+            <a:hlinkClick r:id="rId14" action="ppaction://hlinksldjump"/>
+            <a:extLst>
+              <a:ext uri="{FF2B5EF4-FFF2-40B4-BE49-F238E27FC236}">
+                <a16:creationId xmlns:a16="http://schemas.microsoft.com/office/drawing/2014/main" id="{8B9BC116-180E-4F95-B10E-E72C2D5666FF}"/>
+              </a:ext>
+            </a:extLst>
+          </p:cNvPr>
+          <p:cNvPicPr>
+            <a:picLocks noChangeAspect="1"/>
+          </p:cNvPicPr>
+          <p:nvPr/>
+        </p:nvPicPr>
+        <p:blipFill>
+          <a:blip r:embed="rId15">
+            <a:extLst>
+              <a:ext uri="{28A0092B-C50C-407E-A947-70E740481C1C}">
+                <a14:useLocalDpi xmlns:a14="http://schemas.microsoft.com/office/drawing/2010/main" val="0"/>
+              </a:ext>
+              <a:ext uri="{96DAC541-7B7A-43D3-8B79-37D633B846F1}">
+                <asvg:svgBlip xmlns:asvg="http://schemas.microsoft.com/office/drawing/2016/SVG/main" r:embed="rId16"/>
+              </a:ext>
+            </a:extLst>
+          </a:blip>
+          <a:stretch>
+            <a:fillRect/>
+          </a:stretch>
+        </p:blipFill>
+        <p:spPr>
+          <a:xfrm rot="10800000" flipH="1">
+            <a:off x="425063" y="19233855"/>
+            <a:ext cx="1929384" cy="1852032"/>
+          </a:xfrm>
+          <a:prstGeom prst="rect">
+            <a:avLst/>
+          </a:prstGeom>
+        </p:spPr>
+      </p:pic>
+      <p:pic>
+        <p:nvPicPr>
+          <p:cNvPr id="49" name="Graphic 48" descr="Bank check">
+            <a:hlinkClick r:id="rId11" action="ppaction://hlinksldjump"/>
+            <a:extLst>
+              <a:ext uri="{FF2B5EF4-FFF2-40B4-BE49-F238E27FC236}">
+                <a16:creationId xmlns:a16="http://schemas.microsoft.com/office/drawing/2014/main" id="{555629A8-8E1C-4149-A495-CE0746BAC7E5}"/>
+              </a:ext>
+            </a:extLst>
+          </p:cNvPr>
+          <p:cNvPicPr>
+            <a:picLocks noChangeAspect="1"/>
+          </p:cNvPicPr>
+          <p:nvPr/>
+        </p:nvPicPr>
+        <p:blipFill>
+          <a:blip r:embed="rId17">
+            <a:extLst>
+              <a:ext uri="{28A0092B-C50C-407E-A947-70E740481C1C}">
+                <a14:useLocalDpi xmlns:a14="http://schemas.microsoft.com/office/drawing/2010/main" val="0"/>
+              </a:ext>
+              <a:ext uri="{96DAC541-7B7A-43D3-8B79-37D633B846F1}">
+                <asvg:svgBlip xmlns:asvg="http://schemas.microsoft.com/office/drawing/2016/SVG/main" r:embed="rId18"/>
+              </a:ext>
+            </a:extLst>
+          </a:blip>
+          <a:stretch>
+            <a:fillRect/>
+          </a:stretch>
+        </p:blipFill>
+        <p:spPr>
+          <a:xfrm>
+            <a:off x="574826" y="12102329"/>
+            <a:ext cx="1929384" cy="1929384"/>
+          </a:xfrm>
+          <a:prstGeom prst="rect">
+            <a:avLst/>
+          </a:prstGeom>
+        </p:spPr>
+      </p:pic>
+      <p:pic>
+        <p:nvPicPr>
+          <p:cNvPr id="50" name="Graphic 49" descr="Marker">
+            <a:hlinkClick r:id="rId12" action="ppaction://hlinksldjump"/>
+            <a:extLst>
+              <a:ext uri="{FF2B5EF4-FFF2-40B4-BE49-F238E27FC236}">
+                <a16:creationId xmlns:a16="http://schemas.microsoft.com/office/drawing/2014/main" id="{B7852498-8994-4D2F-86B7-61D7D2FF32DC}"/>
+              </a:ext>
+            </a:extLst>
+          </p:cNvPr>
+          <p:cNvPicPr>
+            <a:picLocks noChangeAspect="1"/>
+          </p:cNvPicPr>
+          <p:nvPr/>
+        </p:nvPicPr>
+        <p:blipFill>
+          <a:blip r:embed="rId19">
+            <a:extLst>
+              <a:ext uri="{28A0092B-C50C-407E-A947-70E740481C1C}">
+                <a14:useLocalDpi xmlns:a14="http://schemas.microsoft.com/office/drawing/2010/main" val="0"/>
+              </a:ext>
+              <a:ext uri="{96DAC541-7B7A-43D3-8B79-37D633B846F1}">
+                <asvg:svgBlip xmlns:asvg="http://schemas.microsoft.com/office/drawing/2016/SVG/main" r:embed="rId20"/>
+              </a:ext>
+            </a:extLst>
+          </a:blip>
+          <a:stretch>
+            <a:fillRect/>
+          </a:stretch>
+        </p:blipFill>
+        <p:spPr>
+          <a:xfrm>
+            <a:off x="425063" y="8449946"/>
+            <a:ext cx="1929384" cy="1929384"/>
+          </a:xfrm>
+          <a:prstGeom prst="rect">
+            <a:avLst/>
+          </a:prstGeom>
+        </p:spPr>
+      </p:pic>
+      <p:pic>
+        <p:nvPicPr>
+          <p:cNvPr id="51" name="Graphic 50" descr="Information">
+            <a:hlinkClick r:id="rId13" action="ppaction://hlinksldjump"/>
+            <a:extLst>
+              <a:ext uri="{FF2B5EF4-FFF2-40B4-BE49-F238E27FC236}">
+                <a16:creationId xmlns:a16="http://schemas.microsoft.com/office/drawing/2014/main" id="{418EA4B5-C231-49CD-8945-B122C5C9BB5F}"/>
+              </a:ext>
+            </a:extLst>
+          </p:cNvPr>
+          <p:cNvPicPr>
+            <a:picLocks noChangeAspect="1"/>
+          </p:cNvPicPr>
+          <p:nvPr/>
+        </p:nvPicPr>
+        <p:blipFill>
+          <a:blip r:embed="rId21">
+            <a:extLst>
+              <a:ext uri="{28A0092B-C50C-407E-A947-70E740481C1C}">
+                <a14:useLocalDpi xmlns:a14="http://schemas.microsoft.com/office/drawing/2010/main" val="0"/>
+              </a:ext>
+              <a:ext uri="{96DAC541-7B7A-43D3-8B79-37D633B846F1}">
+                <asvg:svgBlip xmlns:asvg="http://schemas.microsoft.com/office/drawing/2016/SVG/main" r:embed="rId22"/>
+              </a:ext>
+            </a:extLst>
+          </a:blip>
+          <a:stretch>
+            <a:fillRect/>
+          </a:stretch>
+        </p:blipFill>
+        <p:spPr>
+          <a:xfrm>
+            <a:off x="425063" y="15681600"/>
+            <a:ext cx="1929384" cy="1929384"/>
+          </a:xfrm>
+          <a:prstGeom prst="rect">
+            <a:avLst/>
+          </a:prstGeom>
+        </p:spPr>
+      </p:pic>
+      <p:pic>
+        <p:nvPicPr>
+          <p:cNvPr id="52" name="Picture 51">
+            <a:hlinkClick r:id="rId8" action="ppaction://hlinksldjump"/>
+            <a:extLst>
+              <a:ext uri="{FF2B5EF4-FFF2-40B4-BE49-F238E27FC236}">
+                <a16:creationId xmlns:a16="http://schemas.microsoft.com/office/drawing/2014/main" id="{6BA34125-7AA1-434E-BD37-B0B245C7FE2C}"/>
+              </a:ext>
+            </a:extLst>
+          </p:cNvPr>
+          <p:cNvPicPr>
+            <a:picLocks noChangeAspect="1"/>
+          </p:cNvPicPr>
+          <p:nvPr/>
+        </p:nvPicPr>
+        <p:blipFill rotWithShape="1">
+          <a:blip r:embed="rId23">
+            <a:extLst>
+              <a:ext uri="{BEBA8EAE-BF5A-486C-A8C5-ECC9F3942E4B}">
+                <a14:imgProps xmlns:a14="http://schemas.microsoft.com/office/drawing/2010/main">
+                  <a14:imgLayer r:embed="rId24">
+                    <a14:imgEffect>
+                      <a14:backgroundRemoval t="10000" b="90000" l="10000" r="90000">
+                        <a14:foregroundMark x1="38387" y1="23952" x2="41290" y2="36527"/>
+                        <a14:foregroundMark x1="41290" y1="36527" x2="48065" y2="40120"/>
+                        <a14:foregroundMark x1="48065" y1="40120" x2="55806" y2="37725"/>
+                        <a14:foregroundMark x1="55806" y1="37725" x2="55806" y2="26946"/>
+                        <a14:foregroundMark x1="55806" y1="26946" x2="51290" y2="17964"/>
+                        <a14:foregroundMark x1="51290" y1="17964" x2="45484" y2="17365"/>
+                        <a14:foregroundMark x1="50968" y1="35329" x2="51935" y2="26946"/>
+                        <a14:foregroundMark x1="57742" y1="49102" x2="61613" y2="46707"/>
+                        <a14:foregroundMark x1="48065" y1="45509" x2="42258" y2="50898"/>
+                        <a14:foregroundMark x1="42258" y1="50898" x2="47419" y2="50299"/>
+                      </a14:backgroundRemoval>
+                    </a14:imgEffect>
+                  </a14:imgLayer>
+                </a14:imgProps>
+              </a:ext>
+              <a:ext uri="{28A0092B-C50C-407E-A947-70E740481C1C}">
+                <a14:useLocalDpi xmlns:a14="http://schemas.microsoft.com/office/drawing/2010/main" val="0"/>
+              </a:ext>
+            </a:extLst>
+          </a:blip>
+          <a:srcRect l="28108" t="9706" r="26817" b="20945"/>
+          <a:stretch/>
+        </p:blipFill>
+        <p:spPr>
+          <a:xfrm>
+            <a:off x="-6928" y="1581456"/>
+            <a:ext cx="2507595" cy="1956430"/>
+          </a:xfrm>
+          <a:prstGeom prst="rect">
+            <a:avLst/>
+          </a:prstGeom>
+        </p:spPr>
+      </p:pic>
+    </p:spTree>
+    <p:extLst>
+      <p:ext uri="{BB962C8B-B14F-4D97-AF65-F5344CB8AC3E}">
+        <p14:creationId xmlns:p14="http://schemas.microsoft.com/office/powerpoint/2010/main" val="2280037045"/>
+      </p:ext>
+    </p:extLst>
+  </p:cSld>
+  <p:clrMapOvr>
+    <a:masterClrMapping/>
+  </p:clrMapOvr>
+</p:sld>
+</file>
+
+<file path=ppt/slides/slide21.xml><?xml version="1.0" encoding="utf-8"?>
+<p:sld xmlns:a="http://schemas.openxmlformats.org/drawingml/2006/main" xmlns:r="http://schemas.openxmlformats.org/officeDocument/2006/relationships" xmlns:p="http://schemas.openxmlformats.org/presentationml/2006/main">
+  <p:cSld>
+    <p:bg>
+      <p:bgPr>
+        <a:solidFill>
+          <a:srgbClr val="2F5597"/>
+        </a:solidFill>
+        <a:effectLst/>
+      </p:bgPr>
+    </p:bg>
+    <p:spTree>
+      <p:nvGrpSpPr>
+        <p:cNvPr id="1" name=""/>
+        <p:cNvGrpSpPr/>
+        <p:nvPr/>
+      </p:nvGrpSpPr>
+      <p:grpSpPr>
+        <a:xfrm>
+          <a:off x="0" y="0"/>
+          <a:ext cx="0" cy="0"/>
+          <a:chOff x="0" y="0"/>
+          <a:chExt cx="0" cy="0"/>
+        </a:xfrm>
+      </p:grpSpPr>
+      <p:sp>
+        <p:nvSpPr>
+          <p:cNvPr id="4" name="Rectangle 3">
+            <a:extLst>
+              <a:ext uri="{FF2B5EF4-FFF2-40B4-BE49-F238E27FC236}">
+                <a16:creationId xmlns:a16="http://schemas.microsoft.com/office/drawing/2014/main" id="{FD5D6374-30F7-4092-AE24-97A384FB9A03}"/>
+              </a:ext>
+            </a:extLst>
+          </p:cNvPr>
+          <p:cNvSpPr/>
+          <p:nvPr/>
+        </p:nvSpPr>
+        <p:spPr>
+          <a:xfrm>
+            <a:off x="2701636" y="622986"/>
+            <a:ext cx="8188036" cy="1122218"/>
+          </a:xfrm>
+          <a:prstGeom prst="rect">
+            <a:avLst/>
+          </a:prstGeom>
+          <a:solidFill>
             <a:srgbClr val="2F5597"/>
           </a:solidFill>
         </p:spPr>
@@ -12909,13 +13779,15 @@
               </a:ext>
             </a:extLst>
           </p:cNvPr>
-          <p:cNvCxnSpPr/>
+          <p:cNvCxnSpPr>
+            <a:cxnSpLocks/>
+          </p:cNvCxnSpPr>
           <p:nvPr/>
         </p:nvCxnSpPr>
         <p:spPr>
           <a:xfrm>
-            <a:off x="-6650182" y="2039115"/>
-            <a:ext cx="21363709" cy="0"/>
+            <a:off x="0" y="2039115"/>
+            <a:ext cx="12192000" cy="0"/>
           </a:xfrm>
           <a:prstGeom prst="line">
             <a:avLst/>
@@ -13248,7 +14120,7 @@
 </p:sld>
 </file>
 
-<file path=ppt/slides/slide21.xml><?xml version="1.0" encoding="utf-8"?>
+<file path=ppt/slides/slide22.xml><?xml version="1.0" encoding="utf-8"?>
 <p:sld xmlns:a="http://schemas.openxmlformats.org/drawingml/2006/main" xmlns:r="http://schemas.openxmlformats.org/officeDocument/2006/relationships" xmlns:p="http://schemas.openxmlformats.org/presentationml/2006/main">
   <p:cSld>
     <p:bg>
@@ -13341,13 +14213,15 @@
               </a:ext>
             </a:extLst>
           </p:cNvPr>
-          <p:cNvCxnSpPr/>
+          <p:cNvCxnSpPr>
+            <a:cxnSpLocks/>
+          </p:cNvCxnSpPr>
           <p:nvPr/>
         </p:nvCxnSpPr>
         <p:spPr>
           <a:xfrm>
-            <a:off x="-6650182" y="2039115"/>
-            <a:ext cx="21363709" cy="0"/>
+            <a:off x="-6928" y="2039115"/>
+            <a:ext cx="12195465" cy="0"/>
           </a:xfrm>
           <a:prstGeom prst="line">
             <a:avLst/>
@@ -13383,7 +14257,7 @@
         <p:spPr>
           <a:xfrm>
             <a:off x="0" y="3070322"/>
-            <a:ext cx="12188537" cy="16173638"/>
+            <a:ext cx="12192000" cy="16173638"/>
           </a:xfrm>
           <a:prstGeom prst="rect">
             <a:avLst/>
@@ -14648,7 +15522,7 @@
 </p:sld>
 </file>
 
-<file path=ppt/slides/slide22.xml><?xml version="1.0" encoding="utf-8"?>
+<file path=ppt/slides/slide23.xml><?xml version="1.0" encoding="utf-8"?>
 <p:sld xmlns:a="http://schemas.openxmlformats.org/drawingml/2006/main" xmlns:r="http://schemas.openxmlformats.org/officeDocument/2006/relationships" xmlns:p="http://schemas.openxmlformats.org/presentationml/2006/main">
   <p:cSld>
     <p:bg>
@@ -14837,13 +15711,15 @@
               </a:ext>
             </a:extLst>
           </p:cNvPr>
-          <p:cNvCxnSpPr/>
+          <p:cNvCxnSpPr>
+            <a:cxnSpLocks/>
+          </p:cNvCxnSpPr>
           <p:nvPr/>
         </p:nvCxnSpPr>
         <p:spPr>
           <a:xfrm>
-            <a:off x="-6650182" y="2039115"/>
-            <a:ext cx="21363709" cy="0"/>
+            <a:off x="0" y="2039115"/>
+            <a:ext cx="12192000" cy="0"/>
           </a:xfrm>
           <a:prstGeom prst="line">
             <a:avLst/>
@@ -15160,7 +16036,7 @@
 </p:sld>
 </file>
 
-<file path=ppt/slides/slide23.xml><?xml version="1.0" encoding="utf-8"?>
+<file path=ppt/slides/slide24.xml><?xml version="1.0" encoding="utf-8"?>
 <p:sld xmlns:a="http://schemas.openxmlformats.org/drawingml/2006/main" xmlns:r="http://schemas.openxmlformats.org/officeDocument/2006/relationships" xmlns:p="http://schemas.openxmlformats.org/presentationml/2006/main">
   <p:cSld>
     <p:bg>
@@ -15253,13 +16129,15 @@
               </a:ext>
             </a:extLst>
           </p:cNvPr>
-          <p:cNvCxnSpPr/>
+          <p:cNvCxnSpPr>
+            <a:cxnSpLocks/>
+          </p:cNvCxnSpPr>
           <p:nvPr/>
         </p:nvCxnSpPr>
         <p:spPr>
           <a:xfrm>
-            <a:off x="-6650182" y="2039115"/>
-            <a:ext cx="21363709" cy="0"/>
+            <a:off x="0" y="1996070"/>
+            <a:ext cx="12188537" cy="43045"/>
           </a:xfrm>
           <a:prstGeom prst="line">
             <a:avLst/>
@@ -16560,7 +17438,7 @@
 </p:sld>
 </file>
 
-<file path=ppt/slides/slide24.xml><?xml version="1.0" encoding="utf-8"?>
+<file path=ppt/slides/slide25.xml><?xml version="1.0" encoding="utf-8"?>
 <p:sld xmlns:a="http://schemas.openxmlformats.org/drawingml/2006/main" xmlns:r="http://schemas.openxmlformats.org/officeDocument/2006/relationships" xmlns:p="http://schemas.openxmlformats.org/presentationml/2006/main">
   <p:cSld>
     <p:bg>
@@ -16749,13 +17627,15 @@
               </a:ext>
             </a:extLst>
           </p:cNvPr>
-          <p:cNvCxnSpPr/>
+          <p:cNvCxnSpPr>
+            <a:cxnSpLocks/>
+          </p:cNvCxnSpPr>
           <p:nvPr/>
         </p:nvCxnSpPr>
         <p:spPr>
           <a:xfrm>
-            <a:off x="-6650182" y="2039115"/>
-            <a:ext cx="21363709" cy="0"/>
+            <a:off x="0" y="2039115"/>
+            <a:ext cx="12159672" cy="0"/>
           </a:xfrm>
           <a:prstGeom prst="line">
             <a:avLst/>
@@ -17130,7 +18010,7 @@
 </p:sld>
 </file>
 
-<file path=ppt/slides/slide25.xml><?xml version="1.0" encoding="utf-8"?>
+<file path=ppt/slides/slide26.xml><?xml version="1.0" encoding="utf-8"?>
 <p:sld xmlns:a="http://schemas.openxmlformats.org/drawingml/2006/main" xmlns:r="http://schemas.openxmlformats.org/officeDocument/2006/relationships" xmlns:p="http://schemas.openxmlformats.org/presentationml/2006/main">
   <p:cSld>
     <p:bg>
@@ -17218,13 +18098,15 @@
               </a:ext>
             </a:extLst>
           </p:cNvPr>
-          <p:cNvCxnSpPr/>
+          <p:cNvCxnSpPr>
+            <a:cxnSpLocks/>
+          </p:cNvCxnSpPr>
           <p:nvPr/>
         </p:nvCxnSpPr>
         <p:spPr>
           <a:xfrm>
-            <a:off x="-6650182" y="2039115"/>
-            <a:ext cx="21363709" cy="0"/>
+            <a:off x="193962" y="2039115"/>
+            <a:ext cx="11998038" cy="0"/>
           </a:xfrm>
           <a:prstGeom prst="line">
             <a:avLst/>
@@ -18205,13 +19087,25 @@
           <a:lstStyle/>
           <a:p>
             <a:r>
-              <a:rPr lang="en-GB" sz="6600" dirty="0"/>
+              <a:rPr lang="en-GB" sz="6600" dirty="0">
+                <a:solidFill>
+                  <a:schemeClr val="bg1">
+                    <a:lumMod val="50000"/>
+                  </a:schemeClr>
+                </a:solidFill>
+              </a:rPr>
               <a:t>BUY</a:t>
             </a:r>
           </a:p>
           <a:p>
             <a:r>
-              <a:rPr lang="en-GB" sz="6600" dirty="0"/>
+              <a:rPr lang="en-GB" sz="6600" dirty="0">
+                <a:solidFill>
+                  <a:schemeClr val="bg1">
+                    <a:lumMod val="50000"/>
+                  </a:schemeClr>
+                </a:solidFill>
+              </a:rPr>
               <a:t>TICKETS</a:t>
             </a:r>
           </a:p>
@@ -18249,8 +19143,9 @@
             <a:r>
               <a:rPr lang="en-GB" sz="6600" dirty="0">
                 <a:solidFill>
-                  <a:schemeClr val="bg1">
-                    <a:lumMod val="65000"/>
+                  <a:schemeClr val="tx1">
+                    <a:lumMod val="95000"/>
+                    <a:lumOff val="5000"/>
                   </a:schemeClr>
                 </a:solidFill>
               </a:rPr>
@@ -18560,7 +19455,7 @@
 </p:sld>
 </file>
 
-<file path=ppt/slides/slide26.xml><?xml version="1.0" encoding="utf-8"?>
+<file path=ppt/slides/slide27.xml><?xml version="1.0" encoding="utf-8"?>
 <p:sld xmlns:a="http://schemas.openxmlformats.org/drawingml/2006/main" xmlns:r="http://schemas.openxmlformats.org/officeDocument/2006/relationships" xmlns:p="http://schemas.openxmlformats.org/presentationml/2006/main">
   <p:cSld>
     <p:bg>
@@ -18747,13 +19642,15 @@
               </a:ext>
             </a:extLst>
           </p:cNvPr>
-          <p:cNvCxnSpPr/>
+          <p:cNvCxnSpPr>
+            <a:cxnSpLocks/>
+          </p:cNvCxnSpPr>
           <p:nvPr/>
         </p:nvCxnSpPr>
         <p:spPr>
           <a:xfrm>
-            <a:off x="-6650182" y="2039115"/>
-            <a:ext cx="21363709" cy="0"/>
+            <a:off x="0" y="2039115"/>
+            <a:ext cx="12127344" cy="0"/>
           </a:xfrm>
           <a:prstGeom prst="line">
             <a:avLst/>
@@ -19317,7 +20214,7 @@
 </p:sld>
 </file>
 
-<file path=ppt/slides/slide27.xml><?xml version="1.0" encoding="utf-8"?>
+<file path=ppt/slides/slide28.xml><?xml version="1.0" encoding="utf-8"?>
 <p:sld xmlns:a="http://schemas.openxmlformats.org/drawingml/2006/main" xmlns:r="http://schemas.openxmlformats.org/officeDocument/2006/relationships" xmlns:p="http://schemas.openxmlformats.org/presentationml/2006/main">
   <p:cSld>
     <p:bg>
@@ -19506,13 +20403,15 @@
               </a:ext>
             </a:extLst>
           </p:cNvPr>
-          <p:cNvCxnSpPr/>
+          <p:cNvCxnSpPr>
+            <a:cxnSpLocks/>
+          </p:cNvCxnSpPr>
           <p:nvPr/>
         </p:nvCxnSpPr>
         <p:spPr>
           <a:xfrm>
-            <a:off x="-6650182" y="2039115"/>
-            <a:ext cx="21363709" cy="0"/>
+            <a:off x="-32328" y="2039115"/>
+            <a:ext cx="12224328" cy="0"/>
           </a:xfrm>
           <a:prstGeom prst="line">
             <a:avLst/>
@@ -19883,7 +20782,7 @@
 </p:sld>
 </file>
 
-<file path=ppt/slides/slide28.xml><?xml version="1.0" encoding="utf-8"?>
+<file path=ppt/slides/slide29.xml><?xml version="1.0" encoding="utf-8"?>
 <p:sld xmlns:a="http://schemas.openxmlformats.org/drawingml/2006/main" xmlns:r="http://schemas.openxmlformats.org/officeDocument/2006/relationships" xmlns:p="http://schemas.openxmlformats.org/presentationml/2006/main">
   <p:cSld>
     <p:bg>
@@ -19971,13 +20870,15 @@
               </a:ext>
             </a:extLst>
           </p:cNvPr>
-          <p:cNvCxnSpPr/>
+          <p:cNvCxnSpPr>
+            <a:cxnSpLocks/>
+          </p:cNvCxnSpPr>
           <p:nvPr/>
         </p:nvCxnSpPr>
         <p:spPr>
           <a:xfrm>
-            <a:off x="-6650182" y="2039115"/>
-            <a:ext cx="21363709" cy="0"/>
+            <a:off x="-32328" y="1996070"/>
+            <a:ext cx="12224328" cy="43045"/>
           </a:xfrm>
           <a:prstGeom prst="line">
             <a:avLst/>
@@ -20960,13 +21861,25 @@
           <a:lstStyle/>
           <a:p>
             <a:r>
-              <a:rPr lang="en-GB" sz="6600" dirty="0"/>
+              <a:rPr lang="en-GB" sz="6600" dirty="0">
+                <a:solidFill>
+                  <a:schemeClr val="bg1">
+                    <a:lumMod val="50000"/>
+                  </a:schemeClr>
+                </a:solidFill>
+              </a:rPr>
               <a:t>BUY</a:t>
             </a:r>
           </a:p>
           <a:p>
             <a:r>
-              <a:rPr lang="en-GB" sz="6600" dirty="0"/>
+              <a:rPr lang="en-GB" sz="6600" dirty="0">
+                <a:solidFill>
+                  <a:schemeClr val="bg1">
+                    <a:lumMod val="50000"/>
+                  </a:schemeClr>
+                </a:solidFill>
+              </a:rPr>
               <a:t>TICKETS</a:t>
             </a:r>
           </a:p>
@@ -21004,8 +21917,9 @@
             <a:r>
               <a:rPr lang="en-GB" sz="6600" dirty="0">
                 <a:solidFill>
-                  <a:schemeClr val="bg1">
-                    <a:lumMod val="65000"/>
+                  <a:schemeClr val="tx1">
+                    <a:lumMod val="95000"/>
+                    <a:lumOff val="5000"/>
                   </a:schemeClr>
                 </a:solidFill>
               </a:rPr>
@@ -21306,757 +22220,6 @@
     <p:extLst>
       <p:ext uri="{BB962C8B-B14F-4D97-AF65-F5344CB8AC3E}">
         <p14:creationId xmlns:p14="http://schemas.microsoft.com/office/powerpoint/2010/main" val="1605851631"/>
-      </p:ext>
-    </p:extLst>
-  </p:cSld>
-  <p:clrMapOvr>
-    <a:masterClrMapping/>
-  </p:clrMapOvr>
-</p:sld>
-</file>
-
-<file path=ppt/slides/slide29.xml><?xml version="1.0" encoding="utf-8"?>
-<p:sld xmlns:a="http://schemas.openxmlformats.org/drawingml/2006/main" xmlns:r="http://schemas.openxmlformats.org/officeDocument/2006/relationships" xmlns:p="http://schemas.openxmlformats.org/presentationml/2006/main">
-  <p:cSld>
-    <p:bg>
-      <p:bgPr>
-        <a:solidFill>
-          <a:srgbClr val="2F5597"/>
-        </a:solidFill>
-        <a:effectLst/>
-      </p:bgPr>
-    </p:bg>
-    <p:spTree>
-      <p:nvGrpSpPr>
-        <p:cNvPr id="1" name=""/>
-        <p:cNvGrpSpPr/>
-        <p:nvPr/>
-      </p:nvGrpSpPr>
-      <p:grpSpPr>
-        <a:xfrm>
-          <a:off x="0" y="0"/>
-          <a:ext cx="0" cy="0"/>
-          <a:chOff x="0" y="0"/>
-          <a:chExt cx="0" cy="0"/>
-        </a:xfrm>
-      </p:grpSpPr>
-      <p:sp>
-        <p:nvSpPr>
-          <p:cNvPr id="4" name="Rectangle 3">
-            <a:extLst>
-              <a:ext uri="{FF2B5EF4-FFF2-40B4-BE49-F238E27FC236}">
-                <a16:creationId xmlns:a16="http://schemas.microsoft.com/office/drawing/2014/main" id="{FD5D6374-30F7-4092-AE24-97A384FB9A03}"/>
-              </a:ext>
-            </a:extLst>
-          </p:cNvPr>
-          <p:cNvSpPr/>
-          <p:nvPr/>
-        </p:nvSpPr>
-        <p:spPr>
-          <a:xfrm>
-            <a:off x="2701636" y="622986"/>
-            <a:ext cx="8188036" cy="1122218"/>
-          </a:xfrm>
-          <a:prstGeom prst="rect">
-            <a:avLst/>
-          </a:prstGeom>
-          <a:solidFill>
-            <a:srgbClr val="2F5597"/>
-          </a:solidFill>
-        </p:spPr>
-        <p:style>
-          <a:lnRef idx="2">
-            <a:schemeClr val="accent1"/>
-          </a:lnRef>
-          <a:fillRef idx="1">
-            <a:schemeClr val="lt1"/>
-          </a:fillRef>
-          <a:effectRef idx="0">
-            <a:schemeClr val="accent1"/>
-          </a:effectRef>
-          <a:fontRef idx="minor">
-            <a:schemeClr val="dk1"/>
-          </a:fontRef>
-        </p:style>
-        <p:txBody>
-          <a:bodyPr rtlCol="0" anchor="ctr"/>
-          <a:lstStyle/>
-          <a:p>
-            <a:r>
-              <a:rPr lang="en-GB" sz="5400" b="1" dirty="0">
-                <a:solidFill>
-                  <a:schemeClr val="bg1"/>
-                </a:solidFill>
-                <a:latin typeface="Agency FB" panose="020B0503020202020204" pitchFamily="34" charset="0"/>
-              </a:rPr>
-              <a:t>GCASH PAYMENT SUMMARY</a:t>
-            </a:r>
-          </a:p>
-        </p:txBody>
-      </p:sp>
-      <p:grpSp>
-        <p:nvGrpSpPr>
-          <p:cNvPr id="5" name="Group 4">
-            <a:extLst>
-              <a:ext uri="{FF2B5EF4-FFF2-40B4-BE49-F238E27FC236}">
-                <a16:creationId xmlns:a16="http://schemas.microsoft.com/office/drawing/2014/main" id="{C4405D9D-CCE5-4A1E-AE88-A15E048F70D9}"/>
-              </a:ext>
-            </a:extLst>
-          </p:cNvPr>
-          <p:cNvGrpSpPr/>
-          <p:nvPr/>
-        </p:nvGrpSpPr>
-        <p:grpSpPr>
-          <a:xfrm>
-            <a:off x="193962" y="436183"/>
-            <a:ext cx="2511137" cy="1559887"/>
-            <a:chOff x="193962" y="436183"/>
-            <a:chExt cx="2511137" cy="1559887"/>
-          </a:xfrm>
-        </p:grpSpPr>
-        <p:pic>
-          <p:nvPicPr>
-            <p:cNvPr id="16" name="Graphic 15" descr="Pause">
-              <a:extLst>
-                <a:ext uri="{FF2B5EF4-FFF2-40B4-BE49-F238E27FC236}">
-                  <a16:creationId xmlns:a16="http://schemas.microsoft.com/office/drawing/2014/main" id="{547E1B56-80ED-4478-B5EB-AF57A896E4E3}"/>
-                </a:ext>
-              </a:extLst>
-            </p:cNvPr>
-            <p:cNvPicPr>
-              <a:picLocks noChangeAspect="1"/>
-            </p:cNvPicPr>
-            <p:nvPr/>
-          </p:nvPicPr>
-          <p:blipFill>
-            <a:blip r:embed="rId2">
-              <a:extLst>
-                <a:ext uri="{28A0092B-C50C-407E-A947-70E740481C1C}">
-                  <a14:useLocalDpi xmlns:a14="http://schemas.microsoft.com/office/drawing/2010/main" val="0"/>
-                </a:ext>
-                <a:ext uri="{96DAC541-7B7A-43D3-8B79-37D633B846F1}">
-                  <asvg:svgBlip xmlns:asvg="http://schemas.microsoft.com/office/drawing/2016/SVG/main" r:embed="rId3"/>
-                </a:ext>
-              </a:extLst>
-            </a:blip>
-            <a:stretch>
-              <a:fillRect/>
-            </a:stretch>
-          </p:blipFill>
-          <p:spPr>
-            <a:xfrm rot="5400000">
-              <a:off x="886690" y="-256545"/>
-              <a:ext cx="1122218" cy="2507673"/>
-            </a:xfrm>
-            <a:prstGeom prst="rect">
-              <a:avLst/>
-            </a:prstGeom>
-          </p:spPr>
-        </p:pic>
-        <p:pic>
-          <p:nvPicPr>
-            <p:cNvPr id="17" name="Graphic 16" descr="Pause">
-              <a:extLst>
-                <a:ext uri="{FF2B5EF4-FFF2-40B4-BE49-F238E27FC236}">
-                  <a16:creationId xmlns:a16="http://schemas.microsoft.com/office/drawing/2014/main" id="{DFDF95E7-63CC-4007-82B3-E5762A06EC9B}"/>
-                </a:ext>
-              </a:extLst>
-            </p:cNvPr>
-            <p:cNvPicPr>
-              <a:picLocks noChangeAspect="1"/>
-            </p:cNvPicPr>
-            <p:nvPr/>
-          </p:nvPicPr>
-          <p:blipFill>
-            <a:blip r:embed="rId4">
-              <a:extLst>
-                <a:ext uri="{28A0092B-C50C-407E-A947-70E740481C1C}">
-                  <a14:useLocalDpi xmlns:a14="http://schemas.microsoft.com/office/drawing/2010/main" val="0"/>
-                </a:ext>
-                <a:ext uri="{96DAC541-7B7A-43D3-8B79-37D633B846F1}">
-                  <asvg:svgBlip xmlns:asvg="http://schemas.microsoft.com/office/drawing/2016/SVG/main" r:embed="rId5"/>
-                </a:ext>
-              </a:extLst>
-            </a:blip>
-            <a:stretch>
-              <a:fillRect/>
-            </a:stretch>
-          </p:blipFill>
-          <p:spPr>
-            <a:xfrm rot="5400000">
-              <a:off x="890154" y="181124"/>
-              <a:ext cx="1122218" cy="2507673"/>
-            </a:xfrm>
-            <a:prstGeom prst="rect">
-              <a:avLst/>
-            </a:prstGeom>
-          </p:spPr>
-        </p:pic>
-      </p:grpSp>
-      <p:cxnSp>
-        <p:nvCxnSpPr>
-          <p:cNvPr id="7" name="Straight Connector 6">
-            <a:extLst>
-              <a:ext uri="{FF2B5EF4-FFF2-40B4-BE49-F238E27FC236}">
-                <a16:creationId xmlns:a16="http://schemas.microsoft.com/office/drawing/2014/main" id="{4FE02D35-797E-4098-9116-380624027DC5}"/>
-              </a:ext>
-            </a:extLst>
-          </p:cNvPr>
-          <p:cNvCxnSpPr/>
-          <p:nvPr/>
-        </p:nvCxnSpPr>
-        <p:spPr>
-          <a:xfrm>
-            <a:off x="-6650182" y="2039115"/>
-            <a:ext cx="21363709" cy="0"/>
-          </a:xfrm>
-          <a:prstGeom prst="line">
-            <a:avLst/>
-          </a:prstGeom>
-        </p:spPr>
-        <p:style>
-          <a:lnRef idx="1">
-            <a:schemeClr val="dk1"/>
-          </a:lnRef>
-          <a:fillRef idx="0">
-            <a:schemeClr val="dk1"/>
-          </a:fillRef>
-          <a:effectRef idx="0">
-            <a:schemeClr val="dk1"/>
-          </a:effectRef>
-          <a:fontRef idx="minor">
-            <a:schemeClr val="tx1"/>
-          </a:fontRef>
-        </p:style>
-      </p:cxnSp>
-      <p:sp>
-        <p:nvSpPr>
-          <p:cNvPr id="9" name="Rectangle 8">
-            <a:extLst>
-              <a:ext uri="{FF2B5EF4-FFF2-40B4-BE49-F238E27FC236}">
-                <a16:creationId xmlns:a16="http://schemas.microsoft.com/office/drawing/2014/main" id="{41B08C55-73C1-46D0-9822-42D338AAEFA4}"/>
-              </a:ext>
-            </a:extLst>
-          </p:cNvPr>
-          <p:cNvSpPr/>
-          <p:nvPr/>
-        </p:nvSpPr>
-        <p:spPr>
-          <a:xfrm>
-            <a:off x="0" y="19243961"/>
-            <a:ext cx="12192000" cy="2339106"/>
-          </a:xfrm>
-          <a:prstGeom prst="rect">
-            <a:avLst/>
-          </a:prstGeom>
-          <a:solidFill>
-            <a:srgbClr val="002060"/>
-          </a:solidFill>
-        </p:spPr>
-        <p:style>
-          <a:lnRef idx="2">
-            <a:schemeClr val="accent1"/>
-          </a:lnRef>
-          <a:fillRef idx="1">
-            <a:schemeClr val="lt1"/>
-          </a:fillRef>
-          <a:effectRef idx="0">
-            <a:schemeClr val="accent1"/>
-          </a:effectRef>
-          <a:fontRef idx="minor">
-            <a:schemeClr val="dk1"/>
-          </a:fontRef>
-        </p:style>
-        <p:txBody>
-          <a:bodyPr rtlCol="0" anchor="ctr"/>
-          <a:lstStyle/>
-          <a:p>
-            <a:pPr algn="ctr">
-              <a:lnSpc>
-                <a:spcPct val="150000"/>
-              </a:lnSpc>
-            </a:pPr>
-            <a:r>
-              <a:rPr lang="en-GB" sz="4400" dirty="0">
-                <a:solidFill>
-                  <a:schemeClr val="bg1"/>
-                </a:solidFill>
-              </a:rPr>
-              <a:t>CONTINUE</a:t>
-            </a:r>
-          </a:p>
-        </p:txBody>
-      </p:sp>
-      <p:graphicFrame>
-        <p:nvGraphicFramePr>
-          <p:cNvPr id="2" name="Table 2">
-            <a:extLst>
-              <a:ext uri="{FF2B5EF4-FFF2-40B4-BE49-F238E27FC236}">
-                <a16:creationId xmlns:a16="http://schemas.microsoft.com/office/drawing/2014/main" id="{263475A2-A11B-4356-B052-7CBAB424B720}"/>
-              </a:ext>
-            </a:extLst>
-          </p:cNvPr>
-          <p:cNvGraphicFramePr>
-            <a:graphicFrameLocks noGrp="1"/>
-          </p:cNvGraphicFramePr>
-          <p:nvPr/>
-        </p:nvGraphicFramePr>
-        <p:xfrm>
-          <a:off x="-32328" y="5384534"/>
-          <a:ext cx="12192000" cy="11376225"/>
-        </p:xfrm>
-        <a:graphic>
-          <a:graphicData uri="http://schemas.openxmlformats.org/drawingml/2006/table">
-            <a:tbl>
-              <a:tblPr firstRow="1" bandRow="1">
-                <a:tableStyleId>{5C22544A-7EE6-4342-B048-85BDC9FD1C3A}</a:tableStyleId>
-              </a:tblPr>
-              <a:tblGrid>
-                <a:gridCol w="6096000">
-                  <a:extLst>
-                    <a:ext uri="{9D8B030D-6E8A-4147-A177-3AD203B41FA5}">
-                      <a16:colId xmlns:a16="http://schemas.microsoft.com/office/drawing/2014/main" val="1372472045"/>
-                    </a:ext>
-                  </a:extLst>
-                </a:gridCol>
-                <a:gridCol w="6096000">
-                  <a:extLst>
-                    <a:ext uri="{9D8B030D-6E8A-4147-A177-3AD203B41FA5}">
-                      <a16:colId xmlns:a16="http://schemas.microsoft.com/office/drawing/2014/main" val="19368932"/>
-                    </a:ext>
-                  </a:extLst>
-                </a:gridCol>
-              </a:tblGrid>
-              <a:tr h="2275245">
-                <a:tc>
-                  <a:txBody>
-                    <a:bodyPr/>
-                    <a:lstStyle/>
-                    <a:p>
-                      <a:pPr algn="ctr"/>
-                      <a:r>
-                        <a:rPr lang="en-GB" sz="5400" dirty="0"/>
-                        <a:t>Account number</a:t>
-                      </a:r>
-                    </a:p>
-                  </a:txBody>
-                  <a:tcPr/>
-                </a:tc>
-                <a:tc>
-                  <a:txBody>
-                    <a:bodyPr/>
-                    <a:lstStyle/>
-                    <a:p>
-                      <a:pPr algn="ctr"/>
-                      <a:r>
-                        <a:rPr lang="en-GB" sz="5400" dirty="0"/>
-                        <a:t>**** **** **** ****</a:t>
-                      </a:r>
-                    </a:p>
-                  </a:txBody>
-                  <a:tcPr/>
-                </a:tc>
-                <a:extLst>
-                  <a:ext uri="{0D108BD9-81ED-4DB2-BD59-A6C34878D82A}">
-                    <a16:rowId xmlns:a16="http://schemas.microsoft.com/office/drawing/2014/main" val="2477193868"/>
-                  </a:ext>
-                </a:extLst>
-              </a:tr>
-              <a:tr h="2275245">
-                <a:tc>
-                  <a:txBody>
-                    <a:bodyPr/>
-                    <a:lstStyle/>
-                    <a:p>
-                      <a:pPr algn="ctr"/>
-                      <a:r>
-                        <a:rPr lang="en-GB" sz="5400" dirty="0"/>
-                        <a:t>Amount</a:t>
-                      </a:r>
-                    </a:p>
-                  </a:txBody>
-                  <a:tcPr/>
-                </a:tc>
-                <a:tc>
-                  <a:txBody>
-                    <a:bodyPr/>
-                    <a:lstStyle/>
-                    <a:p>
-                      <a:pPr algn="ctr"/>
-                      <a:r>
-                        <a:rPr lang="en-GB" sz="5400" dirty="0"/>
-                        <a:t>PHP 46.00</a:t>
-                      </a:r>
-                    </a:p>
-                  </a:txBody>
-                  <a:tcPr/>
-                </a:tc>
-                <a:extLst>
-                  <a:ext uri="{0D108BD9-81ED-4DB2-BD59-A6C34878D82A}">
-                    <a16:rowId xmlns:a16="http://schemas.microsoft.com/office/drawing/2014/main" val="3099900632"/>
-                  </a:ext>
-                </a:extLst>
-              </a:tr>
-              <a:tr h="2275245">
-                <a:tc>
-                  <a:txBody>
-                    <a:bodyPr/>
-                    <a:lstStyle/>
-                    <a:p>
-                      <a:pPr algn="ctr"/>
-                      <a:r>
-                        <a:rPr lang="en-GB" sz="5400" dirty="0"/>
-                        <a:t>Date</a:t>
-                      </a:r>
-                    </a:p>
-                  </a:txBody>
-                  <a:tcPr/>
-                </a:tc>
-                <a:tc>
-                  <a:txBody>
-                    <a:bodyPr/>
-                    <a:lstStyle/>
-                    <a:p>
-                      <a:pPr algn="ctr"/>
-                      <a:r>
-                        <a:rPr lang="en-GB" sz="5400" dirty="0"/>
-                        <a:t>YYYY-MM-DD, HH:MM</a:t>
-                      </a:r>
-                    </a:p>
-                  </a:txBody>
-                  <a:tcPr/>
-                </a:tc>
-                <a:extLst>
-                  <a:ext uri="{0D108BD9-81ED-4DB2-BD59-A6C34878D82A}">
-                    <a16:rowId xmlns:a16="http://schemas.microsoft.com/office/drawing/2014/main" val="3777752117"/>
-                  </a:ext>
-                </a:extLst>
-              </a:tr>
-              <a:tr h="2275245">
-                <a:tc>
-                  <a:txBody>
-                    <a:bodyPr/>
-                    <a:lstStyle/>
-                    <a:p>
-                      <a:pPr algn="ctr"/>
-                      <a:r>
-                        <a:rPr lang="en-GB" sz="5400" dirty="0"/>
-                        <a:t>Reference ID</a:t>
-                      </a:r>
-                    </a:p>
-                  </a:txBody>
-                  <a:tcPr/>
-                </a:tc>
-                <a:tc>
-                  <a:txBody>
-                    <a:bodyPr/>
-                    <a:lstStyle/>
-                    <a:p>
-                      <a:pPr algn="ctr"/>
-                      <a:r>
-                        <a:rPr lang="en-GB" sz="5400" dirty="0" err="1"/>
-                        <a:t>PayMaya</a:t>
-                      </a:r>
-                      <a:r>
-                        <a:rPr lang="en-GB" sz="5400" dirty="0"/>
-                        <a:t> 1213212</a:t>
-                      </a:r>
-                    </a:p>
-                  </a:txBody>
-                  <a:tcPr/>
-                </a:tc>
-                <a:extLst>
-                  <a:ext uri="{0D108BD9-81ED-4DB2-BD59-A6C34878D82A}">
-                    <a16:rowId xmlns:a16="http://schemas.microsoft.com/office/drawing/2014/main" val="632799945"/>
-                  </a:ext>
-                </a:extLst>
-              </a:tr>
-              <a:tr h="2275245">
-                <a:tc>
-                  <a:txBody>
-                    <a:bodyPr/>
-                    <a:lstStyle/>
-                    <a:p>
-                      <a:pPr algn="ctr"/>
-                      <a:r>
-                        <a:rPr lang="en-GB" sz="5400" dirty="0"/>
-                        <a:t>Receipt Number</a:t>
-                      </a:r>
-                    </a:p>
-                  </a:txBody>
-                  <a:tcPr/>
-                </a:tc>
-                <a:tc>
-                  <a:txBody>
-                    <a:bodyPr/>
-                    <a:lstStyle/>
-                    <a:p>
-                      <a:pPr algn="ctr"/>
-                      <a:r>
-                        <a:rPr lang="en-GB" sz="5400" dirty="0"/>
-                        <a:t>1234567890</a:t>
-                      </a:r>
-                    </a:p>
-                  </a:txBody>
-                  <a:tcPr/>
-                </a:tc>
-                <a:extLst>
-                  <a:ext uri="{0D108BD9-81ED-4DB2-BD59-A6C34878D82A}">
-                    <a16:rowId xmlns:a16="http://schemas.microsoft.com/office/drawing/2014/main" val="2015504064"/>
-                  </a:ext>
-                </a:extLst>
-              </a:tr>
-            </a:tbl>
-          </a:graphicData>
-        </a:graphic>
-      </p:graphicFrame>
-      <p:sp>
-        <p:nvSpPr>
-          <p:cNvPr id="10" name="Rectangle 9">
-            <a:extLst>
-              <a:ext uri="{FF2B5EF4-FFF2-40B4-BE49-F238E27FC236}">
-                <a16:creationId xmlns:a16="http://schemas.microsoft.com/office/drawing/2014/main" id="{F7D54164-9E44-41AE-94E3-6A805FE26952}"/>
-              </a:ext>
-            </a:extLst>
-          </p:cNvPr>
-          <p:cNvSpPr/>
-          <p:nvPr/>
-        </p:nvSpPr>
-        <p:spPr>
-          <a:xfrm>
-            <a:off x="2701636" y="2919383"/>
-            <a:ext cx="8188036" cy="1122218"/>
-          </a:xfrm>
-          <a:prstGeom prst="rect">
-            <a:avLst/>
-          </a:prstGeom>
-          <a:solidFill>
-            <a:srgbClr val="2F5597"/>
-          </a:solidFill>
-        </p:spPr>
-        <p:style>
-          <a:lnRef idx="2">
-            <a:schemeClr val="accent1"/>
-          </a:lnRef>
-          <a:fillRef idx="1">
-            <a:schemeClr val="lt1"/>
-          </a:fillRef>
-          <a:effectRef idx="0">
-            <a:schemeClr val="accent1"/>
-          </a:effectRef>
-          <a:fontRef idx="minor">
-            <a:schemeClr val="dk1"/>
-          </a:fontRef>
-        </p:style>
-        <p:txBody>
-          <a:bodyPr rtlCol="0" anchor="ctr"/>
-          <a:lstStyle/>
-          <a:p>
-            <a:r>
-              <a:rPr lang="en-GB" sz="4400" dirty="0">
-                <a:solidFill>
-                  <a:schemeClr val="bg1"/>
-                </a:solidFill>
-              </a:rPr>
-              <a:t>BBL</a:t>
-            </a:r>
-          </a:p>
-        </p:txBody>
-      </p:sp>
-      <p:sp>
-        <p:nvSpPr>
-          <p:cNvPr id="3" name="Rectangle 2">
-            <a:hlinkClick r:id="rId6" action="ppaction://hlinksldjump"/>
-            <a:extLst>
-              <a:ext uri="{FF2B5EF4-FFF2-40B4-BE49-F238E27FC236}">
-                <a16:creationId xmlns:a16="http://schemas.microsoft.com/office/drawing/2014/main" id="{B51A82D3-EB8D-41BF-A1F4-48133D1DBA0A}"/>
-              </a:ext>
-            </a:extLst>
-          </p:cNvPr>
-          <p:cNvSpPr/>
-          <p:nvPr/>
-        </p:nvSpPr>
-        <p:spPr>
-          <a:xfrm>
-            <a:off x="-32328" y="5165605"/>
-            <a:ext cx="12159672" cy="7855506"/>
-          </a:xfrm>
-          <a:prstGeom prst="rect">
-            <a:avLst/>
-          </a:prstGeom>
-        </p:spPr>
-        <p:style>
-          <a:lnRef idx="2">
-            <a:schemeClr val="accent3"/>
-          </a:lnRef>
-          <a:fillRef idx="1">
-            <a:schemeClr val="lt1"/>
-          </a:fillRef>
-          <a:effectRef idx="0">
-            <a:schemeClr val="accent3"/>
-          </a:effectRef>
-          <a:fontRef idx="minor">
-            <a:schemeClr val="dk1"/>
-          </a:fontRef>
-        </p:style>
-        <p:txBody>
-          <a:bodyPr rtlCol="0" anchor="ctr"/>
-          <a:lstStyle/>
-          <a:p>
-            <a:pPr algn="ctr"/>
-            <a:endParaRPr lang="en-GB" dirty="0"/>
-          </a:p>
-          <a:p>
-            <a:pPr algn="ctr"/>
-            <a:endParaRPr lang="en-GB" dirty="0"/>
-          </a:p>
-          <a:p>
-            <a:pPr algn="ctr"/>
-            <a:endParaRPr lang="en-GB" dirty="0"/>
-          </a:p>
-          <a:p>
-            <a:pPr algn="ctr"/>
-            <a:endParaRPr lang="en-GB" dirty="0"/>
-          </a:p>
-          <a:p>
-            <a:pPr algn="ctr"/>
-            <a:endParaRPr lang="en-GB" dirty="0"/>
-          </a:p>
-          <a:p>
-            <a:pPr algn="ctr"/>
-            <a:endParaRPr lang="en-GB" dirty="0"/>
-          </a:p>
-          <a:p>
-            <a:pPr algn="ctr"/>
-            <a:endParaRPr lang="en-GB" dirty="0"/>
-          </a:p>
-          <a:p>
-            <a:pPr algn="ctr"/>
-            <a:endParaRPr lang="en-GB" dirty="0"/>
-          </a:p>
-          <a:p>
-            <a:pPr algn="ctr"/>
-            <a:endParaRPr lang="en-GB" dirty="0"/>
-          </a:p>
-          <a:p>
-            <a:pPr algn="ctr"/>
-            <a:endParaRPr lang="en-GB" dirty="0"/>
-          </a:p>
-          <a:p>
-            <a:pPr algn="ctr"/>
-            <a:endParaRPr lang="en-GB" dirty="0"/>
-          </a:p>
-          <a:p>
-            <a:pPr algn="ctr"/>
-            <a:endParaRPr lang="en-GB" dirty="0"/>
-          </a:p>
-          <a:p>
-            <a:pPr algn="ctr"/>
-            <a:endParaRPr lang="en-GB" dirty="0"/>
-          </a:p>
-          <a:p>
-            <a:pPr algn="ctr"/>
-            <a:endParaRPr lang="en-GB" dirty="0"/>
-          </a:p>
-          <a:p>
-            <a:pPr algn="ctr"/>
-            <a:r>
-              <a:rPr lang="en-GB" sz="6000" dirty="0">
-                <a:latin typeface="Impact" panose="020B0806030902050204" pitchFamily="34" charset="0"/>
-              </a:rPr>
-              <a:t>PAYMENT SUCCESSFUL</a:t>
-            </a:r>
-          </a:p>
-        </p:txBody>
-      </p:sp>
-      <p:pic>
-        <p:nvPicPr>
-          <p:cNvPr id="6146" name="Picture 2" descr="Image result for payment successful message">
-            <a:extLst>
-              <a:ext uri="{FF2B5EF4-FFF2-40B4-BE49-F238E27FC236}">
-                <a16:creationId xmlns:a16="http://schemas.microsoft.com/office/drawing/2014/main" id="{368AD204-02FB-40D0-86E1-226BC6A1DAD8}"/>
-              </a:ext>
-            </a:extLst>
-          </p:cNvPr>
-          <p:cNvPicPr>
-            <a:picLocks noChangeAspect="1" noChangeArrowheads="1"/>
-          </p:cNvPicPr>
-          <p:nvPr/>
-        </p:nvPicPr>
-        <p:blipFill rotWithShape="1">
-          <a:blip r:embed="rId7">
-            <a:extLst>
-              <a:ext uri="{28A0092B-C50C-407E-A947-70E740481C1C}">
-                <a14:useLocalDpi xmlns:a14="http://schemas.microsoft.com/office/drawing/2010/main" val="0"/>
-              </a:ext>
-            </a:extLst>
-          </a:blip>
-          <a:srcRect l="51732" t="31189" r="28504" b="50989"/>
-          <a:stretch/>
-        </p:blipFill>
-        <p:spPr bwMode="auto">
-          <a:xfrm>
-            <a:off x="4031672" y="5831609"/>
-            <a:ext cx="3616038" cy="3775010"/>
-          </a:xfrm>
-          <a:prstGeom prst="rect">
-            <a:avLst/>
-          </a:prstGeom>
-          <a:noFill/>
-          <a:extLst>
-            <a:ext uri="{909E8E84-426E-40DD-AFC4-6F175D3DCCD1}">
-              <a14:hiddenFill xmlns:a14="http://schemas.microsoft.com/office/drawing/2010/main">
-                <a:solidFill>
-                  <a:srgbClr val="FFFFFF"/>
-                </a:solidFill>
-              </a14:hiddenFill>
-            </a:ext>
-          </a:extLst>
-        </p:spPr>
-      </p:pic>
-      <p:pic>
-        <p:nvPicPr>
-          <p:cNvPr id="6" name="Graphic 5" descr="Smiling face with no fill">
-            <a:extLst>
-              <a:ext uri="{FF2B5EF4-FFF2-40B4-BE49-F238E27FC236}">
-                <a16:creationId xmlns:a16="http://schemas.microsoft.com/office/drawing/2014/main" id="{FB2B3D6A-95EF-46CB-8E2F-49DCD2A602CB}"/>
-              </a:ext>
-            </a:extLst>
-          </p:cNvPr>
-          <p:cNvPicPr>
-            <a:picLocks noChangeAspect="1"/>
-          </p:cNvPicPr>
-          <p:nvPr/>
-        </p:nvPicPr>
-        <p:blipFill>
-          <a:blip r:embed="rId8">
-            <a:extLst>
-              <a:ext uri="{28A0092B-C50C-407E-A947-70E740481C1C}">
-                <a14:useLocalDpi xmlns:a14="http://schemas.microsoft.com/office/drawing/2010/main" val="0"/>
-              </a:ext>
-              <a:ext uri="{96DAC541-7B7A-43D3-8B79-37D633B846F1}">
-                <asvg:svgBlip xmlns:asvg="http://schemas.microsoft.com/office/drawing/2016/SVG/main" r:embed="rId9"/>
-              </a:ext>
-            </a:extLst>
-          </a:blip>
-          <a:stretch>
-            <a:fillRect/>
-          </a:stretch>
-        </p:blipFill>
-        <p:spPr>
-          <a:xfrm>
-            <a:off x="3581400" y="5397175"/>
-            <a:ext cx="4362450" cy="4426098"/>
-          </a:xfrm>
-          <a:prstGeom prst="rect">
-            <a:avLst/>
-          </a:prstGeom>
-        </p:spPr>
-      </p:pic>
-    </p:spTree>
-    <p:extLst>
-      <p:ext uri="{BB962C8B-B14F-4D97-AF65-F5344CB8AC3E}">
-        <p14:creationId xmlns:p14="http://schemas.microsoft.com/office/powerpoint/2010/main" val="195133374"/>
       </p:ext>
     </p:extLst>
   </p:cSld>
@@ -22672,7 +22835,7 @@
                 </a:solidFill>
                 <a:latin typeface="Agency FB" panose="020B0503020202020204" pitchFamily="34" charset="0"/>
               </a:rPr>
-              <a:t>HELP</a:t>
+              <a:t>GCASH PAYMENT SUMMARY</a:t>
             </a:r>
           </a:p>
         </p:txBody>
@@ -22785,13 +22948,15 @@
               </a:ext>
             </a:extLst>
           </p:cNvPr>
-          <p:cNvCxnSpPr/>
+          <p:cNvCxnSpPr>
+            <a:cxnSpLocks/>
+          </p:cNvCxnSpPr>
           <p:nvPr/>
         </p:nvCxnSpPr>
         <p:spPr>
           <a:xfrm>
-            <a:off x="-6650182" y="2039115"/>
-            <a:ext cx="21363709" cy="0"/>
+            <a:off x="-32328" y="2039115"/>
+            <a:ext cx="12224328" cy="0"/>
           </a:xfrm>
           <a:prstGeom prst="line">
             <a:avLst/>
@@ -22814,161 +22979,532 @@
       </p:cxnSp>
       <p:sp>
         <p:nvSpPr>
-          <p:cNvPr id="8" name="TextBox 7">
-            <a:extLst>
-              <a:ext uri="{FF2B5EF4-FFF2-40B4-BE49-F238E27FC236}">
-                <a16:creationId xmlns:a16="http://schemas.microsoft.com/office/drawing/2014/main" id="{58F91808-A7D5-48C0-A92F-16BC3D5F7E59}"/>
-              </a:ext>
-            </a:extLst>
-          </p:cNvPr>
-          <p:cNvSpPr txBox="1"/>
+          <p:cNvPr id="9" name="Rectangle 8">
+            <a:extLst>
+              <a:ext uri="{FF2B5EF4-FFF2-40B4-BE49-F238E27FC236}">
+                <a16:creationId xmlns:a16="http://schemas.microsoft.com/office/drawing/2014/main" id="{41B08C55-73C1-46D0-9822-42D338AAEFA4}"/>
+              </a:ext>
+            </a:extLst>
+          </p:cNvPr>
+          <p:cNvSpPr/>
           <p:nvPr/>
         </p:nvSpPr>
         <p:spPr>
           <a:xfrm>
-            <a:off x="1447799" y="3034145"/>
-            <a:ext cx="10349345" cy="14250055"/>
-          </a:xfrm>
-          <a:prstGeom prst="rect">
-            <a:avLst/>
-          </a:prstGeom>
-          <a:noFill/>
-        </p:spPr>
+            <a:off x="0" y="19243961"/>
+            <a:ext cx="12192000" cy="2339106"/>
+          </a:xfrm>
+          <a:prstGeom prst="rect">
+            <a:avLst/>
+          </a:prstGeom>
+          <a:solidFill>
+            <a:srgbClr val="002060"/>
+          </a:solidFill>
+        </p:spPr>
+        <p:style>
+          <a:lnRef idx="2">
+            <a:schemeClr val="accent1"/>
+          </a:lnRef>
+          <a:fillRef idx="1">
+            <a:schemeClr val="lt1"/>
+          </a:fillRef>
+          <a:effectRef idx="0">
+            <a:schemeClr val="accent1"/>
+          </a:effectRef>
+          <a:fontRef idx="minor">
+            <a:schemeClr val="dk1"/>
+          </a:fontRef>
+        </p:style>
         <p:txBody>
-          <a:bodyPr wrap="square" rtlCol="0">
-            <a:spAutoFit/>
-          </a:bodyPr>
+          <a:bodyPr rtlCol="0" anchor="ctr"/>
           <a:lstStyle/>
           <a:p>
-            <a:pPr marL="571500" indent="-571500">
+            <a:pPr algn="ctr">
               <a:lnSpc>
-                <a:spcPct val="200000"/>
+                <a:spcPct val="150000"/>
               </a:lnSpc>
-              <a:buFont typeface="Arial" panose="020B0604020202020204" pitchFamily="34" charset="0"/>
-              <a:buChar char="•"/>
             </a:pPr>
             <a:r>
-              <a:rPr lang="en-PH" sz="4000" b="1" dirty="0">
+              <a:rPr lang="en-GB" sz="4400" dirty="0">
                 <a:solidFill>
                   <a:schemeClr val="bg1"/>
                 </a:solidFill>
               </a:rPr>
-              <a:t>How do I get to the map view for the bus tracker? </a:t>
+              <a:t>CONTINUE</a:t>
             </a:r>
           </a:p>
-          <a:p>
-            <a:pPr marL="1028700" lvl="1" indent="-571500">
-              <a:lnSpc>
-                <a:spcPct val="200000"/>
-              </a:lnSpc>
-              <a:buFont typeface="Arial" panose="020B0604020202020204" pitchFamily="34" charset="0"/>
-              <a:buChar char="•"/>
-            </a:pPr>
+        </p:txBody>
+      </p:sp>
+      <p:graphicFrame>
+        <p:nvGraphicFramePr>
+          <p:cNvPr id="2" name="Table 2">
+            <a:extLst>
+              <a:ext uri="{FF2B5EF4-FFF2-40B4-BE49-F238E27FC236}">
+                <a16:creationId xmlns:a16="http://schemas.microsoft.com/office/drawing/2014/main" id="{263475A2-A11B-4356-B052-7CBAB424B720}"/>
+              </a:ext>
+            </a:extLst>
+          </p:cNvPr>
+          <p:cNvGraphicFramePr>
+            <a:graphicFrameLocks noGrp="1"/>
+          </p:cNvGraphicFramePr>
+          <p:nvPr/>
+        </p:nvGraphicFramePr>
+        <p:xfrm>
+          <a:off x="-32328" y="5384534"/>
+          <a:ext cx="12192000" cy="11376225"/>
+        </p:xfrm>
+        <a:graphic>
+          <a:graphicData uri="http://schemas.openxmlformats.org/drawingml/2006/table">
+            <a:tbl>
+              <a:tblPr firstRow="1" bandRow="1">
+                <a:tableStyleId>{5C22544A-7EE6-4342-B048-85BDC9FD1C3A}</a:tableStyleId>
+              </a:tblPr>
+              <a:tblGrid>
+                <a:gridCol w="6096000">
+                  <a:extLst>
+                    <a:ext uri="{9D8B030D-6E8A-4147-A177-3AD203B41FA5}">
+                      <a16:colId xmlns:a16="http://schemas.microsoft.com/office/drawing/2014/main" val="1372472045"/>
+                    </a:ext>
+                  </a:extLst>
+                </a:gridCol>
+                <a:gridCol w="6096000">
+                  <a:extLst>
+                    <a:ext uri="{9D8B030D-6E8A-4147-A177-3AD203B41FA5}">
+                      <a16:colId xmlns:a16="http://schemas.microsoft.com/office/drawing/2014/main" val="19368932"/>
+                    </a:ext>
+                  </a:extLst>
+                </a:gridCol>
+              </a:tblGrid>
+              <a:tr h="2275245">
+                <a:tc>
+                  <a:txBody>
+                    <a:bodyPr/>
+                    <a:lstStyle/>
+                    <a:p>
+                      <a:pPr algn="ctr"/>
+                      <a:r>
+                        <a:rPr lang="en-GB" sz="5400" dirty="0"/>
+                        <a:t>Account number</a:t>
+                      </a:r>
+                    </a:p>
+                  </a:txBody>
+                  <a:tcPr/>
+                </a:tc>
+                <a:tc>
+                  <a:txBody>
+                    <a:bodyPr/>
+                    <a:lstStyle/>
+                    <a:p>
+                      <a:pPr algn="ctr"/>
+                      <a:r>
+                        <a:rPr lang="en-GB" sz="5400" dirty="0"/>
+                        <a:t>**** **** **** ****</a:t>
+                      </a:r>
+                    </a:p>
+                  </a:txBody>
+                  <a:tcPr/>
+                </a:tc>
+                <a:extLst>
+                  <a:ext uri="{0D108BD9-81ED-4DB2-BD59-A6C34878D82A}">
+                    <a16:rowId xmlns:a16="http://schemas.microsoft.com/office/drawing/2014/main" val="2477193868"/>
+                  </a:ext>
+                </a:extLst>
+              </a:tr>
+              <a:tr h="2275245">
+                <a:tc>
+                  <a:txBody>
+                    <a:bodyPr/>
+                    <a:lstStyle/>
+                    <a:p>
+                      <a:pPr algn="ctr"/>
+                      <a:r>
+                        <a:rPr lang="en-GB" sz="5400" dirty="0"/>
+                        <a:t>Amount</a:t>
+                      </a:r>
+                    </a:p>
+                  </a:txBody>
+                  <a:tcPr/>
+                </a:tc>
+                <a:tc>
+                  <a:txBody>
+                    <a:bodyPr/>
+                    <a:lstStyle/>
+                    <a:p>
+                      <a:pPr algn="ctr"/>
+                      <a:r>
+                        <a:rPr lang="en-GB" sz="5400" dirty="0"/>
+                        <a:t>PHP 46.00</a:t>
+                      </a:r>
+                    </a:p>
+                  </a:txBody>
+                  <a:tcPr/>
+                </a:tc>
+                <a:extLst>
+                  <a:ext uri="{0D108BD9-81ED-4DB2-BD59-A6C34878D82A}">
+                    <a16:rowId xmlns:a16="http://schemas.microsoft.com/office/drawing/2014/main" val="3099900632"/>
+                  </a:ext>
+                </a:extLst>
+              </a:tr>
+              <a:tr h="2275245">
+                <a:tc>
+                  <a:txBody>
+                    <a:bodyPr/>
+                    <a:lstStyle/>
+                    <a:p>
+                      <a:pPr algn="ctr"/>
+                      <a:r>
+                        <a:rPr lang="en-GB" sz="5400" dirty="0"/>
+                        <a:t>Date</a:t>
+                      </a:r>
+                    </a:p>
+                  </a:txBody>
+                  <a:tcPr/>
+                </a:tc>
+                <a:tc>
+                  <a:txBody>
+                    <a:bodyPr/>
+                    <a:lstStyle/>
+                    <a:p>
+                      <a:pPr algn="ctr"/>
+                      <a:r>
+                        <a:rPr lang="en-GB" sz="5400" dirty="0"/>
+                        <a:t>YYYY-MM-DD, HH:MM</a:t>
+                      </a:r>
+                    </a:p>
+                  </a:txBody>
+                  <a:tcPr/>
+                </a:tc>
+                <a:extLst>
+                  <a:ext uri="{0D108BD9-81ED-4DB2-BD59-A6C34878D82A}">
+                    <a16:rowId xmlns:a16="http://schemas.microsoft.com/office/drawing/2014/main" val="3777752117"/>
+                  </a:ext>
+                </a:extLst>
+              </a:tr>
+              <a:tr h="2275245">
+                <a:tc>
+                  <a:txBody>
+                    <a:bodyPr/>
+                    <a:lstStyle/>
+                    <a:p>
+                      <a:pPr algn="ctr"/>
+                      <a:r>
+                        <a:rPr lang="en-GB" sz="5400" dirty="0"/>
+                        <a:t>Reference ID</a:t>
+                      </a:r>
+                    </a:p>
+                  </a:txBody>
+                  <a:tcPr/>
+                </a:tc>
+                <a:tc>
+                  <a:txBody>
+                    <a:bodyPr/>
+                    <a:lstStyle/>
+                    <a:p>
+                      <a:pPr algn="ctr"/>
+                      <a:r>
+                        <a:rPr lang="en-GB" sz="5400" dirty="0" err="1"/>
+                        <a:t>PayMaya</a:t>
+                      </a:r>
+                      <a:r>
+                        <a:rPr lang="en-GB" sz="5400" dirty="0"/>
+                        <a:t> 1213212</a:t>
+                      </a:r>
+                    </a:p>
+                  </a:txBody>
+                  <a:tcPr/>
+                </a:tc>
+                <a:extLst>
+                  <a:ext uri="{0D108BD9-81ED-4DB2-BD59-A6C34878D82A}">
+                    <a16:rowId xmlns:a16="http://schemas.microsoft.com/office/drawing/2014/main" val="632799945"/>
+                  </a:ext>
+                </a:extLst>
+              </a:tr>
+              <a:tr h="2275245">
+                <a:tc>
+                  <a:txBody>
+                    <a:bodyPr/>
+                    <a:lstStyle/>
+                    <a:p>
+                      <a:pPr algn="ctr"/>
+                      <a:r>
+                        <a:rPr lang="en-GB" sz="5400" dirty="0"/>
+                        <a:t>Receipt Number</a:t>
+                      </a:r>
+                    </a:p>
+                  </a:txBody>
+                  <a:tcPr/>
+                </a:tc>
+                <a:tc>
+                  <a:txBody>
+                    <a:bodyPr/>
+                    <a:lstStyle/>
+                    <a:p>
+                      <a:pPr algn="ctr"/>
+                      <a:r>
+                        <a:rPr lang="en-GB" sz="5400" dirty="0"/>
+                        <a:t>1234567890</a:t>
+                      </a:r>
+                    </a:p>
+                  </a:txBody>
+                  <a:tcPr/>
+                </a:tc>
+                <a:extLst>
+                  <a:ext uri="{0D108BD9-81ED-4DB2-BD59-A6C34878D82A}">
+                    <a16:rowId xmlns:a16="http://schemas.microsoft.com/office/drawing/2014/main" val="2015504064"/>
+                  </a:ext>
+                </a:extLst>
+              </a:tr>
+            </a:tbl>
+          </a:graphicData>
+        </a:graphic>
+      </p:graphicFrame>
+      <p:sp>
+        <p:nvSpPr>
+          <p:cNvPr id="10" name="Rectangle 9">
+            <a:extLst>
+              <a:ext uri="{FF2B5EF4-FFF2-40B4-BE49-F238E27FC236}">
+                <a16:creationId xmlns:a16="http://schemas.microsoft.com/office/drawing/2014/main" id="{F7D54164-9E44-41AE-94E3-6A805FE26952}"/>
+              </a:ext>
+            </a:extLst>
+          </p:cNvPr>
+          <p:cNvSpPr/>
+          <p:nvPr/>
+        </p:nvSpPr>
+        <p:spPr>
+          <a:xfrm>
+            <a:off x="2701636" y="2919383"/>
+            <a:ext cx="8188036" cy="1122218"/>
+          </a:xfrm>
+          <a:prstGeom prst="rect">
+            <a:avLst/>
+          </a:prstGeom>
+          <a:solidFill>
+            <a:srgbClr val="2F5597"/>
+          </a:solidFill>
+        </p:spPr>
+        <p:style>
+          <a:lnRef idx="2">
+            <a:schemeClr val="accent1"/>
+          </a:lnRef>
+          <a:fillRef idx="1">
+            <a:schemeClr val="lt1"/>
+          </a:fillRef>
+          <a:effectRef idx="0">
+            <a:schemeClr val="accent1"/>
+          </a:effectRef>
+          <a:fontRef idx="minor">
+            <a:schemeClr val="dk1"/>
+          </a:fontRef>
+        </p:style>
+        <p:txBody>
+          <a:bodyPr rtlCol="0" anchor="ctr"/>
+          <a:lstStyle/>
+          <a:p>
             <a:r>
-              <a:rPr lang="en-PH" sz="4000" b="1" dirty="0">
+              <a:rPr lang="en-GB" sz="4400" dirty="0">
                 <a:solidFill>
                   <a:schemeClr val="bg1"/>
                 </a:solidFill>
               </a:rPr>
-              <a:t>You can access by going to TRACKING </a:t>
+              <a:t>BBL</a:t>
             </a:r>
-            <a:r>
-              <a:rPr lang="en-PH" sz="4000" b="1" dirty="0">
-                <a:solidFill>
-                  <a:schemeClr val="bg1"/>
-                </a:solidFill>
-                <a:sym typeface="Wingdings" panose="05000000000000000000" pitchFamily="2" charset="2"/>
-              </a:rPr>
-              <a:t> SEARCH</a:t>
-            </a:r>
-            <a:r>
-              <a:rPr lang="en-GB" sz="4000" b="1" dirty="0">
-                <a:solidFill>
-                  <a:schemeClr val="bg1"/>
-                </a:solidFill>
-                <a:sym typeface="Wingdings" panose="05000000000000000000" pitchFamily="2" charset="2"/>
-              </a:rPr>
-              <a:t> for your bus terminal/ pinpoint (it would go directly to the closest bus terminal)  CHOOSE bus destinations.</a:t>
-            </a:r>
-            <a:endParaRPr lang="en-PH" sz="4000" b="1" dirty="0">
-              <a:solidFill>
-                <a:schemeClr val="bg1"/>
-              </a:solidFill>
-              <a:sym typeface="Wingdings" panose="05000000000000000000" pitchFamily="2" charset="2"/>
-            </a:endParaRPr>
-          </a:p>
-          <a:p>
-            <a:pPr marL="571500" indent="-571500">
-              <a:lnSpc>
-                <a:spcPct val="200000"/>
-              </a:lnSpc>
-              <a:buFont typeface="Arial" panose="020B0604020202020204" pitchFamily="34" charset="0"/>
-              <a:buChar char="•"/>
-            </a:pPr>
-            <a:r>
-              <a:rPr lang="en-PH" sz="4000" b="1" dirty="0">
-                <a:solidFill>
-                  <a:schemeClr val="bg1"/>
-                </a:solidFill>
-                <a:sym typeface="Wingdings" panose="05000000000000000000" pitchFamily="2" charset="2"/>
-              </a:rPr>
-              <a:t>How do I buy Tickets?</a:t>
-            </a:r>
-          </a:p>
-          <a:p>
-            <a:pPr marL="1028700" lvl="1" indent="-571500">
-              <a:lnSpc>
-                <a:spcPct val="200000"/>
-              </a:lnSpc>
-              <a:buFont typeface="Arial" panose="020B0604020202020204" pitchFamily="34" charset="0"/>
-              <a:buChar char="•"/>
-            </a:pPr>
-            <a:r>
-              <a:rPr lang="en-PH" sz="4000" b="1" dirty="0">
-                <a:solidFill>
-                  <a:schemeClr val="bg1"/>
-                </a:solidFill>
-                <a:sym typeface="Wingdings" panose="05000000000000000000" pitchFamily="2" charset="2"/>
-              </a:rPr>
-              <a:t>Click the BUY TICKETS  SEARCH</a:t>
-            </a:r>
-            <a:r>
-              <a:rPr lang="en-GB" sz="4000" b="1" dirty="0">
-                <a:solidFill>
-                  <a:schemeClr val="bg1"/>
-                </a:solidFill>
-                <a:sym typeface="Wingdings" panose="05000000000000000000" pitchFamily="2" charset="2"/>
-              </a:rPr>
-              <a:t> for your bus terminal/ pinpoint (it would go directly to the closest bus terminal)  CHOOSE bus destinations  CHOOSE payment method.</a:t>
-            </a:r>
-            <a:r>
-              <a:rPr lang="en-PH" sz="4000" b="1" dirty="0">
-                <a:solidFill>
-                  <a:schemeClr val="bg1"/>
-                </a:solidFill>
-                <a:sym typeface="Wingdings" panose="05000000000000000000" pitchFamily="2" charset="2"/>
-              </a:rPr>
-              <a:t> </a:t>
-            </a:r>
-          </a:p>
-          <a:p>
-            <a:pPr marL="1028700" lvl="1" indent="-571500">
-              <a:buFont typeface="Arial" panose="020B0604020202020204" pitchFamily="34" charset="0"/>
-              <a:buChar char="•"/>
-            </a:pPr>
-            <a:endParaRPr lang="en-GB" sz="4000" b="1" dirty="0">
-              <a:solidFill>
-                <a:schemeClr val="bg1"/>
-              </a:solidFill>
-              <a:sym typeface="Wingdings" panose="05000000000000000000" pitchFamily="2" charset="2"/>
-            </a:endParaRPr>
           </a:p>
         </p:txBody>
       </p:sp>
+      <p:sp>
+        <p:nvSpPr>
+          <p:cNvPr id="3" name="Rectangle 2">
+            <a:hlinkClick r:id="rId6" action="ppaction://hlinksldjump"/>
+            <a:extLst>
+              <a:ext uri="{FF2B5EF4-FFF2-40B4-BE49-F238E27FC236}">
+                <a16:creationId xmlns:a16="http://schemas.microsoft.com/office/drawing/2014/main" id="{B51A82D3-EB8D-41BF-A1F4-48133D1DBA0A}"/>
+              </a:ext>
+            </a:extLst>
+          </p:cNvPr>
+          <p:cNvSpPr/>
+          <p:nvPr/>
+        </p:nvSpPr>
+        <p:spPr>
+          <a:xfrm>
+            <a:off x="-32328" y="5165605"/>
+            <a:ext cx="12159672" cy="7855506"/>
+          </a:xfrm>
+          <a:prstGeom prst="rect">
+            <a:avLst/>
+          </a:prstGeom>
+        </p:spPr>
+        <p:style>
+          <a:lnRef idx="2">
+            <a:schemeClr val="accent3"/>
+          </a:lnRef>
+          <a:fillRef idx="1">
+            <a:schemeClr val="lt1"/>
+          </a:fillRef>
+          <a:effectRef idx="0">
+            <a:schemeClr val="accent3"/>
+          </a:effectRef>
+          <a:fontRef idx="minor">
+            <a:schemeClr val="dk1"/>
+          </a:fontRef>
+        </p:style>
+        <p:txBody>
+          <a:bodyPr rtlCol="0" anchor="ctr"/>
+          <a:lstStyle/>
+          <a:p>
+            <a:pPr algn="ctr"/>
+            <a:endParaRPr lang="en-GB" dirty="0"/>
+          </a:p>
+          <a:p>
+            <a:pPr algn="ctr"/>
+            <a:endParaRPr lang="en-GB" dirty="0"/>
+          </a:p>
+          <a:p>
+            <a:pPr algn="ctr"/>
+            <a:endParaRPr lang="en-GB" dirty="0"/>
+          </a:p>
+          <a:p>
+            <a:pPr algn="ctr"/>
+            <a:endParaRPr lang="en-GB" dirty="0"/>
+          </a:p>
+          <a:p>
+            <a:pPr algn="ctr"/>
+            <a:endParaRPr lang="en-GB" dirty="0"/>
+          </a:p>
+          <a:p>
+            <a:pPr algn="ctr"/>
+            <a:endParaRPr lang="en-GB" dirty="0"/>
+          </a:p>
+          <a:p>
+            <a:pPr algn="ctr"/>
+            <a:endParaRPr lang="en-GB" dirty="0"/>
+          </a:p>
+          <a:p>
+            <a:pPr algn="ctr"/>
+            <a:endParaRPr lang="en-GB" dirty="0"/>
+          </a:p>
+          <a:p>
+            <a:pPr algn="ctr"/>
+            <a:endParaRPr lang="en-GB" dirty="0"/>
+          </a:p>
+          <a:p>
+            <a:pPr algn="ctr"/>
+            <a:endParaRPr lang="en-GB" dirty="0"/>
+          </a:p>
+          <a:p>
+            <a:pPr algn="ctr"/>
+            <a:endParaRPr lang="en-GB" dirty="0"/>
+          </a:p>
+          <a:p>
+            <a:pPr algn="ctr"/>
+            <a:endParaRPr lang="en-GB" dirty="0"/>
+          </a:p>
+          <a:p>
+            <a:pPr algn="ctr"/>
+            <a:endParaRPr lang="en-GB" dirty="0"/>
+          </a:p>
+          <a:p>
+            <a:pPr algn="ctr"/>
+            <a:endParaRPr lang="en-GB" dirty="0"/>
+          </a:p>
+          <a:p>
+            <a:pPr algn="ctr"/>
+            <a:r>
+              <a:rPr lang="en-GB" sz="6000" dirty="0">
+                <a:latin typeface="Impact" panose="020B0806030902050204" pitchFamily="34" charset="0"/>
+              </a:rPr>
+              <a:t>PAYMENT SUCCESSFUL</a:t>
+            </a:r>
+          </a:p>
+        </p:txBody>
+      </p:sp>
+      <p:pic>
+        <p:nvPicPr>
+          <p:cNvPr id="6146" name="Picture 2" descr="Image result for payment successful message">
+            <a:extLst>
+              <a:ext uri="{FF2B5EF4-FFF2-40B4-BE49-F238E27FC236}">
+                <a16:creationId xmlns:a16="http://schemas.microsoft.com/office/drawing/2014/main" id="{368AD204-02FB-40D0-86E1-226BC6A1DAD8}"/>
+              </a:ext>
+            </a:extLst>
+          </p:cNvPr>
+          <p:cNvPicPr>
+            <a:picLocks noChangeAspect="1" noChangeArrowheads="1"/>
+          </p:cNvPicPr>
+          <p:nvPr/>
+        </p:nvPicPr>
+        <p:blipFill rotWithShape="1">
+          <a:blip r:embed="rId7">
+            <a:extLst>
+              <a:ext uri="{28A0092B-C50C-407E-A947-70E740481C1C}">
+                <a14:useLocalDpi xmlns:a14="http://schemas.microsoft.com/office/drawing/2010/main" val="0"/>
+              </a:ext>
+            </a:extLst>
+          </a:blip>
+          <a:srcRect l="51732" t="31189" r="28504" b="50989"/>
+          <a:stretch/>
+        </p:blipFill>
+        <p:spPr bwMode="auto">
+          <a:xfrm>
+            <a:off x="4031672" y="5831609"/>
+            <a:ext cx="3616038" cy="3775010"/>
+          </a:xfrm>
+          <a:prstGeom prst="rect">
+            <a:avLst/>
+          </a:prstGeom>
+          <a:noFill/>
+          <a:extLst>
+            <a:ext uri="{909E8E84-426E-40DD-AFC4-6F175D3DCCD1}">
+              <a14:hiddenFill xmlns:a14="http://schemas.microsoft.com/office/drawing/2010/main">
+                <a:solidFill>
+                  <a:srgbClr val="FFFFFF"/>
+                </a:solidFill>
+              </a14:hiddenFill>
+            </a:ext>
+          </a:extLst>
+        </p:spPr>
+      </p:pic>
+      <p:pic>
+        <p:nvPicPr>
+          <p:cNvPr id="6" name="Graphic 5" descr="Smiling face with no fill">
+            <a:extLst>
+              <a:ext uri="{FF2B5EF4-FFF2-40B4-BE49-F238E27FC236}">
+                <a16:creationId xmlns:a16="http://schemas.microsoft.com/office/drawing/2014/main" id="{FB2B3D6A-95EF-46CB-8E2F-49DCD2A602CB}"/>
+              </a:ext>
+            </a:extLst>
+          </p:cNvPr>
+          <p:cNvPicPr>
+            <a:picLocks noChangeAspect="1"/>
+          </p:cNvPicPr>
+          <p:nvPr/>
+        </p:nvPicPr>
+        <p:blipFill>
+          <a:blip r:embed="rId8">
+            <a:extLst>
+              <a:ext uri="{28A0092B-C50C-407E-A947-70E740481C1C}">
+                <a14:useLocalDpi xmlns:a14="http://schemas.microsoft.com/office/drawing/2010/main" val="0"/>
+              </a:ext>
+              <a:ext uri="{96DAC541-7B7A-43D3-8B79-37D633B846F1}">
+                <asvg:svgBlip xmlns:asvg="http://schemas.microsoft.com/office/drawing/2016/SVG/main" r:embed="rId9"/>
+              </a:ext>
+            </a:extLst>
+          </a:blip>
+          <a:stretch>
+            <a:fillRect/>
+          </a:stretch>
+        </p:blipFill>
+        <p:spPr>
+          <a:xfrm>
+            <a:off x="3581400" y="5397175"/>
+            <a:ext cx="4362450" cy="4426098"/>
+          </a:xfrm>
+          <a:prstGeom prst="rect">
+            <a:avLst/>
+          </a:prstGeom>
+        </p:spPr>
+      </p:pic>
     </p:spTree>
     <p:extLst>
       <p:ext uri="{BB962C8B-B14F-4D97-AF65-F5344CB8AC3E}">
-        <p14:creationId xmlns:p14="http://schemas.microsoft.com/office/powerpoint/2010/main" val="2100991519"/>
+        <p14:creationId xmlns:p14="http://schemas.microsoft.com/office/powerpoint/2010/main" val="195133374"/>
       </p:ext>
     </p:extLst>
   </p:cSld>
@@ -23165,13 +23701,397 @@
               </a:ext>
             </a:extLst>
           </p:cNvPr>
-          <p:cNvCxnSpPr/>
+          <p:cNvCxnSpPr>
+            <a:cxnSpLocks/>
+          </p:cNvCxnSpPr>
           <p:nvPr/>
         </p:nvCxnSpPr>
         <p:spPr>
           <a:xfrm>
-            <a:off x="-6650182" y="2039115"/>
-            <a:ext cx="21363709" cy="0"/>
+            <a:off x="0" y="2039115"/>
+            <a:ext cx="12192000" cy="0"/>
+          </a:xfrm>
+          <a:prstGeom prst="line">
+            <a:avLst/>
+          </a:prstGeom>
+        </p:spPr>
+        <p:style>
+          <a:lnRef idx="1">
+            <a:schemeClr val="dk1"/>
+          </a:lnRef>
+          <a:fillRef idx="0">
+            <a:schemeClr val="dk1"/>
+          </a:fillRef>
+          <a:effectRef idx="0">
+            <a:schemeClr val="dk1"/>
+          </a:effectRef>
+          <a:fontRef idx="minor">
+            <a:schemeClr val="tx1"/>
+          </a:fontRef>
+        </p:style>
+      </p:cxnSp>
+      <p:sp>
+        <p:nvSpPr>
+          <p:cNvPr id="8" name="TextBox 7">
+            <a:extLst>
+              <a:ext uri="{FF2B5EF4-FFF2-40B4-BE49-F238E27FC236}">
+                <a16:creationId xmlns:a16="http://schemas.microsoft.com/office/drawing/2014/main" id="{58F91808-A7D5-48C0-A92F-16BC3D5F7E59}"/>
+              </a:ext>
+            </a:extLst>
+          </p:cNvPr>
+          <p:cNvSpPr txBox="1"/>
+          <p:nvPr/>
+        </p:nvSpPr>
+        <p:spPr>
+          <a:xfrm>
+            <a:off x="1447799" y="3034145"/>
+            <a:ext cx="10349345" cy="14250055"/>
+          </a:xfrm>
+          <a:prstGeom prst="rect">
+            <a:avLst/>
+          </a:prstGeom>
+          <a:noFill/>
+        </p:spPr>
+        <p:txBody>
+          <a:bodyPr wrap="square" rtlCol="0">
+            <a:spAutoFit/>
+          </a:bodyPr>
+          <a:lstStyle/>
+          <a:p>
+            <a:pPr marL="571500" indent="-571500">
+              <a:lnSpc>
+                <a:spcPct val="200000"/>
+              </a:lnSpc>
+              <a:buFont typeface="Arial" panose="020B0604020202020204" pitchFamily="34" charset="0"/>
+              <a:buChar char="•"/>
+            </a:pPr>
+            <a:r>
+              <a:rPr lang="en-PH" sz="4000" b="1" dirty="0">
+                <a:solidFill>
+                  <a:schemeClr val="bg1"/>
+                </a:solidFill>
+              </a:rPr>
+              <a:t>How do I get to the map view for the bus tracker? </a:t>
+            </a:r>
+          </a:p>
+          <a:p>
+            <a:pPr marL="1028700" lvl="1" indent="-571500">
+              <a:lnSpc>
+                <a:spcPct val="200000"/>
+              </a:lnSpc>
+              <a:buFont typeface="Arial" panose="020B0604020202020204" pitchFamily="34" charset="0"/>
+              <a:buChar char="•"/>
+            </a:pPr>
+            <a:r>
+              <a:rPr lang="en-PH" sz="4000" b="1" dirty="0">
+                <a:solidFill>
+                  <a:schemeClr val="bg1"/>
+                </a:solidFill>
+              </a:rPr>
+              <a:t>You can access by going to TRACKING </a:t>
+            </a:r>
+            <a:r>
+              <a:rPr lang="en-PH" sz="4000" b="1" dirty="0">
+                <a:solidFill>
+                  <a:schemeClr val="bg1"/>
+                </a:solidFill>
+                <a:sym typeface="Wingdings" panose="05000000000000000000" pitchFamily="2" charset="2"/>
+              </a:rPr>
+              <a:t> SEARCH</a:t>
+            </a:r>
+            <a:r>
+              <a:rPr lang="en-GB" sz="4000" b="1" dirty="0">
+                <a:solidFill>
+                  <a:schemeClr val="bg1"/>
+                </a:solidFill>
+                <a:sym typeface="Wingdings" panose="05000000000000000000" pitchFamily="2" charset="2"/>
+              </a:rPr>
+              <a:t> for your bus terminal/ pinpoint (it would go directly to the closest bus terminal)  CHOOSE bus destinations.</a:t>
+            </a:r>
+            <a:endParaRPr lang="en-PH" sz="4000" b="1" dirty="0">
+              <a:solidFill>
+                <a:schemeClr val="bg1"/>
+              </a:solidFill>
+              <a:sym typeface="Wingdings" panose="05000000000000000000" pitchFamily="2" charset="2"/>
+            </a:endParaRPr>
+          </a:p>
+          <a:p>
+            <a:pPr marL="571500" indent="-571500">
+              <a:lnSpc>
+                <a:spcPct val="200000"/>
+              </a:lnSpc>
+              <a:buFont typeface="Arial" panose="020B0604020202020204" pitchFamily="34" charset="0"/>
+              <a:buChar char="•"/>
+            </a:pPr>
+            <a:r>
+              <a:rPr lang="en-PH" sz="4000" b="1" dirty="0">
+                <a:solidFill>
+                  <a:schemeClr val="bg1"/>
+                </a:solidFill>
+                <a:sym typeface="Wingdings" panose="05000000000000000000" pitchFamily="2" charset="2"/>
+              </a:rPr>
+              <a:t>How do I buy Tickets?</a:t>
+            </a:r>
+          </a:p>
+          <a:p>
+            <a:pPr marL="1028700" lvl="1" indent="-571500">
+              <a:lnSpc>
+                <a:spcPct val="200000"/>
+              </a:lnSpc>
+              <a:buFont typeface="Arial" panose="020B0604020202020204" pitchFamily="34" charset="0"/>
+              <a:buChar char="•"/>
+            </a:pPr>
+            <a:r>
+              <a:rPr lang="en-PH" sz="4000" b="1" dirty="0">
+                <a:solidFill>
+                  <a:schemeClr val="bg1"/>
+                </a:solidFill>
+                <a:sym typeface="Wingdings" panose="05000000000000000000" pitchFamily="2" charset="2"/>
+              </a:rPr>
+              <a:t>Click the BUY TICKETS  SEARCH</a:t>
+            </a:r>
+            <a:r>
+              <a:rPr lang="en-GB" sz="4000" b="1" dirty="0">
+                <a:solidFill>
+                  <a:schemeClr val="bg1"/>
+                </a:solidFill>
+                <a:sym typeface="Wingdings" panose="05000000000000000000" pitchFamily="2" charset="2"/>
+              </a:rPr>
+              <a:t> for your bus terminal/ pinpoint (it would go directly to the closest bus terminal)  CHOOSE bus destinations  CHOOSE payment method.</a:t>
+            </a:r>
+            <a:r>
+              <a:rPr lang="en-PH" sz="4000" b="1" dirty="0">
+                <a:solidFill>
+                  <a:schemeClr val="bg1"/>
+                </a:solidFill>
+                <a:sym typeface="Wingdings" panose="05000000000000000000" pitchFamily="2" charset="2"/>
+              </a:rPr>
+              <a:t> </a:t>
+            </a:r>
+          </a:p>
+          <a:p>
+            <a:pPr marL="1028700" lvl="1" indent="-571500">
+              <a:buFont typeface="Arial" panose="020B0604020202020204" pitchFamily="34" charset="0"/>
+              <a:buChar char="•"/>
+            </a:pPr>
+            <a:endParaRPr lang="en-GB" sz="4000" b="1" dirty="0">
+              <a:solidFill>
+                <a:schemeClr val="bg1"/>
+              </a:solidFill>
+              <a:sym typeface="Wingdings" panose="05000000000000000000" pitchFamily="2" charset="2"/>
+            </a:endParaRPr>
+          </a:p>
+        </p:txBody>
+      </p:sp>
+    </p:spTree>
+    <p:extLst>
+      <p:ext uri="{BB962C8B-B14F-4D97-AF65-F5344CB8AC3E}">
+        <p14:creationId xmlns:p14="http://schemas.microsoft.com/office/powerpoint/2010/main" val="2100991519"/>
+      </p:ext>
+    </p:extLst>
+  </p:cSld>
+  <p:clrMapOvr>
+    <a:masterClrMapping/>
+  </p:clrMapOvr>
+</p:sld>
+</file>
+
+<file path=ppt/slides/slide32.xml><?xml version="1.0" encoding="utf-8"?>
+<p:sld xmlns:a="http://schemas.openxmlformats.org/drawingml/2006/main" xmlns:r="http://schemas.openxmlformats.org/officeDocument/2006/relationships" xmlns:p="http://schemas.openxmlformats.org/presentationml/2006/main">
+  <p:cSld>
+    <p:bg>
+      <p:bgPr>
+        <a:solidFill>
+          <a:srgbClr val="2F5597"/>
+        </a:solidFill>
+        <a:effectLst/>
+      </p:bgPr>
+    </p:bg>
+    <p:spTree>
+      <p:nvGrpSpPr>
+        <p:cNvPr id="1" name=""/>
+        <p:cNvGrpSpPr/>
+        <p:nvPr/>
+      </p:nvGrpSpPr>
+      <p:grpSpPr>
+        <a:xfrm>
+          <a:off x="0" y="0"/>
+          <a:ext cx="0" cy="0"/>
+          <a:chOff x="0" y="0"/>
+          <a:chExt cx="0" cy="0"/>
+        </a:xfrm>
+      </p:grpSpPr>
+      <p:sp>
+        <p:nvSpPr>
+          <p:cNvPr id="4" name="Rectangle 3">
+            <a:extLst>
+              <a:ext uri="{FF2B5EF4-FFF2-40B4-BE49-F238E27FC236}">
+                <a16:creationId xmlns:a16="http://schemas.microsoft.com/office/drawing/2014/main" id="{FD5D6374-30F7-4092-AE24-97A384FB9A03}"/>
+              </a:ext>
+            </a:extLst>
+          </p:cNvPr>
+          <p:cNvSpPr/>
+          <p:nvPr/>
+        </p:nvSpPr>
+        <p:spPr>
+          <a:xfrm>
+            <a:off x="2701636" y="622986"/>
+            <a:ext cx="8188036" cy="1122218"/>
+          </a:xfrm>
+          <a:prstGeom prst="rect">
+            <a:avLst/>
+          </a:prstGeom>
+          <a:solidFill>
+            <a:srgbClr val="2F5597"/>
+          </a:solidFill>
+        </p:spPr>
+        <p:style>
+          <a:lnRef idx="2">
+            <a:schemeClr val="accent1"/>
+          </a:lnRef>
+          <a:fillRef idx="1">
+            <a:schemeClr val="lt1"/>
+          </a:fillRef>
+          <a:effectRef idx="0">
+            <a:schemeClr val="accent1"/>
+          </a:effectRef>
+          <a:fontRef idx="minor">
+            <a:schemeClr val="dk1"/>
+          </a:fontRef>
+        </p:style>
+        <p:txBody>
+          <a:bodyPr rtlCol="0" anchor="ctr"/>
+          <a:lstStyle/>
+          <a:p>
+            <a:r>
+              <a:rPr lang="en-GB" sz="5400" b="1" dirty="0">
+                <a:solidFill>
+                  <a:schemeClr val="bg1"/>
+                </a:solidFill>
+                <a:latin typeface="Agency FB" panose="020B0503020202020204" pitchFamily="34" charset="0"/>
+              </a:rPr>
+              <a:t>HELP</a:t>
+            </a:r>
+          </a:p>
+        </p:txBody>
+      </p:sp>
+      <p:grpSp>
+        <p:nvGrpSpPr>
+          <p:cNvPr id="5" name="Group 4">
+            <a:extLst>
+              <a:ext uri="{FF2B5EF4-FFF2-40B4-BE49-F238E27FC236}">
+                <a16:creationId xmlns:a16="http://schemas.microsoft.com/office/drawing/2014/main" id="{C4405D9D-CCE5-4A1E-AE88-A15E048F70D9}"/>
+              </a:ext>
+            </a:extLst>
+          </p:cNvPr>
+          <p:cNvGrpSpPr/>
+          <p:nvPr/>
+        </p:nvGrpSpPr>
+        <p:grpSpPr>
+          <a:xfrm>
+            <a:off x="193962" y="436183"/>
+            <a:ext cx="2511137" cy="1559887"/>
+            <a:chOff x="193962" y="436183"/>
+            <a:chExt cx="2511137" cy="1559887"/>
+          </a:xfrm>
+        </p:grpSpPr>
+        <p:pic>
+          <p:nvPicPr>
+            <p:cNvPr id="16" name="Graphic 15" descr="Pause">
+              <a:extLst>
+                <a:ext uri="{FF2B5EF4-FFF2-40B4-BE49-F238E27FC236}">
+                  <a16:creationId xmlns:a16="http://schemas.microsoft.com/office/drawing/2014/main" id="{547E1B56-80ED-4478-B5EB-AF57A896E4E3}"/>
+                </a:ext>
+              </a:extLst>
+            </p:cNvPr>
+            <p:cNvPicPr>
+              <a:picLocks noChangeAspect="1"/>
+            </p:cNvPicPr>
+            <p:nvPr/>
+          </p:nvPicPr>
+          <p:blipFill>
+            <a:blip r:embed="rId2">
+              <a:extLst>
+                <a:ext uri="{28A0092B-C50C-407E-A947-70E740481C1C}">
+                  <a14:useLocalDpi xmlns:a14="http://schemas.microsoft.com/office/drawing/2010/main" val="0"/>
+                </a:ext>
+                <a:ext uri="{96DAC541-7B7A-43D3-8B79-37D633B846F1}">
+                  <asvg:svgBlip xmlns:asvg="http://schemas.microsoft.com/office/drawing/2016/SVG/main" r:embed="rId3"/>
+                </a:ext>
+              </a:extLst>
+            </a:blip>
+            <a:stretch>
+              <a:fillRect/>
+            </a:stretch>
+          </p:blipFill>
+          <p:spPr>
+            <a:xfrm rot="5400000">
+              <a:off x="886690" y="-256545"/>
+              <a:ext cx="1122218" cy="2507673"/>
+            </a:xfrm>
+            <a:prstGeom prst="rect">
+              <a:avLst/>
+            </a:prstGeom>
+          </p:spPr>
+        </p:pic>
+        <p:pic>
+          <p:nvPicPr>
+            <p:cNvPr id="17" name="Graphic 16" descr="Pause">
+              <a:extLst>
+                <a:ext uri="{FF2B5EF4-FFF2-40B4-BE49-F238E27FC236}">
+                  <a16:creationId xmlns:a16="http://schemas.microsoft.com/office/drawing/2014/main" id="{DFDF95E7-63CC-4007-82B3-E5762A06EC9B}"/>
+                </a:ext>
+              </a:extLst>
+            </p:cNvPr>
+            <p:cNvPicPr>
+              <a:picLocks noChangeAspect="1"/>
+            </p:cNvPicPr>
+            <p:nvPr/>
+          </p:nvPicPr>
+          <p:blipFill>
+            <a:blip r:embed="rId4">
+              <a:extLst>
+                <a:ext uri="{28A0092B-C50C-407E-A947-70E740481C1C}">
+                  <a14:useLocalDpi xmlns:a14="http://schemas.microsoft.com/office/drawing/2010/main" val="0"/>
+                </a:ext>
+                <a:ext uri="{96DAC541-7B7A-43D3-8B79-37D633B846F1}">
+                  <asvg:svgBlip xmlns:asvg="http://schemas.microsoft.com/office/drawing/2016/SVG/main" r:embed="rId5"/>
+                </a:ext>
+              </a:extLst>
+            </a:blip>
+            <a:stretch>
+              <a:fillRect/>
+            </a:stretch>
+          </p:blipFill>
+          <p:spPr>
+            <a:xfrm rot="5400000">
+              <a:off x="890154" y="181124"/>
+              <a:ext cx="1122218" cy="2507673"/>
+            </a:xfrm>
+            <a:prstGeom prst="rect">
+              <a:avLst/>
+            </a:prstGeom>
+          </p:spPr>
+        </p:pic>
+      </p:grpSp>
+      <p:cxnSp>
+        <p:nvCxnSpPr>
+          <p:cNvPr id="7" name="Straight Connector 6">
+            <a:extLst>
+              <a:ext uri="{FF2B5EF4-FFF2-40B4-BE49-F238E27FC236}">
+                <a16:creationId xmlns:a16="http://schemas.microsoft.com/office/drawing/2014/main" id="{4FE02D35-797E-4098-9116-380624027DC5}"/>
+              </a:ext>
+            </a:extLst>
+          </p:cNvPr>
+          <p:cNvCxnSpPr>
+            <a:cxnSpLocks/>
+          </p:cNvCxnSpPr>
+          <p:nvPr/>
+        </p:nvCxnSpPr>
+        <p:spPr>
+          <a:xfrm>
+            <a:off x="-6928" y="1996070"/>
+            <a:ext cx="12198928" cy="0"/>
           </a:xfrm>
           <a:prstGeom prst="line">
             <a:avLst/>
@@ -24424,13 +25344,15 @@
               </a:ext>
             </a:extLst>
           </p:cNvPr>
-          <p:cNvCxnSpPr/>
+          <p:cNvCxnSpPr>
+            <a:cxnSpLocks/>
+          </p:cNvCxnSpPr>
           <p:nvPr/>
         </p:nvCxnSpPr>
         <p:spPr>
           <a:xfrm>
-            <a:off x="-6650182" y="2039115"/>
-            <a:ext cx="21363709" cy="0"/>
+            <a:off x="0" y="2039115"/>
+            <a:ext cx="12192000" cy="0"/>
           </a:xfrm>
           <a:prstGeom prst="line">
             <a:avLst/>
@@ -24706,13 +25628,15 @@
               </a:ext>
             </a:extLst>
           </p:cNvPr>
-          <p:cNvCxnSpPr/>
+          <p:cNvCxnSpPr>
+            <a:cxnSpLocks/>
+          </p:cNvCxnSpPr>
           <p:nvPr/>
         </p:nvCxnSpPr>
         <p:spPr>
-          <a:xfrm>
-            <a:off x="-6650182" y="2039115"/>
-            <a:ext cx="21363709" cy="0"/>
+          <a:xfrm flipV="1">
+            <a:off x="-1" y="1996070"/>
+            <a:ext cx="12160681" cy="43045"/>
           </a:xfrm>
           <a:prstGeom prst="line">
             <a:avLst/>
@@ -25024,13 +25948,15 @@
               </a:ext>
             </a:extLst>
           </p:cNvPr>
-          <p:cNvCxnSpPr/>
+          <p:cNvCxnSpPr>
+            <a:cxnSpLocks/>
+          </p:cNvCxnSpPr>
           <p:nvPr/>
         </p:nvCxnSpPr>
         <p:spPr>
           <a:xfrm>
-            <a:off x="-6650182" y="2039115"/>
-            <a:ext cx="21363709" cy="0"/>
+            <a:off x="0" y="1996070"/>
+            <a:ext cx="12160680" cy="43045"/>
           </a:xfrm>
           <a:prstGeom prst="line">
             <a:avLst/>
@@ -28006,7 +28932,13 @@
           <a:lstStyle/>
           <a:p>
             <a:r>
-              <a:rPr lang="en-GB" sz="6600" dirty="0"/>
+              <a:rPr lang="en-GB" sz="6600" dirty="0">
+                <a:solidFill>
+                  <a:schemeClr val="bg1">
+                    <a:lumMod val="50000"/>
+                  </a:schemeClr>
+                </a:solidFill>
+              </a:rPr>
               <a:t>TRACKING</a:t>
             </a:r>
           </a:p>
@@ -29213,13 +30145,25 @@
           <a:lstStyle/>
           <a:p>
             <a:r>
-              <a:rPr lang="en-GB" sz="6600" dirty="0"/>
+              <a:rPr lang="en-GB" sz="6600" dirty="0">
+                <a:solidFill>
+                  <a:schemeClr val="bg1">
+                    <a:lumMod val="50000"/>
+                  </a:schemeClr>
+                </a:solidFill>
+              </a:rPr>
               <a:t>BUY</a:t>
             </a:r>
           </a:p>
           <a:p>
             <a:r>
-              <a:rPr lang="en-GB" sz="6600" dirty="0"/>
+              <a:rPr lang="en-GB" sz="6600" dirty="0">
+                <a:solidFill>
+                  <a:schemeClr val="bg1">
+                    <a:lumMod val="50000"/>
+                  </a:schemeClr>
+                </a:solidFill>
+              </a:rPr>
               <a:t>TICKETS</a:t>
             </a:r>
           </a:p>
@@ -30070,15 +31014,7 @@
 <ds:datastoreItem xmlns:ds="http://schemas.openxmlformats.org/officeDocument/2006/customXml" ds:itemID="{DC48C55A-8566-494A-B5A4-3D9466699614}">
   <ds:schemaRefs>
     <ds:schemaRef ds:uri="http://schemas.microsoft.com/office/2006/metadata/properties"/>
-    <ds:schemaRef ds:uri="fc79872e-d067-45ea-bc32-2adc79ecbd6f"/>
-    <ds:schemaRef ds:uri="http://purl.org/dc/terms/"/>
-    <ds:schemaRef ds:uri="http://schemas.openxmlformats.org/package/2006/metadata/core-properties"/>
-    <ds:schemaRef ds:uri="a61ad034-4b7f-4815-8204-ddb07bbfc587"/>
-    <ds:schemaRef ds:uri="http://purl.org/dc/dcmitype/"/>
     <ds:schemaRef ds:uri="http://schemas.microsoft.com/office/infopath/2007/PartnerControls"/>
-    <ds:schemaRef ds:uri="http://schemas.microsoft.com/office/2006/documentManagement/types"/>
-    <ds:schemaRef ds:uri="http://purl.org/dc/elements/1.1/"/>
-    <ds:schemaRef ds:uri="http://www.w3.org/XML/1998/namespace"/>
   </ds:schemaRefs>
 </ds:datastoreItem>
 </file>
